--- a/shun/aamas14-poster.pptx
+++ b/shun/aamas14-poster.pptx
@@ -63,8 +63,8 @@
         </p:nvSpPr>
         <p:spPr>
           <a:xfrm>
-            <a:off x="3429000" y="11362320"/>
-            <a:ext cx="38860920" cy="7840080"/>
+            <a:off x="2286000" y="1459080"/>
+            <a:ext cx="41147640" cy="6108120"/>
           </a:xfrm>
           <a:prstGeom prst="rect">
             <a:avLst/>
@@ -164,8 +164,8 @@
         </p:nvSpPr>
         <p:spPr>
           <a:xfrm>
-            <a:off x="3429000" y="11362320"/>
-            <a:ext cx="38860920" cy="7840080"/>
+            <a:off x="2286000" y="1459080"/>
+            <a:ext cx="41147640" cy="6108120"/>
           </a:xfrm>
           <a:prstGeom prst="rect">
             <a:avLst/>
@@ -317,8 +317,8 @@
         </p:nvSpPr>
         <p:spPr>
           <a:xfrm>
-            <a:off x="3429000" y="11362320"/>
-            <a:ext cx="38860920" cy="7840080"/>
+            <a:off x="2286000" y="1459080"/>
+            <a:ext cx="41147640" cy="6108120"/>
           </a:xfrm>
           <a:prstGeom prst="rect">
             <a:avLst/>
@@ -418,8 +418,8 @@
         </p:nvSpPr>
         <p:spPr>
           <a:xfrm>
-            <a:off x="3429000" y="11362320"/>
-            <a:ext cx="38860920" cy="7840080"/>
+            <a:off x="2286000" y="1459080"/>
+            <a:ext cx="41147640" cy="6108120"/>
           </a:xfrm>
           <a:prstGeom prst="rect">
             <a:avLst/>
@@ -446,7 +446,7 @@
         <p:spPr>
           <a:xfrm>
             <a:off x="2286000" y="8558640"/>
-            <a:ext cx="40233240" cy="21214080"/>
+            <a:ext cx="40233240" cy="21213720"/>
           </a:xfrm>
           <a:prstGeom prst="rect">
             <a:avLst/>
@@ -494,8 +494,8 @@
         </p:nvSpPr>
         <p:spPr>
           <a:xfrm>
-            <a:off x="3429000" y="11362320"/>
-            <a:ext cx="38860920" cy="7840080"/>
+            <a:off x="2286000" y="1459080"/>
+            <a:ext cx="41147640" cy="6108120"/>
           </a:xfrm>
           <a:prstGeom prst="rect">
             <a:avLst/>
@@ -522,7 +522,7 @@
         <p:spPr>
           <a:xfrm>
             <a:off x="2286000" y="8558640"/>
-            <a:ext cx="40233240" cy="21213720"/>
+            <a:ext cx="40233240" cy="21213360"/>
           </a:xfrm>
           <a:prstGeom prst="rect">
             <a:avLst/>
@@ -569,8 +569,8 @@
         </p:nvSpPr>
         <p:spPr>
           <a:xfrm>
-            <a:off x="3429000" y="11362320"/>
-            <a:ext cx="38860920" cy="7840080"/>
+            <a:off x="2286000" y="1459080"/>
+            <a:ext cx="41147640" cy="6108120"/>
           </a:xfrm>
           <a:prstGeom prst="rect">
             <a:avLst/>
@@ -597,7 +597,7 @@
         <p:spPr>
           <a:xfrm>
             <a:off x="2286000" y="8558640"/>
-            <a:ext cx="19633320" cy="21213720"/>
+            <a:ext cx="19633320" cy="21213360"/>
           </a:xfrm>
           <a:prstGeom prst="rect">
             <a:avLst/>
@@ -623,7 +623,7 @@
         <p:spPr>
           <a:xfrm>
             <a:off x="22901040" y="8558640"/>
-            <a:ext cx="19633320" cy="21213720"/>
+            <a:ext cx="19633320" cy="21213360"/>
           </a:xfrm>
           <a:prstGeom prst="rect">
             <a:avLst/>
@@ -670,8 +670,8 @@
         </p:nvSpPr>
         <p:spPr>
           <a:xfrm>
-            <a:off x="3429000" y="11362320"/>
-            <a:ext cx="38860920" cy="7840080"/>
+            <a:off x="2286000" y="1459080"/>
+            <a:ext cx="41147640" cy="6108120"/>
           </a:xfrm>
           <a:prstGeom prst="rect">
             <a:avLst/>
@@ -719,8 +719,8 @@
         </p:nvSpPr>
         <p:spPr>
           <a:xfrm>
-            <a:off x="3429000" y="11362320"/>
-            <a:ext cx="38860920" cy="18410040"/>
+            <a:off x="2286000" y="1459080"/>
+            <a:ext cx="41147640" cy="28312920"/>
           </a:xfrm>
           <a:prstGeom prst="rect">
             <a:avLst/>
@@ -768,8 +768,8 @@
         </p:nvSpPr>
         <p:spPr>
           <a:xfrm>
-            <a:off x="3429000" y="11362320"/>
-            <a:ext cx="38860920" cy="7840080"/>
+            <a:off x="2286000" y="1459080"/>
+            <a:ext cx="41147640" cy="6108120"/>
           </a:xfrm>
           <a:prstGeom prst="rect">
             <a:avLst/>
@@ -848,7 +848,7 @@
         <p:spPr>
           <a:xfrm>
             <a:off x="22901040" y="8558640"/>
-            <a:ext cx="19633320" cy="21213720"/>
+            <a:ext cx="19633320" cy="21213360"/>
           </a:xfrm>
           <a:prstGeom prst="rect">
             <a:avLst/>
@@ -895,8 +895,8 @@
         </p:nvSpPr>
         <p:spPr>
           <a:xfrm>
-            <a:off x="3429000" y="11362320"/>
-            <a:ext cx="38860920" cy="7840080"/>
+            <a:off x="2286000" y="1459080"/>
+            <a:ext cx="41147640" cy="6108120"/>
           </a:xfrm>
           <a:prstGeom prst="rect">
             <a:avLst/>
@@ -923,7 +923,7 @@
         <p:spPr>
           <a:xfrm>
             <a:off x="2286000" y="8558640"/>
-            <a:ext cx="19633320" cy="21213720"/>
+            <a:ext cx="19633320" cy="21213360"/>
           </a:xfrm>
           <a:prstGeom prst="rect">
             <a:avLst/>
@@ -1022,8 +1022,8 @@
         </p:nvSpPr>
         <p:spPr>
           <a:xfrm>
-            <a:off x="3429000" y="11362320"/>
-            <a:ext cx="38860920" cy="7840080"/>
+            <a:off x="2286000" y="1459080"/>
+            <a:ext cx="41147640" cy="6108120"/>
           </a:xfrm>
           <a:prstGeom prst="rect">
             <a:avLst/>
@@ -1156,8 +1156,8 @@
         </p:nvSpPr>
         <p:spPr>
           <a:xfrm>
-            <a:off x="3429000" y="11362320"/>
-            <a:ext cx="38860920" cy="7839720"/>
+            <a:off x="2286000" y="1459080"/>
+            <a:ext cx="41147640" cy="6107760"/>
           </a:xfrm>
           <a:prstGeom prst="rect">
             <a:avLst/>
@@ -1166,145 +1166,10 @@
         <p:txBody>
           <a:bodyPr anchor="ctr" bIns="0" lIns="0" rIns="0" tIns="0" wrap="none"/>
           <a:p>
+            <a:pPr algn="ctr"/>
             <a:r>
               <a:rPr lang="en-US"/>
-              <a:t>C</a:t>
-            </a:r>
-            <a:r>
-              <a:rPr lang="en-US"/>
-              <a:t>l</a:t>
-            </a:r>
-            <a:r>
-              <a:rPr lang="en-US"/>
-              <a:t>i</a:t>
-            </a:r>
-            <a:r>
-              <a:rPr lang="en-US"/>
-              <a:t>c</a:t>
-            </a:r>
-            <a:r>
-              <a:rPr lang="en-US"/>
-              <a:t>k</a:t>
-            </a:r>
-            <a:r>
-              <a:rPr lang="en-US"/>
-              <a:t> </a:t>
-            </a:r>
-            <a:r>
-              <a:rPr lang="en-US"/>
-              <a:t>t</a:t>
-            </a:r>
-            <a:r>
-              <a:rPr lang="en-US"/>
-              <a:t>o</a:t>
-            </a:r>
-            <a:r>
-              <a:rPr lang="en-US"/>
-              <a:t> </a:t>
-            </a:r>
-            <a:r>
-              <a:rPr lang="en-US"/>
-              <a:t>e</a:t>
-            </a:r>
-            <a:r>
-              <a:rPr lang="en-US"/>
-              <a:t>d</a:t>
-            </a:r>
-            <a:r>
-              <a:rPr lang="en-US"/>
-              <a:t>i</a:t>
-            </a:r>
-            <a:r>
-              <a:rPr lang="en-US"/>
-              <a:t>t</a:t>
-            </a:r>
-            <a:r>
-              <a:rPr lang="en-US"/>
-              <a:t> </a:t>
-            </a:r>
-            <a:r>
-              <a:rPr lang="en-US"/>
-              <a:t>t</a:t>
-            </a:r>
-            <a:r>
-              <a:rPr lang="en-US"/>
-              <a:t>h</a:t>
-            </a:r>
-            <a:r>
-              <a:rPr lang="en-US"/>
-              <a:t>e</a:t>
-            </a:r>
-            <a:r>
-              <a:rPr lang="en-US"/>
-              <a:t> </a:t>
-            </a:r>
-            <a:r>
-              <a:rPr lang="en-US"/>
-              <a:t>t</a:t>
-            </a:r>
-            <a:r>
-              <a:rPr lang="en-US"/>
-              <a:t>i</a:t>
-            </a:r>
-            <a:r>
-              <a:rPr lang="en-US"/>
-              <a:t>t</a:t>
-            </a:r>
-            <a:r>
-              <a:rPr lang="en-US"/>
-              <a:t>l</a:t>
-            </a:r>
-            <a:r>
-              <a:rPr lang="en-US"/>
-              <a:t>e</a:t>
-            </a:r>
-            <a:r>
-              <a:rPr lang="en-US"/>
-              <a:t> </a:t>
-            </a:r>
-            <a:r>
-              <a:rPr lang="en-US"/>
-              <a:t>t</a:t>
-            </a:r>
-            <a:r>
-              <a:rPr lang="en-US"/>
-              <a:t>e</a:t>
-            </a:r>
-            <a:r>
-              <a:rPr lang="en-US"/>
-              <a:t>x</a:t>
-            </a:r>
-            <a:r>
-              <a:rPr lang="en-US"/>
-              <a:t>t</a:t>
-            </a:r>
-            <a:r>
-              <a:rPr lang="en-US"/>
-              <a:t> </a:t>
-            </a:r>
-            <a:r>
-              <a:rPr lang="en-US"/>
-              <a:t>f</a:t>
-            </a:r>
-            <a:r>
-              <a:rPr lang="en-US"/>
-              <a:t>o</a:t>
-            </a:r>
-            <a:r>
-              <a:rPr lang="en-US"/>
-              <a:t>r</a:t>
-            </a:r>
-            <a:r>
-              <a:rPr lang="en-US"/>
-              <a:t>m</a:t>
-            </a:r>
-            <a:r>
-              <a:rPr lang="en-US"/>
-              <a:t>a</a:t>
-            </a:r>
-            <a:r>
-              <a:rPr lang="en-US"/>
-              <a:t>t</a:t>
+              <a:t>Click to edit the title text format</a:t>
             </a:r>
             <a:endParaRPr/>
           </a:p>
@@ -1323,7 +1188,7 @@
         <p:spPr>
           <a:xfrm>
             <a:off x="2286000" y="8558640"/>
-            <a:ext cx="40233240" cy="21213720"/>
+            <a:ext cx="40233240" cy="21213360"/>
           </a:xfrm>
           <a:prstGeom prst="rect">
             <a:avLst/>
@@ -1470,7 +1335,7 @@
         <p:spPr>
           <a:xfrm>
             <a:off x="1257480" y="9144360"/>
-            <a:ext cx="43455600" cy="26059320"/>
+            <a:ext cx="43454520" cy="26058240"/>
           </a:xfrm>
           <a:prstGeom prst="rect">
             <a:avLst/>
@@ -1488,14 +1353,14 @@
         </p:nvSpPr>
         <p:spPr>
           <a:xfrm>
-            <a:off x="1280520" y="9144000"/>
-            <a:ext cx="20164680" cy="12098520"/>
+            <a:off x="1257480" y="9144000"/>
+            <a:ext cx="20186640" cy="12097440"/>
           </a:xfrm>
           <a:prstGeom prst="rect">
             <a:avLst/>
           </a:prstGeom>
           <a:solidFill>
-            <a:srgbClr val="008000"/>
+            <a:srgbClr val="ffffff"/>
           </a:solidFill>
         </p:spPr>
       </p:sp>
@@ -1508,13 +1373,13 @@
         <p:spPr>
           <a:xfrm>
             <a:off x="24688800" y="9144360"/>
-            <a:ext cx="20024280" cy="12069360"/>
+            <a:ext cx="20023200" cy="12068280"/>
           </a:xfrm>
           <a:prstGeom prst="rect">
             <a:avLst/>
           </a:prstGeom>
           <a:solidFill>
-            <a:srgbClr val="008000"/>
+            <a:srgbClr val="ffffff"/>
           </a:solidFill>
         </p:spPr>
       </p:sp>
@@ -1527,13 +1392,13 @@
         <p:spPr>
           <a:xfrm>
             <a:off x="24547680" y="23105160"/>
-            <a:ext cx="20164320" cy="12098520"/>
+            <a:ext cx="20163240" cy="12097440"/>
           </a:xfrm>
           <a:prstGeom prst="rect">
             <a:avLst/>
           </a:prstGeom>
           <a:solidFill>
-            <a:srgbClr val="008000"/>
+            <a:srgbClr val="ffffff"/>
           </a:solidFill>
         </p:spPr>
       </p:sp>
@@ -1546,13 +1411,13 @@
         <p:spPr>
           <a:xfrm>
             <a:off x="1280520" y="23105160"/>
-            <a:ext cx="20164680" cy="12098520"/>
+            <a:ext cx="20163600" cy="12097440"/>
           </a:xfrm>
           <a:prstGeom prst="rect">
             <a:avLst/>
           </a:prstGeom>
           <a:solidFill>
-            <a:srgbClr val="008000"/>
+            <a:srgbClr val="ffffff"/>
           </a:solidFill>
         </p:spPr>
       </p:sp>
@@ -1829,7 +1694,7 @@
         <p:spPr>
           <a:xfrm>
             <a:off x="0" y="640080"/>
-            <a:ext cx="45718920" cy="3626280"/>
+            <a:ext cx="45717840" cy="3625200"/>
           </a:xfrm>
           <a:prstGeom prst="rect">
             <a:avLst/>
@@ -1865,7 +1730,7 @@
         <p:spPr>
           <a:xfrm>
             <a:off x="5991480" y="3840480"/>
-            <a:ext cx="33510240" cy="1370880"/>
+            <a:ext cx="33509160" cy="1369800"/>
           </a:xfrm>
           <a:prstGeom prst="rect">
             <a:avLst/>
@@ -1886,7 +1751,7 @@
                 </a:solidFill>
                 <a:latin typeface="Arial"/>
               </a:rPr>
-              <a:t>Shun Zhang, Tsz-Chiu Au, and Peter Stone</a:t>
+              <a:t>Tsz-Chiu Au, Shun Zhang, and Peter Stone</a:t>
             </a:r>
             <a:r>
               <a:rPr lang="en-US" sz="7200">
@@ -1915,8 +1780,8 @@
         </p:blipFill>
         <p:spPr>
           <a:xfrm>
-            <a:off x="25694640" y="5298480"/>
-            <a:ext cx="10958760" cy="2839320"/>
+            <a:off x="26151840" y="5394960"/>
+            <a:ext cx="9234720" cy="2838240"/>
           </a:xfrm>
           <a:prstGeom prst="rect">
             <a:avLst/>
@@ -1932,13 +1797,13 @@
         <p:spPr>
           <a:xfrm>
             <a:off x="4424760" y="5745960"/>
-            <a:ext cx="20064960" cy="1751760"/>
+            <a:ext cx="18251640" cy="1750680"/>
           </a:xfrm>
           <a:prstGeom prst="rect">
             <a:avLst/>
           </a:prstGeom>
           <a:solidFill>
-            <a:srgbClr val="002e60"/>
+            <a:srgbClr val="ffffff"/>
           </a:solidFill>
           <a:ln w="25560">
             <a:solidFill>
@@ -1957,7 +1822,7 @@
         <p:spPr>
           <a:xfrm>
             <a:off x="4297680" y="5821920"/>
-            <a:ext cx="20192040" cy="1004400"/>
+            <a:ext cx="18378720" cy="1003320"/>
           </a:xfrm>
           <a:prstGeom prst="rect">
             <a:avLst/>
@@ -1993,7 +1858,7 @@
         <p:spPr>
           <a:xfrm>
             <a:off x="4551480" y="6584040"/>
-            <a:ext cx="19938240" cy="760320"/>
+            <a:ext cx="17759520" cy="759240"/>
           </a:xfrm>
           <a:prstGeom prst="rect">
             <a:avLst/>
@@ -2010,7 +1875,7 @@
             <a:r>
               <a:rPr lang="en-US" sz="4400">
                 <a:solidFill>
-                  <a:srgbClr val="ffffff"/>
+                  <a:srgbClr val="000000"/>
                 </a:solidFill>
                 <a:latin typeface="Times New Roman"/>
               </a:rPr>
@@ -2034,8 +1899,8 @@
         </p:blipFill>
         <p:spPr>
           <a:xfrm>
-            <a:off x="12215880" y="10230120"/>
-            <a:ext cx="5877000" cy="2403720"/>
+            <a:off x="5394960" y="13376160"/>
+            <a:ext cx="5807160" cy="3356640"/>
           </a:xfrm>
           <a:prstGeom prst="rect">
             <a:avLst/>
@@ -3274,337 +3139,9 @@
           </a:ln>
         </p:spPr>
       </p:sp>
-      <p:sp>
-        <p:nvSpPr>
-          <p:cNvPr id="114" name="CustomShape 79"/>
-          <p:cNvSpPr/>
-          <p:nvPr/>
-        </p:nvSpPr>
-        <p:spPr>
-          <a:xfrm>
-            <a:off x="2205720" y="13057920"/>
-            <a:ext cx="7088040" cy="3138840"/>
-          </a:xfrm>
-          <a:prstGeom prst="rect">
-            <a:avLst/>
-          </a:prstGeom>
-          <a:solidFill>
-            <a:srgbClr val="ffffff"/>
-          </a:solidFill>
-        </p:spPr>
-      </p:sp>
-      <p:sp>
-        <p:nvSpPr>
-          <p:cNvPr id="115" name="CustomShape 80"/>
-          <p:cNvSpPr/>
-          <p:nvPr/>
-        </p:nvSpPr>
-        <p:spPr>
-          <a:xfrm>
-            <a:off x="2324880" y="13113720"/>
-            <a:ext cx="2568240" cy="1008360"/>
-          </a:xfrm>
-          <a:prstGeom prst="rect">
-            <a:avLst/>
-          </a:prstGeom>
-          <a:solidFill>
-            <a:srgbClr val="008e40"/>
-          </a:solidFill>
-        </p:spPr>
-      </p:sp>
-      <p:sp>
-        <p:nvSpPr>
-          <p:cNvPr id="116" name="CustomShape 81"/>
-          <p:cNvSpPr/>
-          <p:nvPr/>
-        </p:nvSpPr>
-        <p:spPr>
-          <a:xfrm>
-            <a:off x="6606720" y="13113720"/>
-            <a:ext cx="2568600" cy="1008360"/>
-          </a:xfrm>
-          <a:prstGeom prst="rect">
-            <a:avLst/>
-          </a:prstGeom>
-          <a:solidFill>
-            <a:srgbClr val="008e40"/>
-          </a:solidFill>
-        </p:spPr>
-      </p:sp>
-      <p:sp>
-        <p:nvSpPr>
-          <p:cNvPr id="117" name="CustomShape 82"/>
-          <p:cNvSpPr/>
-          <p:nvPr/>
-        </p:nvSpPr>
-        <p:spPr>
-          <a:xfrm>
-            <a:off x="2324880" y="15132240"/>
-            <a:ext cx="2568240" cy="1008360"/>
-          </a:xfrm>
-          <a:prstGeom prst="rect">
-            <a:avLst/>
-          </a:prstGeom>
-          <a:solidFill>
-            <a:srgbClr val="008e40"/>
-          </a:solidFill>
-        </p:spPr>
-      </p:sp>
-      <p:sp>
-        <p:nvSpPr>
-          <p:cNvPr id="118" name="CustomShape 83"/>
-          <p:cNvSpPr/>
-          <p:nvPr/>
-        </p:nvSpPr>
-        <p:spPr>
-          <a:xfrm>
-            <a:off x="6606720" y="15132240"/>
-            <a:ext cx="2568600" cy="1008360"/>
-          </a:xfrm>
-          <a:prstGeom prst="rect">
-            <a:avLst/>
-          </a:prstGeom>
-          <a:solidFill>
-            <a:srgbClr val="008e40"/>
-          </a:solidFill>
-        </p:spPr>
-      </p:sp>
-      <p:sp>
-        <p:nvSpPr>
-          <p:cNvPr id="119" name="CustomShape 84"/>
-          <p:cNvSpPr/>
-          <p:nvPr/>
-        </p:nvSpPr>
-        <p:spPr>
-          <a:xfrm>
-            <a:off x="2324880" y="14122800"/>
-            <a:ext cx="2568240" cy="1008720"/>
-          </a:xfrm>
-          <a:prstGeom prst="rect">
-            <a:avLst/>
-          </a:prstGeom>
-          <a:solidFill>
-            <a:srgbClr val="000000"/>
-          </a:solidFill>
-        </p:spPr>
-      </p:sp>
-      <p:sp>
-        <p:nvSpPr>
-          <p:cNvPr id="120" name="CustomShape 85"/>
-          <p:cNvSpPr/>
-          <p:nvPr/>
-        </p:nvSpPr>
-        <p:spPr>
-          <a:xfrm>
-            <a:off x="6606720" y="14122800"/>
-            <a:ext cx="2568600" cy="1008720"/>
-          </a:xfrm>
-          <a:prstGeom prst="rect">
-            <a:avLst/>
-          </a:prstGeom>
-          <a:solidFill>
-            <a:srgbClr val="000000"/>
-          </a:solidFill>
-        </p:spPr>
-      </p:sp>
-      <p:sp>
-        <p:nvSpPr>
-          <p:cNvPr id="121" name="CustomShape 86"/>
-          <p:cNvSpPr/>
-          <p:nvPr/>
-        </p:nvSpPr>
-        <p:spPr>
-          <a:xfrm>
-            <a:off x="4893840" y="13113720"/>
-            <a:ext cx="1712160" cy="3027240"/>
-          </a:xfrm>
-          <a:prstGeom prst="rect">
-            <a:avLst/>
-          </a:prstGeom>
-          <a:solidFill>
-            <a:srgbClr val="000000"/>
-          </a:solidFill>
-        </p:spPr>
-      </p:sp>
-      <p:sp>
-        <p:nvSpPr>
-          <p:cNvPr id="122" name="Line 87"/>
-          <p:cNvSpPr/>
-          <p:nvPr/>
-        </p:nvSpPr>
-        <p:spPr>
-          <a:xfrm>
-            <a:off x="5750280" y="13113360"/>
-            <a:ext cx="0" cy="1009440"/>
-          </a:xfrm>
-          <a:prstGeom prst="line">
-            <a:avLst/>
-          </a:prstGeom>
-          <a:ln w="9360">
-            <a:solidFill>
-              <a:srgbClr val="ffff00"/>
-            </a:solidFill>
-            <a:round/>
-          </a:ln>
-        </p:spPr>
-      </p:sp>
-      <p:sp>
-        <p:nvSpPr>
-          <p:cNvPr id="123" name="Line 88"/>
-          <p:cNvSpPr/>
-          <p:nvPr/>
-        </p:nvSpPr>
-        <p:spPr>
-          <a:xfrm>
-            <a:off x="5750280" y="15132240"/>
-            <a:ext cx="0" cy="1009080"/>
-          </a:xfrm>
-          <a:prstGeom prst="line">
-            <a:avLst/>
-          </a:prstGeom>
-          <a:ln w="9360">
-            <a:solidFill>
-              <a:srgbClr val="ffff00"/>
-            </a:solidFill>
-            <a:round/>
-          </a:ln>
-        </p:spPr>
-      </p:sp>
-      <p:sp>
-        <p:nvSpPr>
-          <p:cNvPr id="124" name="Line 89"/>
-          <p:cNvSpPr/>
-          <p:nvPr/>
-        </p:nvSpPr>
-        <p:spPr>
-          <a:xfrm>
-            <a:off x="2324160" y="14627520"/>
-            <a:ext cx="2569320" cy="0"/>
-          </a:xfrm>
-          <a:prstGeom prst="line">
-            <a:avLst/>
-          </a:prstGeom>
-          <a:ln w="9360">
-            <a:solidFill>
-              <a:srgbClr val="ffff00"/>
-            </a:solidFill>
-            <a:round/>
-          </a:ln>
-        </p:spPr>
-      </p:sp>
-      <p:sp>
-        <p:nvSpPr>
-          <p:cNvPr id="125" name="Line 90"/>
-          <p:cNvSpPr/>
-          <p:nvPr/>
-        </p:nvSpPr>
-        <p:spPr>
-          <a:xfrm>
-            <a:off x="6606360" y="14627520"/>
-            <a:ext cx="2569320" cy="0"/>
-          </a:xfrm>
-          <a:prstGeom prst="line">
-            <a:avLst/>
-          </a:prstGeom>
-          <a:ln w="9360">
-            <a:solidFill>
-              <a:srgbClr val="ffff00"/>
-            </a:solidFill>
-            <a:round/>
-          </a:ln>
-        </p:spPr>
-      </p:sp>
-      <p:sp>
-        <p:nvSpPr>
-          <p:cNvPr id="126" name="Line 91"/>
-          <p:cNvSpPr/>
-          <p:nvPr/>
-        </p:nvSpPr>
-        <p:spPr>
-          <a:xfrm>
-            <a:off x="4893480" y="14627520"/>
-            <a:ext cx="0" cy="504720"/>
-          </a:xfrm>
-          <a:prstGeom prst="line">
-            <a:avLst/>
-          </a:prstGeom>
-          <a:ln w="38160">
-            <a:solidFill>
-              <a:srgbClr val="ffffff"/>
-            </a:solidFill>
-            <a:round/>
-          </a:ln>
-        </p:spPr>
-      </p:sp>
-      <p:sp>
-        <p:nvSpPr>
-          <p:cNvPr id="127" name="Line 92"/>
-          <p:cNvSpPr/>
-          <p:nvPr/>
-        </p:nvSpPr>
-        <p:spPr>
-          <a:xfrm>
-            <a:off x="6606360" y="14122800"/>
-            <a:ext cx="0" cy="504720"/>
-          </a:xfrm>
-          <a:prstGeom prst="line">
-            <a:avLst/>
-          </a:prstGeom>
-          <a:ln w="38160">
-            <a:solidFill>
-              <a:srgbClr val="ffffff"/>
-            </a:solidFill>
-            <a:round/>
-          </a:ln>
-        </p:spPr>
-      </p:sp>
-      <p:sp>
-        <p:nvSpPr>
-          <p:cNvPr id="128" name="Line 93"/>
-          <p:cNvSpPr/>
-          <p:nvPr/>
-        </p:nvSpPr>
-        <p:spPr>
-          <a:xfrm flipH="1">
-            <a:off x="5750280" y="15132240"/>
-            <a:ext cx="856080" cy="0"/>
-          </a:xfrm>
-          <a:prstGeom prst="line">
-            <a:avLst/>
-          </a:prstGeom>
-          <a:ln w="38160">
-            <a:solidFill>
-              <a:srgbClr val="ffffff"/>
-            </a:solidFill>
-            <a:round/>
-          </a:ln>
-        </p:spPr>
-      </p:sp>
-      <p:sp>
-        <p:nvSpPr>
-          <p:cNvPr id="129" name="Line 94"/>
-          <p:cNvSpPr/>
-          <p:nvPr/>
-        </p:nvSpPr>
-        <p:spPr>
-          <a:xfrm flipH="1">
-            <a:off x="4893480" y="14122800"/>
-            <a:ext cx="856800" cy="0"/>
-          </a:xfrm>
-          <a:prstGeom prst="line">
-            <a:avLst/>
-          </a:prstGeom>
-          <a:ln w="38160">
-            <a:solidFill>
-              <a:srgbClr val="ffffff"/>
-            </a:solidFill>
-            <a:round/>
-          </a:ln>
-        </p:spPr>
-      </p:sp>
       <p:pic>
         <p:nvPicPr>
-          <p:cNvPr descr="" id="130" name="Picture 3"/>
+          <p:cNvPr descr="" id="114" name="Picture 8"/>
           <p:cNvPicPr/>
           <p:nvPr/>
         </p:nvPicPr>
@@ -3616,344 +3153,17 @@
         </p:blipFill>
         <p:spPr>
           <a:xfrm>
-            <a:off x="2610000" y="14627520"/>
-            <a:ext cx="1140840" cy="357120"/>
+            <a:off x="14635440" y="22354920"/>
+            <a:ext cx="660960" cy="216000"/>
           </a:xfrm>
           <a:prstGeom prst="rect">
             <a:avLst/>
           </a:prstGeom>
         </p:spPr>
       </p:pic>
-      <p:sp>
-        <p:nvSpPr>
-          <p:cNvPr id="131" name="CustomShape 95"/>
-          <p:cNvSpPr/>
-          <p:nvPr/>
-        </p:nvSpPr>
-        <p:spPr>
-          <a:xfrm>
-            <a:off x="6320880" y="13281840"/>
-            <a:ext cx="1570320" cy="1997640"/>
-          </a:xfrm>
-          <a:prstGeom prst="rect">
-            <a:avLst/>
-          </a:prstGeom>
-          <a:solidFill>
-            <a:srgbClr val="00b0f0"/>
-          </a:solidFill>
-        </p:spPr>
-      </p:sp>
-      <p:sp>
-        <p:nvSpPr>
-          <p:cNvPr id="132" name="Line 96"/>
-          <p:cNvSpPr/>
-          <p:nvPr/>
-        </p:nvSpPr>
-        <p:spPr>
-          <a:xfrm>
-            <a:off x="4893480" y="14122800"/>
-            <a:ext cx="1712880" cy="0"/>
-          </a:xfrm>
-          <a:prstGeom prst="line">
-            <a:avLst/>
-          </a:prstGeom>
-          <a:ln w="19080">
-            <a:solidFill>
-              <a:srgbClr val="f79646"/>
-            </a:solidFill>
-            <a:round/>
-          </a:ln>
-        </p:spPr>
-      </p:sp>
-      <p:sp>
-        <p:nvSpPr>
-          <p:cNvPr id="133" name="Line 97"/>
-          <p:cNvSpPr/>
-          <p:nvPr/>
-        </p:nvSpPr>
-        <p:spPr>
-          <a:xfrm>
-            <a:off x="4893480" y="14291280"/>
-            <a:ext cx="1712880" cy="0"/>
-          </a:xfrm>
-          <a:prstGeom prst="line">
-            <a:avLst/>
-          </a:prstGeom>
-          <a:ln w="19080">
-            <a:solidFill>
-              <a:srgbClr val="f79646"/>
-            </a:solidFill>
-            <a:round/>
-          </a:ln>
-        </p:spPr>
-      </p:sp>
-      <p:sp>
-        <p:nvSpPr>
-          <p:cNvPr id="134" name="Line 98"/>
-          <p:cNvSpPr/>
-          <p:nvPr/>
-        </p:nvSpPr>
-        <p:spPr>
-          <a:xfrm>
-            <a:off x="4893480" y="14459400"/>
-            <a:ext cx="1712880" cy="0"/>
-          </a:xfrm>
-          <a:prstGeom prst="line">
-            <a:avLst/>
-          </a:prstGeom>
-          <a:ln w="19080">
-            <a:solidFill>
-              <a:srgbClr val="f79646"/>
-            </a:solidFill>
-            <a:round/>
-          </a:ln>
-        </p:spPr>
-      </p:sp>
-      <p:sp>
-        <p:nvSpPr>
-          <p:cNvPr id="135" name="Line 99"/>
-          <p:cNvSpPr/>
-          <p:nvPr/>
-        </p:nvSpPr>
-        <p:spPr>
-          <a:xfrm>
-            <a:off x="4893480" y="14627520"/>
-            <a:ext cx="1712880" cy="0"/>
-          </a:xfrm>
-          <a:prstGeom prst="line">
-            <a:avLst/>
-          </a:prstGeom>
-          <a:ln w="19080">
-            <a:solidFill>
-              <a:srgbClr val="f79646"/>
-            </a:solidFill>
-            <a:round/>
-          </a:ln>
-        </p:spPr>
-      </p:sp>
-      <p:sp>
-        <p:nvSpPr>
-          <p:cNvPr id="136" name="Line 100"/>
-          <p:cNvSpPr/>
-          <p:nvPr/>
-        </p:nvSpPr>
-        <p:spPr>
-          <a:xfrm>
-            <a:off x="4893480" y="14795640"/>
-            <a:ext cx="1712880" cy="0"/>
-          </a:xfrm>
-          <a:prstGeom prst="line">
-            <a:avLst/>
-          </a:prstGeom>
-          <a:ln w="19080">
-            <a:solidFill>
-              <a:srgbClr val="f79646"/>
-            </a:solidFill>
-            <a:round/>
-          </a:ln>
-        </p:spPr>
-      </p:sp>
-      <p:sp>
-        <p:nvSpPr>
-          <p:cNvPr id="137" name="Line 101"/>
-          <p:cNvSpPr/>
-          <p:nvPr/>
-        </p:nvSpPr>
-        <p:spPr>
-          <a:xfrm>
-            <a:off x="4893480" y="14963760"/>
-            <a:ext cx="1712880" cy="0"/>
-          </a:xfrm>
-          <a:prstGeom prst="line">
-            <a:avLst/>
-          </a:prstGeom>
-          <a:ln w="19080">
-            <a:solidFill>
-              <a:srgbClr val="f79646"/>
-            </a:solidFill>
-            <a:round/>
-          </a:ln>
-        </p:spPr>
-      </p:sp>
-      <p:sp>
-        <p:nvSpPr>
-          <p:cNvPr id="138" name="Line 102"/>
-          <p:cNvSpPr/>
-          <p:nvPr/>
-        </p:nvSpPr>
-        <p:spPr>
-          <a:xfrm>
-            <a:off x="4893480" y="15132240"/>
-            <a:ext cx="1712880" cy="0"/>
-          </a:xfrm>
-          <a:prstGeom prst="line">
-            <a:avLst/>
-          </a:prstGeom>
-          <a:ln w="19080">
-            <a:solidFill>
-              <a:srgbClr val="f79646"/>
-            </a:solidFill>
-            <a:round/>
-          </a:ln>
-        </p:spPr>
-      </p:sp>
-      <p:sp>
-        <p:nvSpPr>
-          <p:cNvPr id="139" name="Line 103"/>
-          <p:cNvSpPr/>
-          <p:nvPr/>
-        </p:nvSpPr>
-        <p:spPr>
-          <a:xfrm>
-            <a:off x="4893480" y="14122800"/>
-            <a:ext cx="0" cy="1009440"/>
-          </a:xfrm>
-          <a:prstGeom prst="line">
-            <a:avLst/>
-          </a:prstGeom>
-          <a:ln w="19080">
-            <a:solidFill>
-              <a:srgbClr val="f79646"/>
-            </a:solidFill>
-            <a:round/>
-          </a:ln>
-        </p:spPr>
-      </p:sp>
-      <p:sp>
-        <p:nvSpPr>
-          <p:cNvPr id="140" name="Line 104"/>
-          <p:cNvSpPr/>
-          <p:nvPr/>
-        </p:nvSpPr>
-        <p:spPr>
-          <a:xfrm>
-            <a:off x="5179320" y="14122800"/>
-            <a:ext cx="0" cy="1009440"/>
-          </a:xfrm>
-          <a:prstGeom prst="line">
-            <a:avLst/>
-          </a:prstGeom>
-          <a:ln w="19080">
-            <a:solidFill>
-              <a:srgbClr val="f79646"/>
-            </a:solidFill>
-            <a:round/>
-          </a:ln>
-        </p:spPr>
-      </p:sp>
-      <p:sp>
-        <p:nvSpPr>
-          <p:cNvPr id="141" name="Line 105"/>
-          <p:cNvSpPr/>
-          <p:nvPr/>
-        </p:nvSpPr>
-        <p:spPr>
-          <a:xfrm>
-            <a:off x="5464440" y="14122800"/>
-            <a:ext cx="0" cy="1009440"/>
-          </a:xfrm>
-          <a:prstGeom prst="line">
-            <a:avLst/>
-          </a:prstGeom>
-          <a:ln w="19080">
-            <a:solidFill>
-              <a:srgbClr val="f79646"/>
-            </a:solidFill>
-            <a:round/>
-          </a:ln>
-        </p:spPr>
-      </p:sp>
-      <p:sp>
-        <p:nvSpPr>
-          <p:cNvPr id="142" name="Line 106"/>
-          <p:cNvSpPr/>
-          <p:nvPr/>
-        </p:nvSpPr>
-        <p:spPr>
-          <a:xfrm>
-            <a:off x="5750280" y="14122800"/>
-            <a:ext cx="0" cy="1009440"/>
-          </a:xfrm>
-          <a:prstGeom prst="line">
-            <a:avLst/>
-          </a:prstGeom>
-          <a:ln w="19080">
-            <a:solidFill>
-              <a:srgbClr val="f79646"/>
-            </a:solidFill>
-            <a:round/>
-          </a:ln>
-        </p:spPr>
-      </p:sp>
-      <p:sp>
-        <p:nvSpPr>
-          <p:cNvPr id="143" name="Line 107"/>
-          <p:cNvSpPr/>
-          <p:nvPr/>
-        </p:nvSpPr>
-        <p:spPr>
-          <a:xfrm>
-            <a:off x="6035400" y="14122800"/>
-            <a:ext cx="0" cy="1009440"/>
-          </a:xfrm>
-          <a:prstGeom prst="line">
-            <a:avLst/>
-          </a:prstGeom>
-          <a:ln w="19080">
-            <a:solidFill>
-              <a:srgbClr val="f79646"/>
-            </a:solidFill>
-            <a:round/>
-          </a:ln>
-        </p:spPr>
-      </p:sp>
-      <p:sp>
-        <p:nvSpPr>
-          <p:cNvPr id="144" name="Line 108"/>
-          <p:cNvSpPr/>
-          <p:nvPr/>
-        </p:nvSpPr>
-        <p:spPr>
-          <a:xfrm>
-            <a:off x="6321240" y="14122800"/>
-            <a:ext cx="0" cy="1009440"/>
-          </a:xfrm>
-          <a:prstGeom prst="line">
-            <a:avLst/>
-          </a:prstGeom>
-          <a:ln w="19080">
-            <a:solidFill>
-              <a:srgbClr val="f79646"/>
-            </a:solidFill>
-            <a:round/>
-          </a:ln>
-        </p:spPr>
-      </p:sp>
-      <p:sp>
-        <p:nvSpPr>
-          <p:cNvPr id="145" name="Line 109"/>
-          <p:cNvSpPr/>
-          <p:nvPr/>
-        </p:nvSpPr>
-        <p:spPr>
-          <a:xfrm>
-            <a:off x="6606360" y="14122800"/>
-            <a:ext cx="0" cy="1009440"/>
-          </a:xfrm>
-          <a:prstGeom prst="line">
-            <a:avLst/>
-          </a:prstGeom>
-          <a:ln w="19080">
-            <a:solidFill>
-              <a:srgbClr val="f79646"/>
-            </a:solidFill>
-            <a:round/>
-          </a:ln>
-        </p:spPr>
-      </p:sp>
       <p:pic>
         <p:nvPicPr>
-          <p:cNvPr descr="" id="146" name="Picture 8"/>
+          <p:cNvPr descr="" id="115" name="Picture 11"/>
           <p:cNvPicPr/>
           <p:nvPr/>
         </p:nvPicPr>
@@ -3965,8 +3175,8 @@
         </p:blipFill>
         <p:spPr>
           <a:xfrm>
-            <a:off x="14635440" y="22354920"/>
-            <a:ext cx="662040" cy="217080"/>
+            <a:off x="30568680" y="21741840"/>
+            <a:ext cx="1049400" cy="288720"/>
           </a:xfrm>
           <a:prstGeom prst="rect">
             <a:avLst/>
@@ -3975,7 +3185,7 @@
       </p:pic>
       <p:pic>
         <p:nvPicPr>
-          <p:cNvPr descr="" id="147" name="Picture 11"/>
+          <p:cNvPr descr="" id="116" name="Picture 14"/>
           <p:cNvPicPr/>
           <p:nvPr/>
         </p:nvPicPr>
@@ -3987,8 +3197,8 @@
         </p:blipFill>
         <p:spPr>
           <a:xfrm>
-            <a:off x="30568680" y="21741840"/>
-            <a:ext cx="1050480" cy="289800"/>
+            <a:off x="10852560" y="22267080"/>
+            <a:ext cx="864000" cy="347040"/>
           </a:xfrm>
           <a:prstGeom prst="rect">
             <a:avLst/>
@@ -3997,7 +3207,7 @@
       </p:pic>
       <p:pic>
         <p:nvPicPr>
-          <p:cNvPr descr="" id="148" name="Picture 14"/>
+          <p:cNvPr descr="" id="117" name="Picture 15"/>
           <p:cNvPicPr/>
           <p:nvPr/>
         </p:nvPicPr>
@@ -4009,8 +3219,8 @@
         </p:blipFill>
         <p:spPr>
           <a:xfrm>
-            <a:off x="10852560" y="22267080"/>
-            <a:ext cx="865080" cy="348120"/>
+            <a:off x="35606160" y="21668400"/>
+            <a:ext cx="797760" cy="369360"/>
           </a:xfrm>
           <a:prstGeom prst="rect">
             <a:avLst/>
@@ -4019,7 +3229,7 @@
       </p:pic>
       <p:pic>
         <p:nvPicPr>
-          <p:cNvPr descr="" id="149" name="Picture 15"/>
+          <p:cNvPr descr="" id="118" name="Picture 17"/>
           <p:cNvPicPr/>
           <p:nvPr/>
         </p:nvPicPr>
@@ -4031,8 +3241,8 @@
         </p:blipFill>
         <p:spPr>
           <a:xfrm>
-            <a:off x="35606160" y="21668400"/>
-            <a:ext cx="798840" cy="370440"/>
+            <a:off x="33387840" y="22701240"/>
+            <a:ext cx="1318680" cy="360720"/>
           </a:xfrm>
           <a:prstGeom prst="rect">
             <a:avLst/>
@@ -4041,7 +3251,7 @@
       </p:pic>
       <p:pic>
         <p:nvPicPr>
-          <p:cNvPr descr="" id="150" name="Picture 17"/>
+          <p:cNvPr descr="" id="119" name="Picture 18"/>
           <p:cNvPicPr/>
           <p:nvPr/>
         </p:nvPicPr>
@@ -4053,8 +3263,8 @@
         </p:blipFill>
         <p:spPr>
           <a:xfrm>
-            <a:off x="33387840" y="22701240"/>
-            <a:ext cx="1319760" cy="361800"/>
+            <a:off x="4079160" y="22720680"/>
+            <a:ext cx="687600" cy="311400"/>
           </a:xfrm>
           <a:prstGeom prst="rect">
             <a:avLst/>
@@ -4063,7 +3273,7 @@
       </p:pic>
       <p:pic>
         <p:nvPicPr>
-          <p:cNvPr descr="" id="151" name="Picture 18"/>
+          <p:cNvPr descr="" id="120" name="Picture 20"/>
           <p:cNvPicPr/>
           <p:nvPr/>
         </p:nvPicPr>
@@ -4075,8 +3285,8 @@
         </p:blipFill>
         <p:spPr>
           <a:xfrm>
-            <a:off x="4079160" y="22720680"/>
-            <a:ext cx="688680" cy="312480"/>
+            <a:off x="39285000" y="22354920"/>
+            <a:ext cx="695520" cy="216000"/>
           </a:xfrm>
           <a:prstGeom prst="rect">
             <a:avLst/>
@@ -4085,7 +3295,7 @@
       </p:pic>
       <p:pic>
         <p:nvPicPr>
-          <p:cNvPr descr="" id="152" name="Picture 20"/>
+          <p:cNvPr descr="" id="121" name="Picture 21"/>
           <p:cNvPicPr/>
           <p:nvPr/>
         </p:nvPicPr>
@@ -4097,8 +3307,8 @@
         </p:blipFill>
         <p:spPr>
           <a:xfrm>
-            <a:off x="39285000" y="22354920"/>
-            <a:ext cx="696600" cy="217080"/>
+            <a:off x="39438000" y="21189600"/>
+            <a:ext cx="1578600" cy="459360"/>
           </a:xfrm>
           <a:prstGeom prst="rect">
             <a:avLst/>
@@ -4107,7 +3317,7 @@
       </p:pic>
       <p:pic>
         <p:nvPicPr>
-          <p:cNvPr descr="" id="153" name="Picture 21"/>
+          <p:cNvPr descr="" id="122" name="Picture 16"/>
           <p:cNvPicPr/>
           <p:nvPr/>
         </p:nvPicPr>
@@ -4119,8 +3329,8 @@
         </p:blipFill>
         <p:spPr>
           <a:xfrm>
-            <a:off x="39438000" y="21189600"/>
-            <a:ext cx="1579680" cy="460440"/>
+            <a:off x="23172480" y="21262320"/>
+            <a:ext cx="466560" cy="578880"/>
           </a:xfrm>
           <a:prstGeom prst="rect">
             <a:avLst/>
@@ -4129,7 +3339,7 @@
       </p:pic>
       <p:pic>
         <p:nvPicPr>
-          <p:cNvPr descr="" id="154" name="Picture 16"/>
+          <p:cNvPr descr="" id="123" name="Picture 9"/>
           <p:cNvPicPr/>
           <p:nvPr/>
         </p:nvPicPr>
@@ -4141,8 +3351,8 @@
         </p:blipFill>
         <p:spPr>
           <a:xfrm>
-            <a:off x="23172480" y="21262320"/>
-            <a:ext cx="467640" cy="579960"/>
+            <a:off x="22530960" y="22436280"/>
+            <a:ext cx="491040" cy="340200"/>
           </a:xfrm>
           <a:prstGeom prst="rect">
             <a:avLst/>
@@ -4151,7 +3361,7 @@
       </p:pic>
       <p:pic>
         <p:nvPicPr>
-          <p:cNvPr descr="" id="155" name="Picture 9"/>
+          <p:cNvPr descr="" id="124" name="Picture 19"/>
           <p:cNvPicPr/>
           <p:nvPr/>
         </p:nvPicPr>
@@ -4163,8 +3373,8 @@
         </p:blipFill>
         <p:spPr>
           <a:xfrm>
-            <a:off x="22530960" y="22436280"/>
-            <a:ext cx="492120" cy="341280"/>
+            <a:off x="21314880" y="21354840"/>
+            <a:ext cx="902520" cy="260640"/>
           </a:xfrm>
           <a:prstGeom prst="rect">
             <a:avLst/>
@@ -4173,7 +3383,7 @@
       </p:pic>
       <p:pic>
         <p:nvPicPr>
-          <p:cNvPr descr="" id="156" name="Picture 19"/>
+          <p:cNvPr descr="" id="125" name="Picture 200"/>
           <p:cNvPicPr/>
           <p:nvPr/>
         </p:nvPicPr>
@@ -4185,8 +3395,8 @@
         </p:blipFill>
         <p:spPr>
           <a:xfrm>
-            <a:off x="21314880" y="21354840"/>
-            <a:ext cx="903600" cy="261720"/>
+            <a:off x="23754240" y="22820400"/>
+            <a:ext cx="774360" cy="252720"/>
           </a:xfrm>
           <a:prstGeom prst="rect">
             <a:avLst/>
@@ -4195,7 +3405,7 @@
       </p:pic>
       <p:pic>
         <p:nvPicPr>
-          <p:cNvPr descr="" id="157" name="Picture 200"/>
+          <p:cNvPr descr="" id="126" name="Picture 27"/>
           <p:cNvPicPr/>
           <p:nvPr/>
         </p:nvPicPr>
@@ -4207,72 +3417,244 @@
         </p:blipFill>
         <p:spPr>
           <a:xfrm>
-            <a:off x="23754240" y="22820400"/>
-            <a:ext cx="775440" cy="253800"/>
+            <a:off x="23671800" y="32439600"/>
+            <a:ext cx="552600" cy="401400"/>
           </a:xfrm>
           <a:prstGeom prst="rect">
             <a:avLst/>
           </a:prstGeom>
         </p:spPr>
       </p:pic>
-      <p:sp>
-        <p:nvSpPr>
-          <p:cNvPr id="158" name="CustomShape 110"/>
-          <p:cNvSpPr/>
-          <p:nvPr/>
-        </p:nvSpPr>
-        <p:spPr>
-          <a:xfrm>
-            <a:off x="2280240" y="12071880"/>
-            <a:ext cx="6526800" cy="587520"/>
-          </a:xfrm>
-          <a:prstGeom prst="rect">
-            <a:avLst/>
-          </a:prstGeom>
-          <a:solidFill>
-            <a:srgbClr val="ffffff"/>
-          </a:solidFill>
-        </p:spPr>
-        <p:txBody>
-          <a:bodyPr bIns="45000" lIns="90000" rIns="90000" tIns="45000"/>
-          <a:p>
-            <a:pPr>
-              <a:lnSpc>
-                <a:spcPct val="100000"/>
-              </a:lnSpc>
-            </a:pPr>
-            <a:r>
-              <a:rPr b="1" lang="en-US" sz="3200">
-                <a:solidFill>
-                  <a:srgbClr val="000000"/>
-                </a:solidFill>
-                <a:latin typeface="Calibri"/>
-              </a:rPr>
-              <a:t>The Reservation Idea</a:t>
-            </a:r>
-            <a:r>
-              <a:rPr lang="en-US" sz="3200">
-                <a:solidFill>
-                  <a:srgbClr val="000000"/>
-                </a:solidFill>
-                <a:latin typeface="Calibri"/>
-              </a:rPr>
-              <a:t>:</a:t>
-            </a:r>
-            <a:endParaRPr/>
-          </a:p>
-        </p:txBody>
-      </p:sp>
-      <p:sp>
-        <p:nvSpPr>
-          <p:cNvPr id="159" name="CustomShape 111"/>
-          <p:cNvSpPr/>
-          <p:nvPr/>
-        </p:nvSpPr>
-        <p:spPr>
-          <a:xfrm>
-            <a:off x="10395360" y="12810240"/>
-            <a:ext cx="9856440" cy="1083600"/>
+      <p:pic>
+        <p:nvPicPr>
+          <p:cNvPr descr="" id="127" name="Picture 29"/>
+          <p:cNvPicPr/>
+          <p:nvPr/>
+        </p:nvPicPr>
+        <p:blipFill>
+          <a:blip r:embed="rId16"/>
+          <a:stretch>
+            <a:fillRect/>
+          </a:stretch>
+        </p:blipFill>
+        <p:spPr>
+          <a:xfrm>
+            <a:off x="23701320" y="27192600"/>
+            <a:ext cx="454320" cy="522000"/>
+          </a:xfrm>
+          <a:prstGeom prst="rect">
+            <a:avLst/>
+          </a:prstGeom>
+        </p:spPr>
+      </p:pic>
+      <p:pic>
+        <p:nvPicPr>
+          <p:cNvPr descr="" id="128" name="Picture 30"/>
+          <p:cNvPicPr/>
+          <p:nvPr/>
+        </p:nvPicPr>
+        <p:blipFill>
+          <a:blip r:embed="rId17"/>
+          <a:stretch>
+            <a:fillRect/>
+          </a:stretch>
+        </p:blipFill>
+        <p:spPr>
+          <a:xfrm>
+            <a:off x="24548400" y="29829960"/>
+            <a:ext cx="539280" cy="710640"/>
+          </a:xfrm>
+          <a:prstGeom prst="rect">
+            <a:avLst/>
+          </a:prstGeom>
+        </p:spPr>
+      </p:pic>
+      <p:pic>
+        <p:nvPicPr>
+          <p:cNvPr descr="" id="129" name="Picture 31"/>
+          <p:cNvPicPr/>
+          <p:nvPr/>
+        </p:nvPicPr>
+        <p:blipFill>
+          <a:blip r:embed="rId18"/>
+          <a:stretch>
+            <a:fillRect/>
+          </a:stretch>
+        </p:blipFill>
+        <p:spPr>
+          <a:xfrm>
+            <a:off x="22215240" y="31891320"/>
+            <a:ext cx="551160" cy="563040"/>
+          </a:xfrm>
+          <a:prstGeom prst="rect">
+            <a:avLst/>
+          </a:prstGeom>
+        </p:spPr>
+      </p:pic>
+      <p:pic>
+        <p:nvPicPr>
+          <p:cNvPr descr="" id="130" name="Picture 32"/>
+          <p:cNvPicPr/>
+          <p:nvPr/>
+        </p:nvPicPr>
+        <p:blipFill>
+          <a:blip r:embed="rId19"/>
+          <a:stretch>
+            <a:fillRect/>
+          </a:stretch>
+        </p:blipFill>
+        <p:spPr>
+          <a:xfrm>
+            <a:off x="11666880" y="21323880"/>
+            <a:ext cx="1095840" cy="325080"/>
+          </a:xfrm>
+          <a:prstGeom prst="rect">
+            <a:avLst/>
+          </a:prstGeom>
+        </p:spPr>
+      </p:pic>
+      <p:pic>
+        <p:nvPicPr>
+          <p:cNvPr descr="" id="131" name="Picture 33"/>
+          <p:cNvPicPr/>
+          <p:nvPr/>
+        </p:nvPicPr>
+        <p:blipFill>
+          <a:blip r:embed="rId20"/>
+          <a:stretch>
+            <a:fillRect/>
+          </a:stretch>
+        </p:blipFill>
+        <p:spPr>
+          <a:xfrm>
+            <a:off x="6746400" y="21741840"/>
+            <a:ext cx="911160" cy="353520"/>
+          </a:xfrm>
+          <a:prstGeom prst="rect">
+            <a:avLst/>
+          </a:prstGeom>
+        </p:spPr>
+      </p:pic>
+      <p:pic>
+        <p:nvPicPr>
+          <p:cNvPr descr="" id="132" name="Picture 34"/>
+          <p:cNvPicPr/>
+          <p:nvPr/>
+        </p:nvPicPr>
+        <p:blipFill>
+          <a:blip r:embed="rId21"/>
+          <a:stretch>
+            <a:fillRect/>
+          </a:stretch>
+        </p:blipFill>
+        <p:spPr>
+          <a:xfrm>
+            <a:off x="23900760" y="12421440"/>
+            <a:ext cx="434520" cy="627840"/>
+          </a:xfrm>
+          <a:prstGeom prst="rect">
+            <a:avLst/>
+          </a:prstGeom>
+        </p:spPr>
+      </p:pic>
+      <p:pic>
+        <p:nvPicPr>
+          <p:cNvPr descr="" id="133" name="Picture 35"/>
+          <p:cNvPicPr/>
+          <p:nvPr/>
+        </p:nvPicPr>
+        <p:blipFill>
+          <a:blip r:embed="rId22"/>
+          <a:stretch>
+            <a:fillRect/>
+          </a:stretch>
+        </p:blipFill>
+        <p:spPr>
+          <a:xfrm>
+            <a:off x="22263120" y="18125640"/>
+            <a:ext cx="566640" cy="580320"/>
+          </a:xfrm>
+          <a:prstGeom prst="rect">
+            <a:avLst/>
+          </a:prstGeom>
+        </p:spPr>
+      </p:pic>
+      <p:pic>
+        <p:nvPicPr>
+          <p:cNvPr descr="" id="134" name="Picture 36"/>
+          <p:cNvPicPr/>
+          <p:nvPr/>
+        </p:nvPicPr>
+        <p:blipFill>
+          <a:blip r:embed="rId23"/>
+          <a:stretch>
+            <a:fillRect/>
+          </a:stretch>
+        </p:blipFill>
+        <p:spPr>
+          <a:xfrm>
+            <a:off x="22107240" y="13585320"/>
+            <a:ext cx="460800" cy="593280"/>
+          </a:xfrm>
+          <a:prstGeom prst="rect">
+            <a:avLst/>
+          </a:prstGeom>
+        </p:spPr>
+      </p:pic>
+      <p:pic>
+        <p:nvPicPr>
+          <p:cNvPr descr="" id="135" name="Picture 27"/>
+          <p:cNvPicPr/>
+          <p:nvPr/>
+        </p:nvPicPr>
+        <p:blipFill>
+          <a:blip r:embed="rId24"/>
+          <a:stretch>
+            <a:fillRect/>
+          </a:stretch>
+        </p:blipFill>
+        <p:spPr>
+          <a:xfrm>
+            <a:off x="23186160" y="15289560"/>
+            <a:ext cx="666720" cy="513360"/>
+          </a:xfrm>
+          <a:prstGeom prst="rect">
+            <a:avLst/>
+          </a:prstGeom>
+        </p:spPr>
+      </p:pic>
+      <p:pic>
+        <p:nvPicPr>
+          <p:cNvPr descr="" id="136" name="Picture 10"/>
+          <p:cNvPicPr/>
+          <p:nvPr/>
+        </p:nvPicPr>
+        <p:blipFill>
+          <a:blip r:embed="rId25"/>
+          <a:stretch>
+            <a:fillRect/>
+          </a:stretch>
+        </p:blipFill>
+        <p:spPr>
+          <a:xfrm>
+            <a:off x="24147360" y="21756960"/>
+            <a:ext cx="663480" cy="287640"/>
+          </a:xfrm>
+          <a:prstGeom prst="rect">
+            <a:avLst/>
+          </a:prstGeom>
+        </p:spPr>
+      </p:pic>
+      <p:sp>
+        <p:nvSpPr>
+          <p:cNvPr id="137" name="CustomShape 79"/>
+          <p:cNvSpPr/>
+          <p:nvPr/>
+        </p:nvSpPr>
+        <p:spPr>
+          <a:xfrm>
+            <a:off x="2013840" y="10490400"/>
+            <a:ext cx="11701440" cy="2676240"/>
           </a:xfrm>
           <a:prstGeom prst="rect">
             <a:avLst/>
@@ -4296,360 +3678,30 @@
                 </a:solidFill>
                 <a:latin typeface="Calibri"/>
               </a:rPr>
-              <a:t>AIM is more efficient than traffic signals and stop signs.</a:t>
+              <a:t>The AIM protocol exploits the fine control of autonomous vehicles to allow more vehicles simultaneously to cross an intersection, thus effectively reducing the delay of vehicles by orders of magnitude compared to traffic signals.</a:t>
             </a:r>
             <a:endParaRPr/>
           </a:p>
-        </p:txBody>
-      </p:sp>
-      <p:sp>
-        <p:nvSpPr>
-          <p:cNvPr id="160" name="CustomShape 112"/>
-          <p:cNvSpPr/>
-          <p:nvPr/>
-        </p:nvSpPr>
-        <p:spPr>
-          <a:xfrm>
-            <a:off x="11420640" y="9472680"/>
-            <a:ext cx="7390440" cy="587880"/>
-          </a:xfrm>
-          <a:prstGeom prst="rect">
-            <a:avLst/>
-          </a:prstGeom>
-          <a:solidFill>
-            <a:srgbClr val="ffffff"/>
-          </a:solidFill>
-        </p:spPr>
-        <p:txBody>
-          <a:bodyPr bIns="45000" lIns="90000" rIns="90000" tIns="45000"/>
           <a:p>
             <a:pPr>
               <a:lnSpc>
                 <a:spcPct val="100000"/>
               </a:lnSpc>
             </a:pPr>
-            <a:r>
-              <a:rPr lang="en-US" sz="3200">
-                <a:solidFill>
-                  <a:srgbClr val="000000"/>
-                </a:solidFill>
-                <a:latin typeface="Calibri"/>
-              </a:rPr>
-              <a:t>Our autonomous vehicle:</a:t>
-            </a:r>
-            <a:endParaRPr/>
-          </a:p>
-        </p:txBody>
-      </p:sp>
-      <p:pic>
-        <p:nvPicPr>
-          <p:cNvPr descr="" id="161" name="Picture 27"/>
-          <p:cNvPicPr/>
-          <p:nvPr/>
-        </p:nvPicPr>
-        <p:blipFill>
-          <a:blip r:embed="rId16"/>
-          <a:stretch>
-            <a:fillRect/>
-          </a:stretch>
-        </p:blipFill>
-        <p:spPr>
-          <a:xfrm>
-            <a:off x="23671800" y="32439600"/>
-            <a:ext cx="553680" cy="402480"/>
-          </a:xfrm>
-          <a:prstGeom prst="rect">
-            <a:avLst/>
-          </a:prstGeom>
-        </p:spPr>
-      </p:pic>
-      <p:pic>
-        <p:nvPicPr>
-          <p:cNvPr descr="" id="162" name="Picture 29"/>
-          <p:cNvPicPr/>
-          <p:nvPr/>
-        </p:nvPicPr>
-        <p:blipFill>
-          <a:blip r:embed="rId17"/>
-          <a:stretch>
-            <a:fillRect/>
-          </a:stretch>
-        </p:blipFill>
-        <p:spPr>
-          <a:xfrm>
-            <a:off x="23701320" y="27192600"/>
-            <a:ext cx="455400" cy="523080"/>
-          </a:xfrm>
-          <a:prstGeom prst="rect">
-            <a:avLst/>
-          </a:prstGeom>
-        </p:spPr>
-      </p:pic>
-      <p:pic>
-        <p:nvPicPr>
-          <p:cNvPr descr="" id="163" name="Picture 30"/>
-          <p:cNvPicPr/>
-          <p:nvPr/>
-        </p:nvPicPr>
-        <p:blipFill>
-          <a:blip r:embed="rId18"/>
-          <a:stretch>
-            <a:fillRect/>
-          </a:stretch>
-        </p:blipFill>
-        <p:spPr>
-          <a:xfrm>
-            <a:off x="24630840" y="29459520"/>
-            <a:ext cx="540360" cy="711720"/>
-          </a:xfrm>
-          <a:prstGeom prst="rect">
-            <a:avLst/>
-          </a:prstGeom>
-        </p:spPr>
-      </p:pic>
-      <p:pic>
-        <p:nvPicPr>
-          <p:cNvPr descr="" id="164" name="Picture 31"/>
-          <p:cNvPicPr/>
-          <p:nvPr/>
-        </p:nvPicPr>
-        <p:blipFill>
-          <a:blip r:embed="rId19"/>
-          <a:stretch>
-            <a:fillRect/>
-          </a:stretch>
-        </p:blipFill>
-        <p:spPr>
-          <a:xfrm>
-            <a:off x="22215240" y="31891320"/>
-            <a:ext cx="552240" cy="564120"/>
-          </a:xfrm>
-          <a:prstGeom prst="rect">
-            <a:avLst/>
-          </a:prstGeom>
-        </p:spPr>
-      </p:pic>
-      <p:pic>
-        <p:nvPicPr>
-          <p:cNvPr descr="" id="165" name="Picture 32"/>
-          <p:cNvPicPr/>
-          <p:nvPr/>
-        </p:nvPicPr>
-        <p:blipFill>
-          <a:blip r:embed="rId20"/>
-          <a:stretch>
-            <a:fillRect/>
-          </a:stretch>
-        </p:blipFill>
-        <p:spPr>
-          <a:xfrm>
-            <a:off x="11666880" y="21323880"/>
-            <a:ext cx="1096920" cy="326160"/>
-          </a:xfrm>
-          <a:prstGeom prst="rect">
-            <a:avLst/>
-          </a:prstGeom>
-        </p:spPr>
-      </p:pic>
-      <p:pic>
-        <p:nvPicPr>
-          <p:cNvPr descr="" id="166" name="Picture 33"/>
-          <p:cNvPicPr/>
-          <p:nvPr/>
-        </p:nvPicPr>
-        <p:blipFill>
-          <a:blip r:embed="rId21"/>
-          <a:stretch>
-            <a:fillRect/>
-          </a:stretch>
-        </p:blipFill>
-        <p:spPr>
-          <a:xfrm>
-            <a:off x="6746400" y="21741840"/>
-            <a:ext cx="912240" cy="354600"/>
-          </a:xfrm>
-          <a:prstGeom prst="rect">
-            <a:avLst/>
-          </a:prstGeom>
-        </p:spPr>
-      </p:pic>
-      <p:pic>
-        <p:nvPicPr>
-          <p:cNvPr descr="" id="167" name="Picture 34"/>
-          <p:cNvPicPr/>
-          <p:nvPr/>
-        </p:nvPicPr>
-        <p:blipFill>
-          <a:blip r:embed="rId22"/>
-          <a:stretch>
-            <a:fillRect/>
-          </a:stretch>
-        </p:blipFill>
-        <p:spPr>
-          <a:xfrm>
-            <a:off x="23900760" y="12421440"/>
-            <a:ext cx="435600" cy="628920"/>
-          </a:xfrm>
-          <a:prstGeom prst="rect">
-            <a:avLst/>
-          </a:prstGeom>
-        </p:spPr>
-      </p:pic>
-      <p:pic>
-        <p:nvPicPr>
-          <p:cNvPr descr="" id="168" name="Picture 35"/>
-          <p:cNvPicPr/>
-          <p:nvPr/>
-        </p:nvPicPr>
-        <p:blipFill>
-          <a:blip r:embed="rId23"/>
-          <a:stretch>
-            <a:fillRect/>
-          </a:stretch>
-        </p:blipFill>
-        <p:spPr>
-          <a:xfrm>
-            <a:off x="22263120" y="18125640"/>
-            <a:ext cx="567720" cy="581400"/>
-          </a:xfrm>
-          <a:prstGeom prst="rect">
-            <a:avLst/>
-          </a:prstGeom>
-        </p:spPr>
-      </p:pic>
-      <p:pic>
-        <p:nvPicPr>
-          <p:cNvPr descr="" id="169" name="Picture 36"/>
-          <p:cNvPicPr/>
-          <p:nvPr/>
-        </p:nvPicPr>
-        <p:blipFill>
-          <a:blip r:embed="rId24"/>
-          <a:stretch>
-            <a:fillRect/>
-          </a:stretch>
-        </p:blipFill>
-        <p:spPr>
-          <a:xfrm>
-            <a:off x="22107240" y="13585320"/>
-            <a:ext cx="461880" cy="594360"/>
-          </a:xfrm>
-          <a:prstGeom prst="rect">
-            <a:avLst/>
-          </a:prstGeom>
-        </p:spPr>
-      </p:pic>
-      <p:pic>
-        <p:nvPicPr>
-          <p:cNvPr descr="" id="170" name="Picture 27"/>
-          <p:cNvPicPr/>
-          <p:nvPr/>
-        </p:nvPicPr>
-        <p:blipFill>
-          <a:blip r:embed="rId25"/>
-          <a:stretch>
-            <a:fillRect/>
-          </a:stretch>
-        </p:blipFill>
-        <p:spPr>
-          <a:xfrm>
-            <a:off x="23186160" y="15289560"/>
-            <a:ext cx="667800" cy="514440"/>
-          </a:xfrm>
-          <a:prstGeom prst="rect">
-            <a:avLst/>
-          </a:prstGeom>
-        </p:spPr>
-      </p:pic>
-      <p:pic>
-        <p:nvPicPr>
-          <p:cNvPr descr="" id="171" name="Picture 10"/>
-          <p:cNvPicPr/>
-          <p:nvPr/>
-        </p:nvPicPr>
-        <p:blipFill>
-          <a:blip r:embed="rId26"/>
-          <a:stretch>
-            <a:fillRect/>
-          </a:stretch>
-        </p:blipFill>
-        <p:spPr>
-          <a:xfrm>
-            <a:off x="24147360" y="21756960"/>
-            <a:ext cx="664560" cy="288720"/>
-          </a:xfrm>
-          <a:prstGeom prst="rect">
-            <a:avLst/>
-          </a:prstGeom>
-        </p:spPr>
-      </p:pic>
-      <p:sp>
-        <p:nvSpPr>
-          <p:cNvPr id="172" name="CustomShape 113"/>
-          <p:cNvSpPr/>
-          <p:nvPr/>
-        </p:nvSpPr>
-        <p:spPr>
-          <a:xfrm>
-            <a:off x="10325880" y="17354520"/>
-            <a:ext cx="9873720" cy="1580040"/>
-          </a:xfrm>
-          <a:prstGeom prst="rect">
-            <a:avLst/>
-          </a:prstGeom>
-          <a:solidFill>
-            <a:srgbClr val="ffffff"/>
-          </a:solidFill>
-        </p:spPr>
-        <p:txBody>
-          <a:bodyPr bIns="45000" lIns="90000" rIns="90000" tIns="45000"/>
-          <a:p>
-            <a:pPr>
-              <a:lnSpc>
-                <a:spcPct val="100000"/>
-              </a:lnSpc>
-            </a:pPr>
-            <a:r>
-              <a:rPr b="1" i="1" lang="en-US" sz="3200">
-                <a:solidFill>
-                  <a:srgbClr val="000000"/>
-                </a:solidFill>
-                <a:latin typeface="Calibri"/>
-              </a:rPr>
-              <a:t>First Come, First Serves</a:t>
-            </a:r>
-            <a:r>
-              <a:rPr b="1" lang="en-US" sz="3200">
-                <a:solidFill>
-                  <a:srgbClr val="000000"/>
-                </a:solidFill>
-                <a:latin typeface="Calibri"/>
-              </a:rPr>
-              <a:t> (FCFS)</a:t>
-            </a:r>
-            <a:r>
-              <a:rPr lang="en-US" sz="3200">
-                <a:solidFill>
-                  <a:srgbClr val="000000"/>
-                </a:solidFill>
-                <a:latin typeface="Calibri"/>
-              </a:rPr>
-              <a:t>: reservation requests are handled in the order of arrival.</a:t>
-            </a:r>
-            <a:endParaRPr/>
-          </a:p>
-        </p:txBody>
-      </p:sp>
-      <p:sp>
-        <p:nvSpPr>
-          <p:cNvPr id="173" name="CustomShape 114"/>
+            <a:endParaRPr/>
+          </a:p>
+        </p:txBody>
+      </p:sp>
+      <p:sp>
+        <p:nvSpPr>
+          <p:cNvPr id="138" name="CustomShape 80"/>
           <p:cNvSpPr/>
           <p:nvPr/>
         </p:nvSpPr>
         <p:spPr>
           <a:xfrm>
             <a:off x="12344400" y="23506560"/>
-            <a:ext cx="8321040" cy="3285360"/>
+            <a:ext cx="8319960" cy="3284280"/>
           </a:xfrm>
           <a:prstGeom prst="rect">
             <a:avLst/>
@@ -4691,8 +3743,6 @@
               <a:lnSpc>
                 <a:spcPct val="100000"/>
               </a:lnSpc>
-              <a:buFont typeface="Arial"/>
-              <a:buChar char="•"/>
             </a:pPr>
             <a:r>
               <a:rPr lang="en-US" sz="3200">
@@ -4701,7 +3751,7 @@
                 </a:solidFill>
                 <a:latin typeface="Calibri"/>
               </a:rPr>
-              <a:t>Intersection: 3 lanes on each road.</a:t>
+              <a:t>*.Intersection: 3 lanes on each road.</a:t>
             </a:r>
             <a:endParaRPr/>
           </a:p>
@@ -4710,8 +3760,6 @@
               <a:lnSpc>
                 <a:spcPct val="100000"/>
               </a:lnSpc>
-              <a:buFont typeface="Arial"/>
-              <a:buChar char="•"/>
             </a:pPr>
             <a:r>
               <a:rPr lang="en-US" sz="3200">
@@ -4720,7 +3768,7 @@
                 </a:solidFill>
                 <a:latin typeface="Calibri"/>
               </a:rPr>
-              <a:t>Main street traffic: 360 veh/hour/lane.</a:t>
+              <a:t>*.Traffic: 360 veh/hour/lane</a:t>
             </a:r>
             <a:endParaRPr/>
           </a:p>
@@ -4729,8 +3777,6 @@
               <a:lnSpc>
                 <a:spcPct val="100000"/>
               </a:lnSpc>
-              <a:buFont typeface="Arial"/>
-              <a:buChar char="•"/>
             </a:pPr>
             <a:r>
               <a:rPr lang="en-US" sz="3200">
@@ -4739,7 +3785,7 @@
                 </a:solidFill>
                 <a:latin typeface="Calibri"/>
               </a:rPr>
-              <a:t>Type of vehicles: Fully Autonomous, Adaptive Cruise Control, Cruise Control, Communication Device and Traditional Human-driven</a:t>
+              <a:t>*.Type of vehicles: Fully Autonomous, Adaptive Cruise Control, Cruise Control, Communication Device and Traditional Human-driven</a:t>
             </a:r>
             <a:endParaRPr/>
           </a:p>
@@ -4747,14 +3793,14 @@
       </p:sp>
       <p:sp>
         <p:nvSpPr>
-          <p:cNvPr id="174" name="CustomShape 115"/>
+          <p:cNvPr id="139" name="CustomShape 81"/>
           <p:cNvSpPr/>
           <p:nvPr/>
         </p:nvSpPr>
         <p:spPr>
           <a:xfrm>
             <a:off x="30163680" y="9444600"/>
-            <a:ext cx="9064080" cy="587520"/>
+            <a:ext cx="9063000" cy="586440"/>
           </a:xfrm>
           <a:prstGeom prst="rect">
             <a:avLst/>
@@ -4778,7 +3824,7 @@
                 </a:solidFill>
                 <a:latin typeface="Calibri"/>
               </a:rPr>
-              <a:t>Features of Vehicles</a:t>
+              <a:t>Semi-Autonomous Vehicles</a:t>
             </a:r>
             <a:endParaRPr/>
           </a:p>
@@ -4786,14 +3832,14 @@
       </p:sp>
       <p:sp>
         <p:nvSpPr>
-          <p:cNvPr id="175" name="CustomShape 116"/>
-          <p:cNvSpPr/>
-          <p:nvPr/>
-        </p:nvSpPr>
-        <p:spPr>
-          <a:xfrm>
-            <a:off x="25185240" y="10881360"/>
-            <a:ext cx="8098920" cy="3566160"/>
+          <p:cNvPr id="140" name="CustomShape 82"/>
+          <p:cNvSpPr/>
+          <p:nvPr/>
+        </p:nvSpPr>
+        <p:spPr>
+          <a:xfrm>
+            <a:off x="25603200" y="10881360"/>
+            <a:ext cx="8686080" cy="3565080"/>
           </a:xfrm>
           <a:prstGeom prst="rect">
             <a:avLst/>
@@ -4817,7 +3863,7 @@
                 </a:solidFill>
                 <a:latin typeface="Calibri"/>
               </a:rPr>
-              <a:t>Our proposed reservation system is general enough to accept reservation requests from any semi-autonomous vehicles that are capable of following some trajectories and communicating with the IM. We currently focus on the types on the right.</a:t>
+              <a:t>Our proposed reservation system is general enough to accept reservation requests from any semi-autonomous vehicles that are capable of following some trajectories and communicating with the IM. We currently focus on the types of semi-auto vehicles on the right.</a:t>
             </a:r>
             <a:endParaRPr/>
           </a:p>
@@ -4825,14 +3871,14 @@
       </p:sp>
       <p:sp>
         <p:nvSpPr>
-          <p:cNvPr id="176" name="CustomShape 117"/>
-          <p:cNvSpPr/>
-          <p:nvPr/>
-        </p:nvSpPr>
-        <p:spPr>
-          <a:xfrm>
-            <a:off x="33873840" y="32375520"/>
-            <a:ext cx="10409760" cy="2525760"/>
+          <p:cNvPr id="141" name="CustomShape 83"/>
+          <p:cNvSpPr/>
+          <p:nvPr/>
+        </p:nvSpPr>
+        <p:spPr>
+          <a:xfrm>
+            <a:off x="25246440" y="25699320"/>
+            <a:ext cx="19016280" cy="2651040"/>
           </a:xfrm>
           <a:prstGeom prst="rect">
             <a:avLst/>
@@ -4849,15 +3895,6 @@
                 <a:spcPct val="100000"/>
               </a:lnSpc>
             </a:pPr>
-            <a:r>
-              <a:rPr b="1" lang="en-US" sz="3200">
-                <a:solidFill>
-                  <a:srgbClr val="000000"/>
-                </a:solidFill>
-                <a:latin typeface="Calibri"/>
-              </a:rPr>
-              <a:t>Conclusions</a:t>
-            </a:r>
             <a:r>
               <a:rPr lang="en-US" sz="3200">
                 <a:solidFill>
@@ -4865,60 +3902,78 @@
                 </a:solidFill>
                 <a:latin typeface="Calibri"/>
               </a:rPr>
-              <a:t>: the batch policy outperforms FCFS, the best autonomous intersection control policy in the literature, in unbalanced traffic.</a:t>
+              <a:t>This poster introduces SemiAIM, a new multiagent constraint-based autonomous intersection management system that enables human-driven vehicles and semi-autonomous vehicles, in addition to fully autonomous vehicles, to make reservations and enter an intersection within the AIM paradigm.</a:t>
             </a:r>
             <a:endParaRPr/>
           </a:p>
-        </p:txBody>
-      </p:sp>
-      <p:sp>
-        <p:nvSpPr>
-          <p:cNvPr id="177" name="CustomShape 118"/>
-          <p:cNvSpPr/>
-          <p:nvPr/>
-        </p:nvSpPr>
-        <p:spPr>
-          <a:xfrm>
-            <a:off x="37581840" y="5334840"/>
-            <a:ext cx="6309000" cy="2620080"/>
-          </a:xfrm>
-          <a:prstGeom prst="rect">
-            <a:avLst/>
-          </a:prstGeom>
-          <a:solidFill>
-            <a:srgbClr val="ffff00"/>
-          </a:solidFill>
-          <a:ln w="25560">
-            <a:solidFill>
-              <a:srgbClr val="000000"/>
-            </a:solidFill>
-            <a:round/>
-          </a:ln>
-        </p:spPr>
-        <p:txBody>
-          <a:bodyPr anchor="ctr" bIns="45000" lIns="90000" rIns="90000" tIns="45000"/>
-          <a:p>
-            <a:pPr algn="ctr">
+          <a:p>
+            <a:pPr>
+              <a:lnSpc>
+                <a:spcPct val="100000"/>
+              </a:lnSpc>
+            </a:pPr>
+            <a:endParaRPr/>
+          </a:p>
+          <a:p>
+            <a:pPr>
               <a:lnSpc>
                 <a:spcPct val="100000"/>
               </a:lnSpc>
             </a:pPr>
             <a:r>
-              <a:rPr b="1" lang="en-US" sz="4000">
+              <a:rPr lang="en-US" sz="3200">
                 <a:solidFill>
-                  <a:srgbClr val="0000ff"/>
+                  <a:srgbClr val="000000"/>
                 </a:solidFill>
                 <a:latin typeface="Calibri"/>
               </a:rPr>
-              <a:t>Will also be presented at AAMAS 2014!</a:t>
+              <a:t>Our initial experiment showed that our system can greatly decrease traffic delay when most vehicles are semi-autonomous, even when few (if any) are fully autonomous</a:t>
             </a:r>
+            <a:endParaRPr/>
+          </a:p>
+          <a:p>
+            <a:pPr>
+              <a:lnSpc>
+                <a:spcPct val="100000"/>
+              </a:lnSpc>
+            </a:pPr>
+            <a:endParaRPr/>
+          </a:p>
+          <a:p>
+            <a:pPr>
+              <a:lnSpc>
+                <a:spcPct val="100000"/>
+              </a:lnSpc>
+            </a:pPr>
             <a:endParaRPr/>
           </a:p>
         </p:txBody>
       </p:sp>
       <p:pic>
         <p:nvPicPr>
-          <p:cNvPr descr="" id="178" name=""/>
+          <p:cNvPr descr="" id="142" name=""/>
+          <p:cNvPicPr/>
+          <p:nvPr/>
+        </p:nvPicPr>
+        <p:blipFill>
+          <a:blip r:embed="rId26"/>
+          <a:stretch>
+            <a:fillRect/>
+          </a:stretch>
+        </p:blipFill>
+        <p:spPr>
+          <a:xfrm>
+            <a:off x="1828800" y="23543640"/>
+            <a:ext cx="9781200" cy="7179120"/>
+          </a:xfrm>
+          <a:prstGeom prst="rect">
+            <a:avLst/>
+          </a:prstGeom>
+        </p:spPr>
+      </p:pic>
+      <p:pic>
+        <p:nvPicPr>
+          <p:cNvPr descr="" id="143" name=""/>
           <p:cNvPicPr/>
           <p:nvPr/>
         </p:nvPicPr>
@@ -4930,46 +3985,24 @@
         </p:blipFill>
         <p:spPr>
           <a:xfrm>
-            <a:off x="1828800" y="23543640"/>
-            <a:ext cx="9782280" cy="7180200"/>
+            <a:off x="11978640" y="27252000"/>
+            <a:ext cx="9051480" cy="7402680"/>
           </a:xfrm>
           <a:prstGeom prst="rect">
             <a:avLst/>
           </a:prstGeom>
         </p:spPr>
       </p:pic>
-      <p:pic>
-        <p:nvPicPr>
-          <p:cNvPr descr="" id="179" name=""/>
-          <p:cNvPicPr/>
-          <p:nvPr/>
-        </p:nvPicPr>
-        <p:blipFill>
-          <a:blip r:embed="rId28"/>
-          <a:stretch>
-            <a:fillRect/>
-          </a:stretch>
-        </p:blipFill>
-        <p:spPr>
-          <a:xfrm>
-            <a:off x="11978640" y="27252000"/>
-            <a:ext cx="9052560" cy="7403760"/>
-          </a:xfrm>
-          <a:prstGeom prst="rect">
-            <a:avLst/>
-          </a:prstGeom>
-        </p:spPr>
-      </p:pic>
-      <p:sp>
-        <p:nvSpPr>
-          <p:cNvPr id="180" name="CustomShape 119"/>
+      <p:sp>
+        <p:nvSpPr>
+          <p:cNvPr id="144" name="CustomShape 84"/>
           <p:cNvSpPr/>
           <p:nvPr/>
         </p:nvSpPr>
         <p:spPr>
           <a:xfrm>
             <a:off x="1828800" y="31181040"/>
-            <a:ext cx="9692640" cy="3285360"/>
+            <a:ext cx="9691560" cy="3284280"/>
           </a:xfrm>
           <a:prstGeom prst="rect">
             <a:avLst/>
@@ -4981,11 +4014,6 @@
         <p:txBody>
           <a:bodyPr anchor="ctr" bIns="45000" lIns="90000" rIns="90000" tIns="45000"/>
           <a:p>
-            <a:pPr>
-              <a:lnSpc>
-                <a:spcPct val="100000"/>
-              </a:lnSpc>
-            </a:pPr>
             <a:r>
               <a:rPr b="1" lang="en-US" sz="3200">
                 <a:solidFill>
@@ -4995,16 +4023,14 @@
               </a:rPr>
               <a:t>Experiment results:</a:t>
             </a:r>
-            <a:r>
-              <a:rPr b="1" lang="en-US" sz="3200">
-                <a:solidFill>
-                  <a:srgbClr val="000000"/>
-                </a:solidFill>
-                <a:latin typeface="Calibri"/>
-              </a:rPr>
-              <a:t>
-</a:t>
-            </a:r>
+            <a:endParaRPr/>
+          </a:p>
+          <a:p>
+            <a:pPr>
+              <a:lnSpc>
+                <a:spcPct val="100000"/>
+              </a:lnSpc>
+            </a:pPr>
             <a:r>
               <a:rPr lang="en-US" sz="3200">
                 <a:solidFill>
@@ -5020,14 +4046,14 @@
       </p:sp>
       <p:sp>
         <p:nvSpPr>
-          <p:cNvPr id="181" name="CustomShape 120"/>
+          <p:cNvPr id="145" name="CustomShape 85"/>
           <p:cNvSpPr/>
           <p:nvPr/>
         </p:nvSpPr>
         <p:spPr>
           <a:xfrm>
             <a:off x="30175200" y="15505920"/>
-            <a:ext cx="9064080" cy="587520"/>
+            <a:ext cx="9063000" cy="586440"/>
           </a:xfrm>
           <a:prstGeom prst="rect">
             <a:avLst/>
@@ -5059,12 +4085,12 @@
       </p:sp>
       <p:pic>
         <p:nvPicPr>
-          <p:cNvPr descr="" id="182" name=""/>
+          <p:cNvPr descr="" id="146" name=""/>
           <p:cNvPicPr/>
           <p:nvPr/>
         </p:nvPicPr>
         <p:blipFill>
-          <a:blip r:embed="rId29"/>
+          <a:blip r:embed="rId28"/>
           <a:stretch>
             <a:fillRect/>
           </a:stretch>
@@ -5072,7 +4098,7 @@
         <p:spPr>
           <a:xfrm>
             <a:off x="26517600" y="16459200"/>
-            <a:ext cx="16824960" cy="4754880"/>
+            <a:ext cx="16823880" cy="4753800"/>
           </a:xfrm>
           <a:prstGeom prst="rect">
             <a:avLst/>
@@ -5081,29 +4107,34 @@
       </p:pic>
       <p:graphicFrame>
         <p:nvGraphicFramePr>
-          <p:cNvPr id="183" name="Table 121"/>
+          <p:cNvPr id="147" name="Table 86"/>
           <p:cNvGraphicFramePr/>
           <p:nvPr/>
         </p:nvGraphicFramePr>
         <p:xfrm>
-          <a:off x="33885360" y="11020320"/>
-          <a:ext cx="9716040" cy="3688200"/>
+          <a:off x="34655760" y="10911600"/>
+          <a:ext cx="8970480" cy="3686760"/>
         </p:xfrm>
         <a:graphic>
           <a:graphicData uri="http://schemas.openxmlformats.org/drawingml/2006/table">
             <a:tbl>
               <a:tblPr/>
               <a:tblGrid>
-                <a:gridCol w="2428560"/>
-                <a:gridCol w="2428560"/>
-                <a:gridCol w="2428560"/>
-                <a:gridCol w="3139200"/>
+                <a:gridCol w="2090520"/>
+                <a:gridCol w="2090520"/>
+                <a:gridCol w="2090520"/>
+                <a:gridCol w="2698920"/>
               </a:tblGrid>
-              <a:tr h="742680">
+              <a:tr h="921960">
                 <a:tc>
                   <a:txBody>
-                    <a:bodyPr bIns="46800" lIns="90000" rIns="90000" tIns="46800" wrap="none"/>
+                    <a:bodyPr wrap="none"/>
                     <a:p>
+                      <a:pPr algn="ctr">
+                        <a:lnSpc>
+                          <a:spcPct val="100000"/>
+                        </a:lnSpc>
+                      </a:pPr>
                       <a:r>
                         <a:rPr lang="en-US"/>
                         <a:t>Vehicle Types</a:t>
@@ -5115,8 +4146,13 @@
                 </a:tc>
                 <a:tc>
                   <a:txBody>
-                    <a:bodyPr bIns="46800" lIns="90000" rIns="90000" tIns="46800" wrap="none"/>
+                    <a:bodyPr wrap="none"/>
                     <a:p>
+                      <a:pPr algn="ctr">
+                        <a:lnSpc>
+                          <a:spcPct val="100000"/>
+                        </a:lnSpc>
+                      </a:pPr>
                       <a:r>
                         <a:rPr lang="en-US"/>
                         <a:t>Communication Device</a:t>
@@ -5128,8 +4164,13 @@
                 </a:tc>
                 <a:tc>
                   <a:txBody>
-                    <a:bodyPr bIns="46800" lIns="90000" rIns="90000" tIns="46800" wrap="none"/>
+                    <a:bodyPr wrap="none"/>
                     <a:p>
+                      <a:pPr algn="ctr">
+                        <a:lnSpc>
+                          <a:spcPct val="100000"/>
+                        </a:lnSpc>
+                      </a:pPr>
                       <a:r>
                         <a:rPr lang="en-US"/>
                         <a:t>Cruise Control</a:t>
@@ -5141,8 +4182,13 @@
                 </a:tc>
                 <a:tc>
                   <a:txBody>
-                    <a:bodyPr bIns="46800" lIns="90000" rIns="90000" tIns="46800" wrap="none"/>
+                    <a:bodyPr wrap="none"/>
                     <a:p>
+                      <a:pPr algn="ctr">
+                        <a:lnSpc>
+                          <a:spcPct val="100000"/>
+                        </a:lnSpc>
+                      </a:pPr>
                       <a:r>
                         <a:rPr lang="en-US"/>
                         <a:t>Adaptive Cruise Control</a:t>
@@ -5153,11 +4199,16 @@
                   <a:tcPr/>
                 </a:tc>
               </a:tr>
-              <a:tr h="742680">
+              <a:tr h="921960">
                 <a:tc>
                   <a:txBody>
-                    <a:bodyPr bIns="46800" lIns="90000" rIns="90000" tIns="46800" wrap="none"/>
+                    <a:bodyPr wrap="none"/>
                     <a:p>
+                      <a:pPr algn="ctr">
+                        <a:lnSpc>
+                          <a:spcPct val="100000"/>
+                        </a:lnSpc>
+                      </a:pPr>
                       <a:r>
                         <a:rPr lang="en-US"/>
                         <a:t>SA-ACC</a:t>
@@ -5169,8 +4220,13 @@
                 </a:tc>
                 <a:tc>
                   <a:txBody>
-                    <a:bodyPr bIns="46800" lIns="90000" rIns="90000" tIns="46800" wrap="none"/>
+                    <a:bodyPr wrap="none"/>
                     <a:p>
+                      <a:pPr algn="ctr">
+                        <a:lnSpc>
+                          <a:spcPct val="100000"/>
+                        </a:lnSpc>
+                      </a:pPr>
                       <a:r>
                         <a:rPr lang="en-US"/>
                         <a:t>X</a:t>
@@ -5182,8 +4238,13 @@
                 </a:tc>
                 <a:tc>
                   <a:txBody>
-                    <a:bodyPr bIns="46800" lIns="90000" rIns="90000" tIns="46800" wrap="none"/>
+                    <a:bodyPr wrap="none"/>
                     <a:p>
+                      <a:pPr algn="ctr">
+                        <a:lnSpc>
+                          <a:spcPct val="100000"/>
+                        </a:lnSpc>
+                      </a:pPr>
                       <a:r>
                         <a:rPr lang="en-US"/>
                         <a:t>X</a:t>
@@ -5195,8 +4256,13 @@
                 </a:tc>
                 <a:tc>
                   <a:txBody>
-                    <a:bodyPr bIns="46800" lIns="90000" rIns="90000" tIns="46800" wrap="none"/>
+                    <a:bodyPr wrap="none"/>
                     <a:p>
+                      <a:pPr algn="ctr">
+                        <a:lnSpc>
+                          <a:spcPct val="100000"/>
+                        </a:lnSpc>
+                      </a:pPr>
                       <a:r>
                         <a:rPr lang="en-US"/>
                         <a:t>X</a:t>
@@ -5207,11 +4273,16 @@
                   <a:tcPr/>
                 </a:tc>
               </a:tr>
-              <a:tr h="742680">
+              <a:tr h="921960">
                 <a:tc>
                   <a:txBody>
-                    <a:bodyPr bIns="46800" lIns="90000" rIns="90000" tIns="46800" wrap="none"/>
+                    <a:bodyPr wrap="none"/>
                     <a:p>
+                      <a:pPr algn="ctr">
+                        <a:lnSpc>
+                          <a:spcPct val="100000"/>
+                        </a:lnSpc>
+                      </a:pPr>
                       <a:r>
                         <a:rPr lang="en-US"/>
                         <a:t>SA-CC</a:t>
@@ -5223,8 +4294,13 @@
                 </a:tc>
                 <a:tc>
                   <a:txBody>
-                    <a:bodyPr bIns="46800" lIns="90000" rIns="90000" tIns="46800" wrap="none"/>
+                    <a:bodyPr wrap="none"/>
                     <a:p>
+                      <a:pPr algn="ctr">
+                        <a:lnSpc>
+                          <a:spcPct val="100000"/>
+                        </a:lnSpc>
+                      </a:pPr>
                       <a:r>
                         <a:rPr lang="en-US"/>
                         <a:t>X</a:t>
@@ -5236,8 +4312,13 @@
                 </a:tc>
                 <a:tc>
                   <a:txBody>
-                    <a:bodyPr bIns="46800" lIns="90000" rIns="90000" tIns="46800" wrap="none"/>
+                    <a:bodyPr wrap="none"/>
                     <a:p>
+                      <a:pPr algn="ctr">
+                        <a:lnSpc>
+                          <a:spcPct val="100000"/>
+                        </a:lnSpc>
+                      </a:pPr>
                       <a:r>
                         <a:rPr lang="en-US"/>
                         <a:t>X</a:t>
@@ -5251,11 +4332,16 @@
                   <a:tcPr/>
                 </a:tc>
               </a:tr>
-              <a:tr h="741960">
+              <a:tr h="920880">
                 <a:tc>
                   <a:txBody>
-                    <a:bodyPr bIns="46800" lIns="90000" rIns="90000" tIns="46800" wrap="none"/>
+                    <a:bodyPr wrap="none"/>
                     <a:p>
+                      <a:pPr algn="ctr">
+                        <a:lnSpc>
+                          <a:spcPct val="100000"/>
+                        </a:lnSpc>
+                      </a:pPr>
                       <a:r>
                         <a:rPr lang="en-US"/>
                         <a:t>SA-Com</a:t>
@@ -5267,8 +4353,13 @@
                 </a:tc>
                 <a:tc>
                   <a:txBody>
-                    <a:bodyPr bIns="46800" lIns="90000" rIns="90000" tIns="46800" wrap="none"/>
+                    <a:bodyPr wrap="none"/>
                     <a:p>
+                      <a:pPr algn="ctr">
+                        <a:lnSpc>
+                          <a:spcPct val="100000"/>
+                        </a:lnSpc>
+                      </a:pPr>
                       <a:r>
                         <a:rPr lang="en-US"/>
                         <a:t>X</a:t>
@@ -5289,6 +4380,701 @@
           </a:graphicData>
         </a:graphic>
       </p:graphicFrame>
+      <p:sp>
+        <p:nvSpPr>
+          <p:cNvPr id="148" name="CustomShape 87"/>
+          <p:cNvSpPr/>
+          <p:nvPr/>
+        </p:nvSpPr>
+        <p:spPr>
+          <a:xfrm>
+            <a:off x="2183400" y="9471240"/>
+            <a:ext cx="17109720" cy="586440"/>
+          </a:xfrm>
+          <a:prstGeom prst="rect">
+            <a:avLst/>
+          </a:prstGeom>
+          <a:solidFill>
+            <a:srgbClr val="ffffff"/>
+          </a:solidFill>
+        </p:spPr>
+        <p:txBody>
+          <a:bodyPr bIns="45000" lIns="90000" rIns="90000" tIns="45000"/>
+          <a:p>
+            <a:pPr algn="ctr">
+              <a:lnSpc>
+                <a:spcPct val="100000"/>
+              </a:lnSpc>
+            </a:pPr>
+            <a:r>
+              <a:rPr b="1" lang="en-US" sz="3200">
+                <a:solidFill>
+                  <a:srgbClr val="000000"/>
+                </a:solidFill>
+                <a:latin typeface="Calibri"/>
+              </a:rPr>
+              <a:t>Previous Work: Autonomous Intersection Management (AIM)</a:t>
+            </a:r>
+            <a:endParaRPr/>
+          </a:p>
+        </p:txBody>
+      </p:sp>
+      <p:sp>
+        <p:nvSpPr>
+          <p:cNvPr id="149" name="CustomShape 88"/>
+          <p:cNvSpPr/>
+          <p:nvPr/>
+        </p:nvSpPr>
+        <p:spPr>
+          <a:xfrm>
+            <a:off x="2549160" y="17243640"/>
+            <a:ext cx="17109720" cy="586440"/>
+          </a:xfrm>
+          <a:prstGeom prst="rect">
+            <a:avLst/>
+          </a:prstGeom>
+          <a:solidFill>
+            <a:srgbClr val="ffffff"/>
+          </a:solidFill>
+        </p:spPr>
+        <p:txBody>
+          <a:bodyPr bIns="45000" lIns="90000" rIns="90000" tIns="45000"/>
+          <a:p>
+            <a:pPr algn="ctr">
+              <a:lnSpc>
+                <a:spcPct val="100000"/>
+              </a:lnSpc>
+            </a:pPr>
+            <a:r>
+              <a:rPr b="1" lang="en-US" sz="3200">
+                <a:solidFill>
+                  <a:srgbClr val="000000"/>
+                </a:solidFill>
+                <a:latin typeface="Calibri"/>
+              </a:rPr>
+              <a:t>Drawbacks of AIM</a:t>
+            </a:r>
+            <a:endParaRPr/>
+          </a:p>
+        </p:txBody>
+      </p:sp>
+      <p:sp>
+        <p:nvSpPr>
+          <p:cNvPr id="150" name="CustomShape 89"/>
+          <p:cNvSpPr/>
+          <p:nvPr/>
+        </p:nvSpPr>
+        <p:spPr>
+          <a:xfrm>
+            <a:off x="2103120" y="18105120"/>
+            <a:ext cx="8594640" cy="2925360"/>
+          </a:xfrm>
+          <a:prstGeom prst="rect">
+            <a:avLst/>
+          </a:prstGeom>
+          <a:solidFill>
+            <a:srgbClr val="ffffff"/>
+          </a:solidFill>
+        </p:spPr>
+        <p:txBody>
+          <a:bodyPr bIns="45000" lIns="90000" rIns="90000" tIns="45000"/>
+          <a:p>
+            <a:pPr>
+              <a:lnSpc>
+                <a:spcPct val="100000"/>
+              </a:lnSpc>
+            </a:pPr>
+            <a:r>
+              <a:rPr lang="en-US" sz="3200">
+                <a:solidFill>
+                  <a:srgbClr val="000000"/>
+                </a:solidFill>
+                <a:latin typeface="Calibri"/>
+              </a:rPr>
+              <a:t>AIM is designed for the time when vehicles are autonomous. There will be a long transition period during which most vehicles have some but not all capabilities of fully autonomous vehicles.</a:t>
+            </a:r>
+            <a:endParaRPr/>
+          </a:p>
+          <a:p>
+            <a:pPr>
+              <a:lnSpc>
+                <a:spcPct val="100000"/>
+              </a:lnSpc>
+            </a:pPr>
+            <a:endParaRPr/>
+          </a:p>
+        </p:txBody>
+      </p:sp>
+      <p:sp>
+        <p:nvSpPr>
+          <p:cNvPr id="151" name="CustomShape 90"/>
+          <p:cNvSpPr/>
+          <p:nvPr/>
+        </p:nvSpPr>
+        <p:spPr>
+          <a:xfrm>
+            <a:off x="11338560" y="18105120"/>
+            <a:ext cx="8594640" cy="2925360"/>
+          </a:xfrm>
+          <a:prstGeom prst="rect">
+            <a:avLst/>
+          </a:prstGeom>
+          <a:solidFill>
+            <a:srgbClr val="ffffff"/>
+          </a:solidFill>
+        </p:spPr>
+        <p:txBody>
+          <a:bodyPr bIns="45000" lIns="90000" rIns="90000" tIns="45000"/>
+          <a:p>
+            <a:pPr>
+              <a:lnSpc>
+                <a:spcPct val="100000"/>
+              </a:lnSpc>
+            </a:pPr>
+            <a:r>
+              <a:rPr lang="en-US" sz="3200">
+                <a:solidFill>
+                  <a:srgbClr val="000000"/>
+                </a:solidFill>
+                <a:latin typeface="Calibri"/>
+              </a:rPr>
+              <a:t>We use the term </a:t>
+            </a:r>
+            <a:r>
+              <a:rPr b="1" lang="en-US" sz="3200">
+                <a:solidFill>
+                  <a:srgbClr val="000000"/>
+                </a:solidFill>
+                <a:latin typeface="Calibri"/>
+              </a:rPr>
+              <a:t>semi-autonomous vehicles</a:t>
+            </a:r>
+            <a:r>
+              <a:rPr lang="en-US" sz="3200">
+                <a:solidFill>
+                  <a:srgbClr val="000000"/>
+                </a:solidFill>
+                <a:latin typeface="Calibri"/>
+              </a:rPr>
+              <a:t> to refer to vehicles with limited autonomous driving and wireless communication capabilities.</a:t>
+            </a:r>
+            <a:endParaRPr/>
+          </a:p>
+        </p:txBody>
+      </p:sp>
+      <p:pic>
+        <p:nvPicPr>
+          <p:cNvPr descr="" id="152" name=""/>
+          <p:cNvPicPr/>
+          <p:nvPr/>
+        </p:nvPicPr>
+        <p:blipFill>
+          <a:blip r:embed="rId29"/>
+          <a:stretch>
+            <a:fillRect/>
+          </a:stretch>
+        </p:blipFill>
+        <p:spPr>
+          <a:xfrm>
+            <a:off x="14447520" y="12344400"/>
+            <a:ext cx="3565440" cy="3382560"/>
+          </a:xfrm>
+          <a:prstGeom prst="rect">
+            <a:avLst/>
+          </a:prstGeom>
+        </p:spPr>
+      </p:pic>
+      <p:pic>
+        <p:nvPicPr>
+          <p:cNvPr descr="" id="153" name=""/>
+          <p:cNvPicPr/>
+          <p:nvPr/>
+        </p:nvPicPr>
+        <p:blipFill>
+          <a:blip r:embed="rId30"/>
+          <a:stretch>
+            <a:fillRect/>
+          </a:stretch>
+        </p:blipFill>
+        <p:spPr>
+          <a:xfrm>
+            <a:off x="14447520" y="11247120"/>
+            <a:ext cx="5302800" cy="5028480"/>
+          </a:xfrm>
+          <a:prstGeom prst="rect">
+            <a:avLst/>
+          </a:prstGeom>
+        </p:spPr>
+      </p:pic>
+      <p:sp>
+        <p:nvSpPr>
+          <p:cNvPr id="154" name="CustomShape 91"/>
+          <p:cNvSpPr/>
+          <p:nvPr/>
+        </p:nvSpPr>
+        <p:spPr>
+          <a:xfrm>
+            <a:off x="25429320" y="23923440"/>
+            <a:ext cx="18572760" cy="586440"/>
+          </a:xfrm>
+          <a:prstGeom prst="rect">
+            <a:avLst/>
+          </a:prstGeom>
+          <a:solidFill>
+            <a:srgbClr val="ffffff"/>
+          </a:solidFill>
+        </p:spPr>
+        <p:txBody>
+          <a:bodyPr bIns="45000" lIns="90000" rIns="90000" tIns="45000"/>
+          <a:p>
+            <a:pPr algn="ctr">
+              <a:lnSpc>
+                <a:spcPct val="100000"/>
+              </a:lnSpc>
+            </a:pPr>
+            <a:r>
+              <a:rPr b="1" lang="en-US" sz="3200">
+                <a:solidFill>
+                  <a:srgbClr val="000000"/>
+                </a:solidFill>
+                <a:latin typeface="Calibri"/>
+              </a:rPr>
+              <a:t>Conclusion</a:t>
+            </a:r>
+            <a:endParaRPr/>
+          </a:p>
+        </p:txBody>
+      </p:sp>
+      <p:sp>
+        <p:nvSpPr>
+          <p:cNvPr id="155" name="CustomShape 92"/>
+          <p:cNvSpPr/>
+          <p:nvPr/>
+        </p:nvSpPr>
+        <p:spPr>
+          <a:xfrm>
+            <a:off x="25418160" y="29356920"/>
+            <a:ext cx="6868440" cy="586440"/>
+          </a:xfrm>
+          <a:prstGeom prst="rect">
+            <a:avLst/>
+          </a:prstGeom>
+          <a:solidFill>
+            <a:srgbClr val="ffffff"/>
+          </a:solidFill>
+        </p:spPr>
+        <p:txBody>
+          <a:bodyPr bIns="45000" lIns="90000" rIns="90000" tIns="45000"/>
+          <a:p>
+            <a:pPr algn="ctr">
+              <a:lnSpc>
+                <a:spcPct val="100000"/>
+              </a:lnSpc>
+            </a:pPr>
+            <a:r>
+              <a:rPr b="1" lang="en-US" sz="3200">
+                <a:solidFill>
+                  <a:srgbClr val="000000"/>
+                </a:solidFill>
+                <a:latin typeface="Calibri"/>
+              </a:rPr>
+              <a:t>Acknowledgement</a:t>
+            </a:r>
+            <a:endParaRPr/>
+          </a:p>
+        </p:txBody>
+      </p:sp>
+      <p:sp>
+        <p:nvSpPr>
+          <p:cNvPr id="156" name="CustomShape 93"/>
+          <p:cNvSpPr/>
+          <p:nvPr/>
+        </p:nvSpPr>
+        <p:spPr>
+          <a:xfrm>
+            <a:off x="25968960" y="30083760"/>
+            <a:ext cx="6491520" cy="3839760"/>
+          </a:xfrm>
+          <a:prstGeom prst="rect">
+            <a:avLst/>
+          </a:prstGeom>
+          <a:solidFill>
+            <a:srgbClr val="ffffff"/>
+          </a:solidFill>
+        </p:spPr>
+        <p:txBody>
+          <a:bodyPr anchor="ctr" bIns="45000" lIns="90000" rIns="90000" tIns="45000"/>
+          <a:p>
+            <a:pPr>
+              <a:lnSpc>
+                <a:spcPct val="100000"/>
+              </a:lnSpc>
+            </a:pPr>
+            <a:r>
+              <a:rPr lang="en-US" sz="2600">
+                <a:solidFill>
+                  <a:srgbClr val="000000"/>
+                </a:solidFill>
+                <a:latin typeface="Calibri"/>
+              </a:rPr>
+              <a:t>This work has taken place in the ART Lab at UNIST and LARG</a:t>
+            </a:r>
+            <a:endParaRPr/>
+          </a:p>
+          <a:p>
+            <a:pPr>
+              <a:lnSpc>
+                <a:spcPct val="100000"/>
+              </a:lnSpc>
+            </a:pPr>
+            <a:r>
+              <a:rPr lang="en-US" sz="2600">
+                <a:solidFill>
+                  <a:srgbClr val="000000"/>
+                </a:solidFill>
+                <a:latin typeface="Calibri"/>
+              </a:rPr>
+              <a:t>at UT Austin. ART research is supported by UNIST research fund</a:t>
+            </a:r>
+            <a:endParaRPr/>
+          </a:p>
+          <a:p>
+            <a:pPr>
+              <a:lnSpc>
+                <a:spcPct val="100000"/>
+              </a:lnSpc>
+            </a:pPr>
+            <a:r>
+              <a:rPr lang="en-US" sz="2600">
+                <a:solidFill>
+                  <a:srgbClr val="000000"/>
+                </a:solidFill>
+                <a:latin typeface="Calibri"/>
+              </a:rPr>
+              <a:t>(1.120038.01). LARG research is supported in part by NSF (CNS-</a:t>
+            </a:r>
+            <a:endParaRPr/>
+          </a:p>
+          <a:p>
+            <a:pPr>
+              <a:lnSpc>
+                <a:spcPct val="100000"/>
+              </a:lnSpc>
+            </a:pPr>
+            <a:r>
+              <a:rPr lang="en-US" sz="2600">
+                <a:solidFill>
+                  <a:srgbClr val="000000"/>
+                </a:solidFill>
+                <a:latin typeface="Calibri"/>
+              </a:rPr>
+              <a:t>1330072, CNS-1305287) and ONR (21C184-01).</a:t>
+            </a:r>
+            <a:endParaRPr/>
+          </a:p>
+          <a:p>
+            <a:pPr>
+              <a:lnSpc>
+                <a:spcPct val="100000"/>
+              </a:lnSpc>
+            </a:pPr>
+            <a:endParaRPr/>
+          </a:p>
+        </p:txBody>
+      </p:sp>
+      <p:sp>
+        <p:nvSpPr>
+          <p:cNvPr id="157" name="CustomShape 94"/>
+          <p:cNvSpPr/>
+          <p:nvPr/>
+        </p:nvSpPr>
+        <p:spPr>
+          <a:xfrm>
+            <a:off x="32927400" y="29356920"/>
+            <a:ext cx="9874800" cy="586440"/>
+          </a:xfrm>
+          <a:prstGeom prst="rect">
+            <a:avLst/>
+          </a:prstGeom>
+          <a:solidFill>
+            <a:srgbClr val="ffffff"/>
+          </a:solidFill>
+        </p:spPr>
+        <p:txBody>
+          <a:bodyPr bIns="45000" lIns="90000" rIns="90000" tIns="45000"/>
+          <a:p>
+            <a:pPr algn="ctr">
+              <a:lnSpc>
+                <a:spcPct val="100000"/>
+              </a:lnSpc>
+            </a:pPr>
+            <a:r>
+              <a:rPr b="1" lang="en-US" sz="3200">
+                <a:solidFill>
+                  <a:srgbClr val="000000"/>
+                </a:solidFill>
+                <a:latin typeface="Calibri"/>
+              </a:rPr>
+              <a:t>References</a:t>
+            </a:r>
+            <a:endParaRPr/>
+          </a:p>
+        </p:txBody>
+      </p:sp>
+      <p:sp>
+        <p:nvSpPr>
+          <p:cNvPr id="158" name="CustomShape 95"/>
+          <p:cNvSpPr/>
+          <p:nvPr/>
+        </p:nvSpPr>
+        <p:spPr>
+          <a:xfrm>
+            <a:off x="33467040" y="30341520"/>
+            <a:ext cx="10320840" cy="3748320"/>
+          </a:xfrm>
+          <a:prstGeom prst="rect">
+            <a:avLst/>
+          </a:prstGeom>
+          <a:solidFill>
+            <a:srgbClr val="ffffff"/>
+          </a:solidFill>
+        </p:spPr>
+        <p:txBody>
+          <a:bodyPr anchor="ctr" bIns="45000" lIns="90000" rIns="90000" tIns="45000"/>
+          <a:p>
+            <a:pPr>
+              <a:lnSpc>
+                <a:spcPct val="100000"/>
+              </a:lnSpc>
+            </a:pPr>
+            <a:r>
+              <a:rPr lang="en-US" sz="2600">
+                <a:solidFill>
+                  <a:srgbClr val="000000"/>
+                </a:solidFill>
+                <a:latin typeface="Calibri"/>
+              </a:rPr>
+              <a:t>[1] DARPA. DARPA Urban Challenge.</a:t>
+            </a:r>
+            <a:endParaRPr/>
+          </a:p>
+          <a:p>
+            <a:pPr>
+              <a:lnSpc>
+                <a:spcPct val="100000"/>
+              </a:lnSpc>
+            </a:pPr>
+            <a:r>
+              <a:rPr lang="en-US" sz="2600">
+                <a:solidFill>
+                  <a:srgbClr val="000000"/>
+                </a:solidFill>
+                <a:latin typeface="Calibri"/>
+              </a:rPr>
+              <a:t>http://www.darpa.mil/grandchallenge, 2007.</a:t>
+            </a:r>
+            <a:endParaRPr/>
+          </a:p>
+          <a:p>
+            <a:pPr>
+              <a:lnSpc>
+                <a:spcPct val="100000"/>
+              </a:lnSpc>
+            </a:pPr>
+            <a:r>
+              <a:rPr lang="en-US" sz="2600">
+                <a:solidFill>
+                  <a:srgbClr val="000000"/>
+                </a:solidFill>
+                <a:latin typeface="Calibri"/>
+              </a:rPr>
+              <a:t>[2] K. Dresner and P. Stone. Sharing the road: Autonomous vehicles meet human drivers. In IJCAI, 2007.</a:t>
+            </a:r>
+            <a:endParaRPr/>
+          </a:p>
+          <a:p>
+            <a:pPr>
+              <a:lnSpc>
+                <a:spcPct val="100000"/>
+              </a:lnSpc>
+            </a:pPr>
+            <a:r>
+              <a:rPr lang="en-US" sz="2600">
+                <a:solidFill>
+                  <a:srgbClr val="000000"/>
+                </a:solidFill>
+                <a:latin typeface="Calibri"/>
+              </a:rPr>
+              <a:t>[3] K. Dresner and P. Stone. A multiagent approach to</a:t>
+            </a:r>
+            <a:endParaRPr/>
+          </a:p>
+          <a:p>
+            <a:pPr>
+              <a:lnSpc>
+                <a:spcPct val="100000"/>
+              </a:lnSpc>
+            </a:pPr>
+            <a:r>
+              <a:rPr lang="en-US" sz="2600">
+                <a:solidFill>
+                  <a:srgbClr val="000000"/>
+                </a:solidFill>
+                <a:latin typeface="Calibri"/>
+              </a:rPr>
+              <a:t>autonomous intersection management. Journal of Artificial Intelligence Research (JAIR), March 2008</a:t>
+            </a:r>
+            <a:endParaRPr/>
+          </a:p>
+          <a:p>
+            <a:pPr>
+              <a:lnSpc>
+                <a:spcPct val="100000"/>
+              </a:lnSpc>
+            </a:pPr>
+            <a:r>
+              <a:rPr lang="en-US" sz="2600">
+                <a:solidFill>
+                  <a:srgbClr val="000000"/>
+                </a:solidFill>
+                <a:latin typeface="Calibri"/>
+              </a:rPr>
+              <a:t>Etc.</a:t>
+            </a:r>
+            <a:endParaRPr/>
+          </a:p>
+          <a:p>
+            <a:pPr>
+              <a:lnSpc>
+                <a:spcPct val="100000"/>
+              </a:lnSpc>
+            </a:pPr>
+            <a:endParaRPr/>
+          </a:p>
+          <a:p>
+            <a:pPr>
+              <a:lnSpc>
+                <a:spcPct val="100000"/>
+              </a:lnSpc>
+            </a:pPr>
+            <a:endParaRPr/>
+          </a:p>
+        </p:txBody>
+      </p:sp>
+      <p:sp>
+        <p:nvSpPr>
+          <p:cNvPr id="159" name="CustomShape 96"/>
+          <p:cNvSpPr/>
+          <p:nvPr/>
+        </p:nvSpPr>
+        <p:spPr>
+          <a:xfrm>
+            <a:off x="914400" y="14081760"/>
+            <a:ext cx="5212080" cy="2468880"/>
+          </a:xfrm>
+          <a:prstGeom prst="ellipse">
+            <a:avLst/>
+          </a:prstGeom>
+          <a:solidFill>
+            <a:srgbClr val="ffffff"/>
+          </a:solidFill>
+          <a:ln>
+            <a:solidFill>
+              <a:srgbClr val="ff0000"/>
+            </a:solidFill>
+          </a:ln>
+        </p:spPr>
+        <p:txBody>
+          <a:bodyPr anchor="ctr" bIns="45000" lIns="90000" rIns="90000" tIns="45000" wrap="none"/>
+          <a:p>
+            <a:pPr algn="ctr">
+              <a:lnSpc>
+                <a:spcPct val="100000"/>
+              </a:lnSpc>
+            </a:pPr>
+            <a:r>
+              <a:rPr lang="en-US" sz="4000"/>
+              <a:t>Our</a:t>
+            </a:r>
+            <a:endParaRPr/>
+          </a:p>
+          <a:p>
+            <a:pPr algn="ctr">
+              <a:lnSpc>
+                <a:spcPct val="100000"/>
+              </a:lnSpc>
+            </a:pPr>
+            <a:r>
+              <a:rPr lang="en-US" sz="4000"/>
+              <a:t>Autonomous</a:t>
+            </a:r>
+            <a:endParaRPr/>
+          </a:p>
+          <a:p>
+            <a:pPr algn="ctr">
+              <a:lnSpc>
+                <a:spcPct val="100000"/>
+              </a:lnSpc>
+            </a:pPr>
+            <a:r>
+              <a:rPr lang="en-US" sz="4000"/>
+              <a:t>Vehicle!</a:t>
+            </a:r>
+            <a:endParaRPr/>
+          </a:p>
+        </p:txBody>
+      </p:sp>
+      <p:sp>
+        <p:nvSpPr>
+          <p:cNvPr id="160" name="CustomShape 97"/>
+          <p:cNvSpPr/>
+          <p:nvPr/>
+        </p:nvSpPr>
+        <p:spPr>
+          <a:xfrm>
+            <a:off x="36667440" y="3749040"/>
+            <a:ext cx="7680960" cy="3200400"/>
+          </a:xfrm>
+          <a:prstGeom prst="ellipse">
+            <a:avLst/>
+          </a:prstGeom>
+          <a:solidFill>
+            <a:srgbClr val="ffffff"/>
+          </a:solidFill>
+          <a:ln>
+            <a:solidFill>
+              <a:srgbClr val="ff0000"/>
+            </a:solidFill>
+          </a:ln>
+        </p:spPr>
+        <p:txBody>
+          <a:bodyPr anchor="ctr" bIns="45000" lIns="90000" rIns="90000" tIns="45000" wrap="none"/>
+          <a:p>
+            <a:pPr algn="ctr">
+              <a:lnSpc>
+                <a:spcPct val="100000"/>
+              </a:lnSpc>
+            </a:pPr>
+            <a:r>
+              <a:rPr lang="en-US" sz="4400"/>
+              <a:t>Will be presented again at</a:t>
+            </a:r>
+            <a:endParaRPr/>
+          </a:p>
+          <a:p>
+            <a:pPr algn="ctr">
+              <a:lnSpc>
+                <a:spcPct val="100000"/>
+              </a:lnSpc>
+            </a:pPr>
+            <a:r>
+              <a:rPr lang="en-US" sz="4400"/>
+              <a:t>AAMAS 2014!</a:t>
+            </a:r>
+            <a:endParaRPr/>
+          </a:p>
+        </p:txBody>
+      </p:sp>
     </p:spTree>
   </p:cSld>
   <p:timing>

--- a/shun/aamas14-poster.pptx
+++ b/shun/aamas14-poster.pptx
@@ -7,7 +7,7 @@
   <p:sldIdLst>
     <p:sldId id="256" r:id="rId3"/>
   </p:sldIdLst>
-  <p:sldSz cx="45720000" cy="36576000"/>
+  <p:sldSz cx="30275212" cy="42803762"/>
   <p:notesSz cx="7559675" cy="10691812"/>
 </p:presentation>
 </file>
@@ -63,8 +63,8 @@
         </p:nvSpPr>
         <p:spPr>
           <a:xfrm>
-            <a:off x="2286000" y="1459080"/>
-            <a:ext cx="41147640" cy="6108120"/>
+            <a:off x="1513440" y="1707840"/>
+            <a:ext cx="27247320" cy="7148160"/>
           </a:xfrm>
           <a:prstGeom prst="rect">
             <a:avLst/>
@@ -90,8 +90,8 @@
         </p:nvSpPr>
         <p:spPr>
           <a:xfrm>
-            <a:off x="2286000" y="8558640"/>
-            <a:ext cx="40233240" cy="10118520"/>
+            <a:off x="1513440" y="10015920"/>
+            <a:ext cx="26641800" cy="11841480"/>
           </a:xfrm>
           <a:prstGeom prst="rect">
             <a:avLst/>
@@ -116,8 +116,8 @@
         </p:nvSpPr>
         <p:spPr>
           <a:xfrm>
-            <a:off x="2286000" y="19638720"/>
-            <a:ext cx="40233240" cy="10118520"/>
+            <a:off x="1513440" y="22982400"/>
+            <a:ext cx="26641800" cy="11841480"/>
           </a:xfrm>
           <a:prstGeom prst="rect">
             <a:avLst/>
@@ -164,8 +164,8 @@
         </p:nvSpPr>
         <p:spPr>
           <a:xfrm>
-            <a:off x="2286000" y="1459080"/>
-            <a:ext cx="41147640" cy="6108120"/>
+            <a:off x="1513440" y="1707840"/>
+            <a:ext cx="27247320" cy="7148160"/>
           </a:xfrm>
           <a:prstGeom prst="rect">
             <a:avLst/>
@@ -191,8 +191,8 @@
         </p:nvSpPr>
         <p:spPr>
           <a:xfrm>
-            <a:off x="2286000" y="8558640"/>
-            <a:ext cx="19633320" cy="10118520"/>
+            <a:off x="1513440" y="10015920"/>
+            <a:ext cx="13000680" cy="11841480"/>
           </a:xfrm>
           <a:prstGeom prst="rect">
             <a:avLst/>
@@ -217,8 +217,8 @@
         </p:nvSpPr>
         <p:spPr>
           <a:xfrm>
-            <a:off x="22901040" y="8558640"/>
-            <a:ext cx="19633320" cy="10118520"/>
+            <a:off x="15164280" y="10015920"/>
+            <a:ext cx="13000680" cy="11841480"/>
           </a:xfrm>
           <a:prstGeom prst="rect">
             <a:avLst/>
@@ -243,8 +243,8 @@
         </p:nvSpPr>
         <p:spPr>
           <a:xfrm>
-            <a:off x="22901040" y="19638720"/>
-            <a:ext cx="19633320" cy="10118520"/>
+            <a:off x="15164280" y="22982400"/>
+            <a:ext cx="13000680" cy="11841480"/>
           </a:xfrm>
           <a:prstGeom prst="rect">
             <a:avLst/>
@@ -269,8 +269,8 @@
         </p:nvSpPr>
         <p:spPr>
           <a:xfrm>
-            <a:off x="2286000" y="19638720"/>
-            <a:ext cx="19633320" cy="10118520"/>
+            <a:off x="1513440" y="22982400"/>
+            <a:ext cx="13000680" cy="11841480"/>
           </a:xfrm>
           <a:prstGeom prst="rect">
             <a:avLst/>
@@ -317,8 +317,8 @@
         </p:nvSpPr>
         <p:spPr>
           <a:xfrm>
-            <a:off x="2286000" y="1459080"/>
-            <a:ext cx="41147640" cy="6108120"/>
+            <a:off x="1513440" y="1707840"/>
+            <a:ext cx="27247320" cy="7148160"/>
           </a:xfrm>
           <a:prstGeom prst="rect">
             <a:avLst/>
@@ -344,8 +344,8 @@
         </p:nvSpPr>
         <p:spPr>
           <a:xfrm>
-            <a:off x="2286000" y="8558640"/>
-            <a:ext cx="19633320" cy="10118520"/>
+            <a:off x="1513440" y="10015920"/>
+            <a:ext cx="13000680" cy="11841480"/>
           </a:xfrm>
           <a:prstGeom prst="rect">
             <a:avLst/>
@@ -370,8 +370,8 @@
         </p:nvSpPr>
         <p:spPr>
           <a:xfrm>
-            <a:off x="22901040" y="8558640"/>
-            <a:ext cx="19633320" cy="10118520"/>
+            <a:off x="15164280" y="10015920"/>
+            <a:ext cx="13000680" cy="11841480"/>
           </a:xfrm>
           <a:prstGeom prst="rect">
             <a:avLst/>
@@ -418,8 +418,8 @@
         </p:nvSpPr>
         <p:spPr>
           <a:xfrm>
-            <a:off x="2286000" y="1459080"/>
-            <a:ext cx="41147640" cy="6108120"/>
+            <a:off x="1513440" y="1707840"/>
+            <a:ext cx="27247320" cy="7148160"/>
           </a:xfrm>
           <a:prstGeom prst="rect">
             <a:avLst/>
@@ -445,8 +445,8 @@
         </p:nvSpPr>
         <p:spPr>
           <a:xfrm>
-            <a:off x="2286000" y="8558640"/>
-            <a:ext cx="40233240" cy="21213720"/>
+            <a:off x="1513440" y="10015920"/>
+            <a:ext cx="26641800" cy="24825960"/>
           </a:xfrm>
           <a:prstGeom prst="rect">
             <a:avLst/>
@@ -494,8 +494,8 @@
         </p:nvSpPr>
         <p:spPr>
           <a:xfrm>
-            <a:off x="2286000" y="1459080"/>
-            <a:ext cx="41147640" cy="6108120"/>
+            <a:off x="1513440" y="1707840"/>
+            <a:ext cx="27247320" cy="7148160"/>
           </a:xfrm>
           <a:prstGeom prst="rect">
             <a:avLst/>
@@ -521,8 +521,8 @@
         </p:nvSpPr>
         <p:spPr>
           <a:xfrm>
-            <a:off x="2286000" y="8558640"/>
-            <a:ext cx="40233240" cy="21213360"/>
+            <a:off x="1513440" y="10015920"/>
+            <a:ext cx="26641800" cy="24825600"/>
           </a:xfrm>
           <a:prstGeom prst="rect">
             <a:avLst/>
@@ -569,8 +569,8 @@
         </p:nvSpPr>
         <p:spPr>
           <a:xfrm>
-            <a:off x="2286000" y="1459080"/>
-            <a:ext cx="41147640" cy="6108120"/>
+            <a:off x="1513440" y="1707840"/>
+            <a:ext cx="27247320" cy="7148160"/>
           </a:xfrm>
           <a:prstGeom prst="rect">
             <a:avLst/>
@@ -596,8 +596,8 @@
         </p:nvSpPr>
         <p:spPr>
           <a:xfrm>
-            <a:off x="2286000" y="8558640"/>
-            <a:ext cx="19633320" cy="21213360"/>
+            <a:off x="1513440" y="10015920"/>
+            <a:ext cx="13000680" cy="24825600"/>
           </a:xfrm>
           <a:prstGeom prst="rect">
             <a:avLst/>
@@ -622,8 +622,8 @@
         </p:nvSpPr>
         <p:spPr>
           <a:xfrm>
-            <a:off x="22901040" y="8558640"/>
-            <a:ext cx="19633320" cy="21213360"/>
+            <a:off x="15164280" y="10015920"/>
+            <a:ext cx="13000680" cy="24825600"/>
           </a:xfrm>
           <a:prstGeom prst="rect">
             <a:avLst/>
@@ -670,8 +670,8 @@
         </p:nvSpPr>
         <p:spPr>
           <a:xfrm>
-            <a:off x="2286000" y="1459080"/>
-            <a:ext cx="41147640" cy="6108120"/>
+            <a:off x="1513440" y="1707840"/>
+            <a:ext cx="27247320" cy="7148160"/>
           </a:xfrm>
           <a:prstGeom prst="rect">
             <a:avLst/>
@@ -719,8 +719,8 @@
         </p:nvSpPr>
         <p:spPr>
           <a:xfrm>
-            <a:off x="2286000" y="1459080"/>
-            <a:ext cx="41147640" cy="28312920"/>
+            <a:off x="1513440" y="1707840"/>
+            <a:ext cx="27247320" cy="33133680"/>
           </a:xfrm>
           <a:prstGeom prst="rect">
             <a:avLst/>
@@ -768,8 +768,8 @@
         </p:nvSpPr>
         <p:spPr>
           <a:xfrm>
-            <a:off x="2286000" y="1459080"/>
-            <a:ext cx="41147640" cy="6108120"/>
+            <a:off x="1513440" y="1707840"/>
+            <a:ext cx="27247320" cy="7148160"/>
           </a:xfrm>
           <a:prstGeom prst="rect">
             <a:avLst/>
@@ -795,8 +795,8 @@
         </p:nvSpPr>
         <p:spPr>
           <a:xfrm>
-            <a:off x="2286000" y="8558640"/>
-            <a:ext cx="19633320" cy="10118520"/>
+            <a:off x="1513440" y="10015920"/>
+            <a:ext cx="13000680" cy="11841480"/>
           </a:xfrm>
           <a:prstGeom prst="rect">
             <a:avLst/>
@@ -821,8 +821,8 @@
         </p:nvSpPr>
         <p:spPr>
           <a:xfrm>
-            <a:off x="2286000" y="19638720"/>
-            <a:ext cx="19633320" cy="10118520"/>
+            <a:off x="1513440" y="22982400"/>
+            <a:ext cx="13000680" cy="11841480"/>
           </a:xfrm>
           <a:prstGeom prst="rect">
             <a:avLst/>
@@ -847,8 +847,8 @@
         </p:nvSpPr>
         <p:spPr>
           <a:xfrm>
-            <a:off x="22901040" y="8558640"/>
-            <a:ext cx="19633320" cy="21213360"/>
+            <a:off x="15164280" y="10015920"/>
+            <a:ext cx="13000680" cy="24825600"/>
           </a:xfrm>
           <a:prstGeom prst="rect">
             <a:avLst/>
@@ -895,8 +895,8 @@
         </p:nvSpPr>
         <p:spPr>
           <a:xfrm>
-            <a:off x="2286000" y="1459080"/>
-            <a:ext cx="41147640" cy="6108120"/>
+            <a:off x="1513440" y="1707840"/>
+            <a:ext cx="27247320" cy="7148160"/>
           </a:xfrm>
           <a:prstGeom prst="rect">
             <a:avLst/>
@@ -922,8 +922,8 @@
         </p:nvSpPr>
         <p:spPr>
           <a:xfrm>
-            <a:off x="2286000" y="8558640"/>
-            <a:ext cx="19633320" cy="21213360"/>
+            <a:off x="1513440" y="10015920"/>
+            <a:ext cx="13000680" cy="24825600"/>
           </a:xfrm>
           <a:prstGeom prst="rect">
             <a:avLst/>
@@ -948,8 +948,8 @@
         </p:nvSpPr>
         <p:spPr>
           <a:xfrm>
-            <a:off x="22901040" y="8558640"/>
-            <a:ext cx="19633320" cy="10118520"/>
+            <a:off x="15164280" y="10015920"/>
+            <a:ext cx="13000680" cy="11841480"/>
           </a:xfrm>
           <a:prstGeom prst="rect">
             <a:avLst/>
@@ -974,8 +974,8 @@
         </p:nvSpPr>
         <p:spPr>
           <a:xfrm>
-            <a:off x="22901040" y="19638720"/>
-            <a:ext cx="19633320" cy="10118520"/>
+            <a:off x="15164280" y="22982400"/>
+            <a:ext cx="13000680" cy="11841480"/>
           </a:xfrm>
           <a:prstGeom prst="rect">
             <a:avLst/>
@@ -1022,8 +1022,8 @@
         </p:nvSpPr>
         <p:spPr>
           <a:xfrm>
-            <a:off x="2286000" y="1459080"/>
-            <a:ext cx="41147640" cy="6108120"/>
+            <a:off x="1513440" y="1707840"/>
+            <a:ext cx="27247320" cy="7148160"/>
           </a:xfrm>
           <a:prstGeom prst="rect">
             <a:avLst/>
@@ -1049,8 +1049,8 @@
         </p:nvSpPr>
         <p:spPr>
           <a:xfrm>
-            <a:off x="2286000" y="8558640"/>
-            <a:ext cx="19633320" cy="10118520"/>
+            <a:off x="1513440" y="10015920"/>
+            <a:ext cx="13000680" cy="11841480"/>
           </a:xfrm>
           <a:prstGeom prst="rect">
             <a:avLst/>
@@ -1075,8 +1075,8 @@
         </p:nvSpPr>
         <p:spPr>
           <a:xfrm>
-            <a:off x="22901040" y="8558640"/>
-            <a:ext cx="19633320" cy="10118520"/>
+            <a:off x="15164280" y="10015920"/>
+            <a:ext cx="13000680" cy="11841480"/>
           </a:xfrm>
           <a:prstGeom prst="rect">
             <a:avLst/>
@@ -1101,8 +1101,8 @@
         </p:nvSpPr>
         <p:spPr>
           <a:xfrm>
-            <a:off x="2286000" y="19638720"/>
-            <a:ext cx="40232520" cy="10118520"/>
+            <a:off x="1513440" y="22982400"/>
+            <a:ext cx="26641080" cy="11841480"/>
           </a:xfrm>
           <a:prstGeom prst="rect">
             <a:avLst/>
@@ -1156,8 +1156,8 @@
         </p:nvSpPr>
         <p:spPr>
           <a:xfrm>
-            <a:off x="2286000" y="1459080"/>
-            <a:ext cx="41147640" cy="6107760"/>
+            <a:off x="1513440" y="1707840"/>
+            <a:ext cx="27247320" cy="7147800"/>
           </a:xfrm>
           <a:prstGeom prst="rect">
             <a:avLst/>
@@ -1169,7 +1169,143 @@
             <a:pPr algn="ctr"/>
             <a:r>
               <a:rPr lang="en-US"/>
-              <a:t>Click to edit the title text format</a:t>
+              <a:t>C</a:t>
+            </a:r>
+            <a:r>
+              <a:rPr lang="en-US"/>
+              <a:t>l</a:t>
+            </a:r>
+            <a:r>
+              <a:rPr lang="en-US"/>
+              <a:t>i</a:t>
+            </a:r>
+            <a:r>
+              <a:rPr lang="en-US"/>
+              <a:t>c</a:t>
+            </a:r>
+            <a:r>
+              <a:rPr lang="en-US"/>
+              <a:t>k</a:t>
+            </a:r>
+            <a:r>
+              <a:rPr lang="en-US"/>
+              <a:t> </a:t>
+            </a:r>
+            <a:r>
+              <a:rPr lang="en-US"/>
+              <a:t>t</a:t>
+            </a:r>
+            <a:r>
+              <a:rPr lang="en-US"/>
+              <a:t>o</a:t>
+            </a:r>
+            <a:r>
+              <a:rPr lang="en-US"/>
+              <a:t> </a:t>
+            </a:r>
+            <a:r>
+              <a:rPr lang="en-US"/>
+              <a:t>e</a:t>
+            </a:r>
+            <a:r>
+              <a:rPr lang="en-US"/>
+              <a:t>d</a:t>
+            </a:r>
+            <a:r>
+              <a:rPr lang="en-US"/>
+              <a:t>i</a:t>
+            </a:r>
+            <a:r>
+              <a:rPr lang="en-US"/>
+              <a:t>t</a:t>
+            </a:r>
+            <a:r>
+              <a:rPr lang="en-US"/>
+              <a:t> </a:t>
+            </a:r>
+            <a:r>
+              <a:rPr lang="en-US"/>
+              <a:t>t</a:t>
+            </a:r>
+            <a:r>
+              <a:rPr lang="en-US"/>
+              <a:t>h</a:t>
+            </a:r>
+            <a:r>
+              <a:rPr lang="en-US"/>
+              <a:t>e</a:t>
+            </a:r>
+            <a:r>
+              <a:rPr lang="en-US"/>
+              <a:t> </a:t>
+            </a:r>
+            <a:r>
+              <a:rPr lang="en-US"/>
+              <a:t>t</a:t>
+            </a:r>
+            <a:r>
+              <a:rPr lang="en-US"/>
+              <a:t>i</a:t>
+            </a:r>
+            <a:r>
+              <a:rPr lang="en-US"/>
+              <a:t>t</a:t>
+            </a:r>
+            <a:r>
+              <a:rPr lang="en-US"/>
+              <a:t>l</a:t>
+            </a:r>
+            <a:r>
+              <a:rPr lang="en-US"/>
+              <a:t>e</a:t>
+            </a:r>
+            <a:r>
+              <a:rPr lang="en-US"/>
+              <a:t> </a:t>
+            </a:r>
+            <a:r>
+              <a:rPr lang="en-US"/>
+              <a:t>t</a:t>
+            </a:r>
+            <a:r>
+              <a:rPr lang="en-US"/>
+              <a:t>e</a:t>
+            </a:r>
+            <a:r>
+              <a:rPr lang="en-US"/>
+              <a:t>x</a:t>
+            </a:r>
+            <a:r>
+              <a:rPr lang="en-US"/>
+              <a:t>t</a:t>
+            </a:r>
+            <a:r>
+              <a:rPr lang="en-US"/>
+              <a:t> </a:t>
+            </a:r>
+            <a:r>
+              <a:rPr lang="en-US"/>
+              <a:t>f</a:t>
+            </a:r>
+            <a:r>
+              <a:rPr lang="en-US"/>
+              <a:t>o</a:t>
+            </a:r>
+            <a:r>
+              <a:rPr lang="en-US"/>
+              <a:t>r</a:t>
+            </a:r>
+            <a:r>
+              <a:rPr lang="en-US"/>
+              <a:t>m</a:t>
+            </a:r>
+            <a:r>
+              <a:rPr lang="en-US"/>
+              <a:t>a</a:t>
+            </a:r>
+            <a:r>
+              <a:rPr lang="en-US"/>
+              <a:t>t</a:t>
             </a:r>
             <a:endParaRPr/>
           </a:p>
@@ -1187,8 +1323,8 @@
         </p:nvSpPr>
         <p:spPr>
           <a:xfrm>
-            <a:off x="2286000" y="8558640"/>
-            <a:ext cx="40233240" cy="21213360"/>
+            <a:off x="1513440" y="10015920"/>
+            <a:ext cx="26641800" cy="24825600"/>
           </a:xfrm>
           <a:prstGeom prst="rect">
             <a:avLst/>
@@ -1334,8 +1470,8 @@
         </p:nvSpPr>
         <p:spPr>
           <a:xfrm>
-            <a:off x="1257480" y="9144360"/>
-            <a:ext cx="43454520" cy="26058240"/>
+            <a:off x="1169640" y="10879560"/>
+            <a:ext cx="28096920" cy="29986200"/>
           </a:xfrm>
           <a:prstGeom prst="rect">
             <a:avLst/>
@@ -1353,8 +1489,8 @@
         </p:nvSpPr>
         <p:spPr>
           <a:xfrm>
-            <a:off x="1257480" y="9144000"/>
-            <a:ext cx="20186640" cy="12097440"/>
+            <a:off x="1169640" y="10879200"/>
+            <a:ext cx="13051800" cy="13920480"/>
           </a:xfrm>
           <a:prstGeom prst="rect">
             <a:avLst/>
@@ -1372,8 +1508,8 @@
         </p:nvSpPr>
         <p:spPr>
           <a:xfrm>
-            <a:off x="24688800" y="9144360"/>
-            <a:ext cx="20023200" cy="12068280"/>
+            <a:off x="16320600" y="10879560"/>
+            <a:ext cx="12946320" cy="13887000"/>
           </a:xfrm>
           <a:prstGeom prst="rect">
             <a:avLst/>
@@ -1391,8 +1527,8 @@
         </p:nvSpPr>
         <p:spPr>
           <a:xfrm>
-            <a:off x="24547680" y="23105160"/>
-            <a:ext cx="20163240" cy="12097440"/>
+            <a:off x="16229160" y="26945280"/>
+            <a:ext cx="13037040" cy="13920480"/>
           </a:xfrm>
           <a:prstGeom prst="rect">
             <a:avLst/>
@@ -1410,8 +1546,8 @@
         </p:nvSpPr>
         <p:spPr>
           <a:xfrm>
-            <a:off x="1280520" y="23105160"/>
-            <a:ext cx="20163600" cy="12097440"/>
+            <a:off x="1184760" y="26945280"/>
+            <a:ext cx="13037040" cy="13920480"/>
           </a:xfrm>
           <a:prstGeom prst="rect">
             <a:avLst/>
@@ -1429,8 +1565,8 @@
         </p:nvSpPr>
         <p:spPr>
           <a:xfrm>
-            <a:off x="22867920" y="9144360"/>
-            <a:ext cx="0" cy="11168280"/>
+            <a:off x="15142680" y="10879560"/>
+            <a:ext cx="0" cy="12852000"/>
           </a:xfrm>
           <a:prstGeom prst="line">
             <a:avLst/>
@@ -1451,8 +1587,8 @@
         </p:nvSpPr>
         <p:spPr>
           <a:xfrm flipH="1">
-            <a:off x="23113440" y="9144000"/>
-            <a:ext cx="12600" cy="11168640"/>
+            <a:off x="15301440" y="10879200"/>
+            <a:ext cx="8280" cy="12852360"/>
           </a:xfrm>
           <a:prstGeom prst="line">
             <a:avLst/>
@@ -1473,8 +1609,8 @@
         </p:nvSpPr>
         <p:spPr>
           <a:xfrm>
-            <a:off x="21446280" y="20312640"/>
-            <a:ext cx="1539360" cy="0"/>
+            <a:off x="14223960" y="23731560"/>
+            <a:ext cx="995040" cy="0"/>
           </a:xfrm>
           <a:prstGeom prst="line">
             <a:avLst/>
@@ -1495,8 +1631,8 @@
         </p:nvSpPr>
         <p:spPr>
           <a:xfrm>
-            <a:off x="22867920" y="24009840"/>
-            <a:ext cx="0" cy="11194560"/>
+            <a:off x="15142680" y="27986400"/>
+            <a:ext cx="0" cy="12882240"/>
           </a:xfrm>
           <a:prstGeom prst="line">
             <a:avLst/>
@@ -1517,8 +1653,8 @@
         </p:nvSpPr>
         <p:spPr>
           <a:xfrm>
-            <a:off x="23126040" y="24009840"/>
-            <a:ext cx="0" cy="11194560"/>
+            <a:off x="15309720" y="27986400"/>
+            <a:ext cx="0" cy="12882240"/>
           </a:xfrm>
           <a:prstGeom prst="line">
             <a:avLst/>
@@ -1539,8 +1675,8 @@
         </p:nvSpPr>
         <p:spPr>
           <a:xfrm>
-            <a:off x="23001840" y="24009840"/>
-            <a:ext cx="1546560" cy="0"/>
+            <a:off x="15229800" y="27986400"/>
+            <a:ext cx="999720" cy="0"/>
           </a:xfrm>
           <a:prstGeom prst="line">
             <a:avLst/>
@@ -1561,8 +1697,8 @@
         </p:nvSpPr>
         <p:spPr>
           <a:xfrm flipH="1">
-            <a:off x="26096760" y="22096800"/>
-            <a:ext cx="18617400" cy="0"/>
+            <a:off x="17230680" y="25785000"/>
+            <a:ext cx="12038040" cy="0"/>
           </a:xfrm>
           <a:prstGeom prst="line">
             <a:avLst/>
@@ -1583,8 +1719,8 @@
         </p:nvSpPr>
         <p:spPr>
           <a:xfrm flipH="1">
-            <a:off x="26096760" y="22251600"/>
-            <a:ext cx="18617400" cy="0"/>
+            <a:off x="17230680" y="25962840"/>
+            <a:ext cx="12038040" cy="0"/>
           </a:xfrm>
           <a:prstGeom prst="line">
             <a:avLst/>
@@ -1605,8 +1741,8 @@
         </p:nvSpPr>
         <p:spPr>
           <a:xfrm flipV="1">
-            <a:off x="26096400" y="21263040"/>
-            <a:ext cx="0" cy="932400"/>
+            <a:off x="17230680" y="24825240"/>
+            <a:ext cx="0" cy="1072800"/>
           </a:xfrm>
           <a:prstGeom prst="line">
             <a:avLst/>
@@ -1627,8 +1763,8 @@
         </p:nvSpPr>
         <p:spPr>
           <a:xfrm flipV="1">
-            <a:off x="19851480" y="22195440"/>
-            <a:ext cx="0" cy="909720"/>
+            <a:off x="13192560" y="25898400"/>
+            <a:ext cx="0" cy="1046880"/>
           </a:xfrm>
           <a:prstGeom prst="line">
             <a:avLst/>
@@ -1649,8 +1785,8 @@
         </p:nvSpPr>
         <p:spPr>
           <a:xfrm flipH="1">
-            <a:off x="1279800" y="22096800"/>
-            <a:ext cx="18571680" cy="0"/>
+            <a:off x="1184040" y="25785000"/>
+            <a:ext cx="12008520" cy="0"/>
           </a:xfrm>
           <a:prstGeom prst="line">
             <a:avLst/>
@@ -1671,8 +1807,8 @@
         </p:nvSpPr>
         <p:spPr>
           <a:xfrm flipH="1" flipV="1">
-            <a:off x="1279800" y="22251600"/>
-            <a:ext cx="18571680" cy="15120"/>
+            <a:off x="1184040" y="25962840"/>
+            <a:ext cx="12008520" cy="17280"/>
           </a:xfrm>
           <a:prstGeom prst="line">
             <a:avLst/>
@@ -1693,8 +1829,8 @@
         </p:nvSpPr>
         <p:spPr>
           <a:xfrm>
-            <a:off x="0" y="640080"/>
-            <a:ext cx="45717840" cy="3625200"/>
+            <a:off x="356760" y="1093320"/>
+            <a:ext cx="29560320" cy="4170960"/>
           </a:xfrm>
           <a:prstGeom prst="rect">
             <a:avLst/>
@@ -1729,8 +1865,8 @@
         </p:nvSpPr>
         <p:spPr>
           <a:xfrm>
-            <a:off x="5991480" y="3840480"/>
-            <a:ext cx="33509160" cy="1369800"/>
+            <a:off x="4230720" y="4776120"/>
+            <a:ext cx="21666240" cy="1575720"/>
           </a:xfrm>
           <a:prstGeom prst="rect">
             <a:avLst/>
@@ -1780,114 +1916,17 @@
         </p:blipFill>
         <p:spPr>
           <a:xfrm>
-            <a:off x="26151840" y="5394960"/>
-            <a:ext cx="9234720" cy="2838240"/>
+            <a:off x="5267160" y="6509160"/>
+            <a:ext cx="7799400" cy="3265560"/>
           </a:xfrm>
           <a:prstGeom prst="rect">
             <a:avLst/>
           </a:prstGeom>
         </p:spPr>
       </p:pic>
-      <p:sp>
-        <p:nvSpPr>
-          <p:cNvPr id="54" name="CustomShape 20"/>
-          <p:cNvSpPr/>
-          <p:nvPr/>
-        </p:nvSpPr>
-        <p:spPr>
-          <a:xfrm>
-            <a:off x="4424760" y="5745960"/>
-            <a:ext cx="18251640" cy="1750680"/>
-          </a:xfrm>
-          <a:prstGeom prst="rect">
-            <a:avLst/>
-          </a:prstGeom>
-          <a:solidFill>
-            <a:srgbClr val="ffffff"/>
-          </a:solidFill>
-          <a:ln w="25560">
-            <a:solidFill>
-              <a:srgbClr val="3a5f8b"/>
-            </a:solidFill>
-            <a:round/>
-          </a:ln>
-        </p:spPr>
-      </p:sp>
-      <p:sp>
-        <p:nvSpPr>
-          <p:cNvPr id="55" name="CustomShape 21"/>
-          <p:cNvSpPr/>
-          <p:nvPr/>
-        </p:nvSpPr>
-        <p:spPr>
-          <a:xfrm>
-            <a:off x="4297680" y="5821920"/>
-            <a:ext cx="18378720" cy="1003320"/>
-          </a:xfrm>
-          <a:prstGeom prst="rect">
-            <a:avLst/>
-          </a:prstGeom>
-        </p:spPr>
-        <p:txBody>
-          <a:bodyPr bIns="45000" lIns="90000" rIns="90000" tIns="45000"/>
-          <a:p>
-            <a:pPr algn="ctr">
-              <a:lnSpc>
-                <a:spcPct val="100000"/>
-              </a:lnSpc>
-            </a:pPr>
-            <a:r>
-              <a:rPr lang="en-US" sz="6000">
-                <a:solidFill>
-                  <a:srgbClr val="f5750b"/>
-                </a:solidFill>
-                <a:latin typeface="Arial"/>
-              </a:rPr>
-              <a:t>Department of Computer Science</a:t>
-            </a:r>
-            <a:endParaRPr/>
-          </a:p>
-        </p:txBody>
-      </p:sp>
-      <p:sp>
-        <p:nvSpPr>
-          <p:cNvPr id="56" name="CustomShape 22"/>
-          <p:cNvSpPr/>
-          <p:nvPr/>
-        </p:nvSpPr>
-        <p:spPr>
-          <a:xfrm>
-            <a:off x="4551480" y="6584040"/>
-            <a:ext cx="17759520" cy="759240"/>
-          </a:xfrm>
-          <a:prstGeom prst="rect">
-            <a:avLst/>
-          </a:prstGeom>
-        </p:spPr>
-        <p:txBody>
-          <a:bodyPr bIns="45000" lIns="90000" rIns="90000" tIns="45000"/>
-          <a:p>
-            <a:pPr algn="ctr">
-              <a:lnSpc>
-                <a:spcPct val="100000"/>
-              </a:lnSpc>
-            </a:pPr>
-            <a:r>
-              <a:rPr lang="en-US" sz="4400">
-                <a:solidFill>
-                  <a:srgbClr val="000000"/>
-                </a:solidFill>
-                <a:latin typeface="Times New Roman"/>
-              </a:rPr>
-              <a:t>THE UNIVERSITY OF TEXAS AT AUSTIN</a:t>
-            </a:r>
-            <a:endParaRPr/>
-          </a:p>
-        </p:txBody>
-      </p:sp>
       <p:pic>
         <p:nvPicPr>
-          <p:cNvPr descr="" id="57" name="Picture 175"/>
+          <p:cNvPr descr="" id="54" name="Picture 175"/>
           <p:cNvPicPr/>
           <p:nvPr/>
         </p:nvPicPr>
@@ -1899,8 +1938,8 @@
         </p:blipFill>
         <p:spPr>
           <a:xfrm>
-            <a:off x="5394960" y="13376160"/>
-            <a:ext cx="5807160" cy="3356640"/>
+            <a:off x="4008600" y="16358760"/>
+            <a:ext cx="3754440" cy="2978280"/>
           </a:xfrm>
           <a:prstGeom prst="rect">
             <a:avLst/>
@@ -1909,14 +1948,80 @@
       </p:pic>
       <p:sp>
         <p:nvSpPr>
+          <p:cNvPr id="55" name="Line 20"/>
+          <p:cNvSpPr/>
+          <p:nvPr/>
+        </p:nvSpPr>
+        <p:spPr>
+          <a:xfrm>
+            <a:off x="14712840" y="20754000"/>
+            <a:ext cx="0" cy="686880"/>
+          </a:xfrm>
+          <a:prstGeom prst="line">
+            <a:avLst/>
+          </a:prstGeom>
+          <a:ln w="38160">
+            <a:solidFill>
+              <a:srgbClr val="ffffff"/>
+            </a:solidFill>
+            <a:round/>
+          </a:ln>
+        </p:spPr>
+      </p:sp>
+      <p:sp>
+        <p:nvSpPr>
+          <p:cNvPr id="56" name="Line 21"/>
+          <p:cNvSpPr/>
+          <p:nvPr/>
+        </p:nvSpPr>
+        <p:spPr>
+          <a:xfrm>
+            <a:off x="14712840" y="22585320"/>
+            <a:ext cx="0" cy="687240"/>
+          </a:xfrm>
+          <a:prstGeom prst="line">
+            <a:avLst/>
+          </a:prstGeom>
+          <a:ln w="38160">
+            <a:solidFill>
+              <a:srgbClr val="ffffff"/>
+            </a:solidFill>
+            <a:round/>
+          </a:ln>
+        </p:spPr>
+      </p:sp>
+      <p:sp>
+        <p:nvSpPr>
+          <p:cNvPr id="57" name="Line 22"/>
+          <p:cNvSpPr/>
+          <p:nvPr/>
+        </p:nvSpPr>
+        <p:spPr>
+          <a:xfrm>
+            <a:off x="14712840" y="18921600"/>
+            <a:ext cx="0" cy="686880"/>
+          </a:xfrm>
+          <a:prstGeom prst="line">
+            <a:avLst/>
+          </a:prstGeom>
+          <a:ln w="38160">
+            <a:solidFill>
+              <a:srgbClr val="ffffff"/>
+            </a:solidFill>
+            <a:round/>
+          </a:ln>
+        </p:spPr>
+      </p:sp>
+      <p:sp>
+        <p:nvSpPr>
           <p:cNvPr id="58" name="Line 23"/>
           <p:cNvSpPr/>
           <p:nvPr/>
         </p:nvSpPr>
         <p:spPr>
           <a:xfrm>
-            <a:off x="22202640" y="17724960"/>
-            <a:ext cx="0" cy="596880"/>
+            <a:off x="14712840" y="15257160"/>
+            <a:ext cx="0" cy="687240"/>
           </a:xfrm>
           <a:prstGeom prst="line">
             <a:avLst/>
@@ -1937,8 +2042,8 @@
         </p:nvSpPr>
         <p:spPr>
           <a:xfrm>
-            <a:off x="22202640" y="19316520"/>
-            <a:ext cx="0" cy="597240"/>
+            <a:off x="14712840" y="17089560"/>
+            <a:ext cx="0" cy="686880"/>
           </a:xfrm>
           <a:prstGeom prst="line">
             <a:avLst/>
@@ -1959,8 +2064,8 @@
         </p:nvSpPr>
         <p:spPr>
           <a:xfrm>
-            <a:off x="22202640" y="16132680"/>
-            <a:ext cx="0" cy="596880"/>
+            <a:off x="14712840" y="13425840"/>
+            <a:ext cx="0" cy="686880"/>
           </a:xfrm>
           <a:prstGeom prst="line">
             <a:avLst/>
@@ -1981,8 +2086,8 @@
         </p:nvSpPr>
         <p:spPr>
           <a:xfrm>
-            <a:off x="22202640" y="12948480"/>
-            <a:ext cx="0" cy="597240"/>
+            <a:off x="14712840" y="11593440"/>
+            <a:ext cx="0" cy="686880"/>
           </a:xfrm>
           <a:prstGeom prst="line">
             <a:avLst/>
@@ -2003,8 +2108,8 @@
         </p:nvSpPr>
         <p:spPr>
           <a:xfrm>
-            <a:off x="22202640" y="14540760"/>
-            <a:ext cx="0" cy="596880"/>
+            <a:off x="15874560" y="20763360"/>
+            <a:ext cx="0" cy="684360"/>
           </a:xfrm>
           <a:prstGeom prst="line">
             <a:avLst/>
@@ -2025,8 +2130,8 @@
         </p:nvSpPr>
         <p:spPr>
           <a:xfrm>
-            <a:off x="22202640" y="11356920"/>
-            <a:ext cx="0" cy="596880"/>
+            <a:off x="15874560" y="22588200"/>
+            <a:ext cx="0" cy="684360"/>
           </a:xfrm>
           <a:prstGeom prst="line">
             <a:avLst/>
@@ -2047,8 +2152,8 @@
         </p:nvSpPr>
         <p:spPr>
           <a:xfrm>
-            <a:off x="22202640" y="9764640"/>
-            <a:ext cx="0" cy="596880"/>
+            <a:off x="15874560" y="18938880"/>
+            <a:ext cx="0" cy="684000"/>
           </a:xfrm>
           <a:prstGeom prst="line">
             <a:avLst/>
@@ -2069,8 +2174,8 @@
         </p:nvSpPr>
         <p:spPr>
           <a:xfrm>
-            <a:off x="23999400" y="17733240"/>
-            <a:ext cx="0" cy="594720"/>
+            <a:off x="15874560" y="15289200"/>
+            <a:ext cx="0" cy="684360"/>
           </a:xfrm>
           <a:prstGeom prst="line">
             <a:avLst/>
@@ -2091,8 +2196,8 @@
         </p:nvSpPr>
         <p:spPr>
           <a:xfrm>
-            <a:off x="23999400" y="19319040"/>
-            <a:ext cx="0" cy="594720"/>
+            <a:off x="15874560" y="17114040"/>
+            <a:ext cx="0" cy="684360"/>
           </a:xfrm>
           <a:prstGeom prst="line">
             <a:avLst/>
@@ -2113,8 +2218,8 @@
         </p:nvSpPr>
         <p:spPr>
           <a:xfrm>
-            <a:off x="23999400" y="16147800"/>
-            <a:ext cx="0" cy="594360"/>
+            <a:off x="15874560" y="13464360"/>
+            <a:ext cx="0" cy="684360"/>
           </a:xfrm>
           <a:prstGeom prst="line">
             <a:avLst/>
@@ -2135,8 +2240,8 @@
         </p:nvSpPr>
         <p:spPr>
           <a:xfrm>
-            <a:off x="23999400" y="12976200"/>
-            <a:ext cx="0" cy="594720"/>
+            <a:off x="15874560" y="11639520"/>
+            <a:ext cx="0" cy="684360"/>
           </a:xfrm>
           <a:prstGeom prst="line">
             <a:avLst/>
@@ -2157,8 +2262,8 @@
         </p:nvSpPr>
         <p:spPr>
           <a:xfrm>
-            <a:off x="23999400" y="14562000"/>
-            <a:ext cx="0" cy="594720"/>
+            <a:off x="14753520" y="37613160"/>
+            <a:ext cx="0" cy="697320"/>
           </a:xfrm>
           <a:prstGeom prst="line">
             <a:avLst/>
@@ -2179,8 +2284,8 @@
         </p:nvSpPr>
         <p:spPr>
           <a:xfrm>
-            <a:off x="23999400" y="11390400"/>
-            <a:ext cx="0" cy="594720"/>
+            <a:off x="14753520" y="39472200"/>
+            <a:ext cx="0" cy="696960"/>
           </a:xfrm>
           <a:prstGeom prst="line">
             <a:avLst/>
@@ -2201,8 +2306,8 @@
         </p:nvSpPr>
         <p:spPr>
           <a:xfrm>
-            <a:off x="23999400" y="9804600"/>
-            <a:ext cx="0" cy="594720"/>
+            <a:off x="14753520" y="35754480"/>
+            <a:ext cx="0" cy="696960"/>
           </a:xfrm>
           <a:prstGeom prst="line">
             <a:avLst/>
@@ -2223,8 +2328,8 @@
         </p:nvSpPr>
         <p:spPr>
           <a:xfrm>
-            <a:off x="22265640" y="32375520"/>
-            <a:ext cx="0" cy="605880"/>
+            <a:off x="14753520" y="32036400"/>
+            <a:ext cx="0" cy="697320"/>
           </a:xfrm>
           <a:prstGeom prst="line">
             <a:avLst/>
@@ -2245,8 +2350,8 @@
         </p:nvSpPr>
         <p:spPr>
           <a:xfrm>
-            <a:off x="22265640" y="33990840"/>
-            <a:ext cx="0" cy="605520"/>
+            <a:off x="14753520" y="33895080"/>
+            <a:ext cx="0" cy="697320"/>
           </a:xfrm>
           <a:prstGeom prst="line">
             <a:avLst/>
@@ -2267,8 +2372,8 @@
         </p:nvSpPr>
         <p:spPr>
           <a:xfrm>
-            <a:off x="22265640" y="30760200"/>
-            <a:ext cx="0" cy="605520"/>
+            <a:off x="14753520" y="30177360"/>
+            <a:ext cx="0" cy="696960"/>
           </a:xfrm>
           <a:prstGeom prst="line">
             <a:avLst/>
@@ -2289,8 +2394,8 @@
         </p:nvSpPr>
         <p:spPr>
           <a:xfrm>
-            <a:off x="22265640" y="27529200"/>
-            <a:ext cx="0" cy="605880"/>
+            <a:off x="14753520" y="28318320"/>
+            <a:ext cx="0" cy="697320"/>
           </a:xfrm>
           <a:prstGeom prst="line">
             <a:avLst/>
@@ -2311,8 +2416,8 @@
         </p:nvSpPr>
         <p:spPr>
           <a:xfrm>
-            <a:off x="22265640" y="29144520"/>
-            <a:ext cx="0" cy="605880"/>
+            <a:off x="15782400" y="37613160"/>
+            <a:ext cx="0" cy="697320"/>
           </a:xfrm>
           <a:prstGeom prst="line">
             <a:avLst/>
@@ -2333,8 +2438,8 @@
         </p:nvSpPr>
         <p:spPr>
           <a:xfrm>
-            <a:off x="22265640" y="25913880"/>
-            <a:ext cx="0" cy="605520"/>
+            <a:off x="15782400" y="39472200"/>
+            <a:ext cx="0" cy="696960"/>
           </a:xfrm>
           <a:prstGeom prst="line">
             <a:avLst/>
@@ -2355,8 +2460,8 @@
         </p:nvSpPr>
         <p:spPr>
           <a:xfrm>
-            <a:off x="22265640" y="24298200"/>
-            <a:ext cx="0" cy="605880"/>
+            <a:off x="15782400" y="35754480"/>
+            <a:ext cx="0" cy="696960"/>
           </a:xfrm>
           <a:prstGeom prst="line">
             <a:avLst/>
@@ -2377,8 +2482,8 @@
         </p:nvSpPr>
         <p:spPr>
           <a:xfrm>
-            <a:off x="23857200" y="32375520"/>
-            <a:ext cx="0" cy="605880"/>
+            <a:off x="15782400" y="32036400"/>
+            <a:ext cx="0" cy="697320"/>
           </a:xfrm>
           <a:prstGeom prst="line">
             <a:avLst/>
@@ -2399,8 +2504,8 @@
         </p:nvSpPr>
         <p:spPr>
           <a:xfrm>
-            <a:off x="23857200" y="33990840"/>
-            <a:ext cx="0" cy="605520"/>
+            <a:off x="15782400" y="33895080"/>
+            <a:ext cx="0" cy="697320"/>
           </a:xfrm>
           <a:prstGeom prst="line">
             <a:avLst/>
@@ -2421,8 +2526,8 @@
         </p:nvSpPr>
         <p:spPr>
           <a:xfrm>
-            <a:off x="23857200" y="30760200"/>
-            <a:ext cx="0" cy="605520"/>
+            <a:off x="15782400" y="30177360"/>
+            <a:ext cx="0" cy="696960"/>
           </a:xfrm>
           <a:prstGeom prst="line">
             <a:avLst/>
@@ -2443,8 +2548,8 @@
         </p:nvSpPr>
         <p:spPr>
           <a:xfrm>
-            <a:off x="23857200" y="27529200"/>
-            <a:ext cx="0" cy="605880"/>
+            <a:off x="15782400" y="28318320"/>
+            <a:ext cx="0" cy="697320"/>
           </a:xfrm>
           <a:prstGeom prst="line">
             <a:avLst/>
@@ -2464,9 +2569,9 @@
           <p:nvPr/>
         </p:nvSpPr>
         <p:spPr>
-          <a:xfrm>
-            <a:off x="23857200" y="29144520"/>
-            <a:ext cx="0" cy="605880"/>
+          <a:xfrm flipH="1">
+            <a:off x="19310400" y="25398360"/>
+            <a:ext cx="654120" cy="0"/>
           </a:xfrm>
           <a:prstGeom prst="line">
             <a:avLst/>
@@ -2486,9 +2591,9 @@
           <p:nvPr/>
         </p:nvSpPr>
         <p:spPr>
-          <a:xfrm>
-            <a:off x="23857200" y="25913880"/>
-            <a:ext cx="0" cy="605520"/>
+          <a:xfrm flipH="1">
+            <a:off x="17566560" y="25398360"/>
+            <a:ext cx="654120" cy="0"/>
           </a:xfrm>
           <a:prstGeom prst="line">
             <a:avLst/>
@@ -2508,9 +2613,9 @@
           <p:nvPr/>
         </p:nvSpPr>
         <p:spPr>
-          <a:xfrm>
-            <a:off x="23857200" y="24298200"/>
-            <a:ext cx="0" cy="605880"/>
+          <a:xfrm flipH="1">
+            <a:off x="21054240" y="25398360"/>
+            <a:ext cx="654120" cy="0"/>
           </a:xfrm>
           <a:prstGeom prst="line">
             <a:avLst/>
@@ -2531,8 +2636,8 @@
         </p:nvSpPr>
         <p:spPr>
           <a:xfrm flipH="1">
-            <a:off x="29313000" y="21760920"/>
-            <a:ext cx="1011600" cy="0"/>
+            <a:off x="24541560" y="25398360"/>
+            <a:ext cx="654120" cy="0"/>
           </a:xfrm>
           <a:prstGeom prst="line">
             <a:avLst/>
@@ -2553,8 +2658,8 @@
         </p:nvSpPr>
         <p:spPr>
           <a:xfrm flipH="1">
-            <a:off x="26616240" y="21760920"/>
-            <a:ext cx="1011240" cy="0"/>
+            <a:off x="22797720" y="25398360"/>
+            <a:ext cx="654120" cy="0"/>
           </a:xfrm>
           <a:prstGeom prst="line">
             <a:avLst/>
@@ -2575,8 +2680,8 @@
         </p:nvSpPr>
         <p:spPr>
           <a:xfrm flipH="1">
-            <a:off x="32010120" y="21760920"/>
-            <a:ext cx="1011240" cy="0"/>
+            <a:off x="26285400" y="25398360"/>
+            <a:ext cx="654120" cy="0"/>
           </a:xfrm>
           <a:prstGeom prst="line">
             <a:avLst/>
@@ -2597,8 +2702,8 @@
         </p:nvSpPr>
         <p:spPr>
           <a:xfrm flipH="1">
-            <a:off x="37403640" y="21760920"/>
-            <a:ext cx="1011600" cy="0"/>
+            <a:off x="28029240" y="25398360"/>
+            <a:ext cx="654120" cy="0"/>
           </a:xfrm>
           <a:prstGeom prst="line">
             <a:avLst/>
@@ -2619,8 +2724,8 @@
         </p:nvSpPr>
         <p:spPr>
           <a:xfrm flipH="1">
-            <a:off x="34706880" y="21760920"/>
-            <a:ext cx="1011240" cy="0"/>
+            <a:off x="19310400" y="26570160"/>
+            <a:ext cx="654120" cy="0"/>
           </a:xfrm>
           <a:prstGeom prst="line">
             <a:avLst/>
@@ -2641,8 +2746,8 @@
         </p:nvSpPr>
         <p:spPr>
           <a:xfrm flipH="1">
-            <a:off x="40100760" y="21760920"/>
-            <a:ext cx="1011240" cy="0"/>
+            <a:off x="17566560" y="26570160"/>
+            <a:ext cx="654120" cy="0"/>
           </a:xfrm>
           <a:prstGeom prst="line">
             <a:avLst/>
@@ -2663,8 +2768,8 @@
         </p:nvSpPr>
         <p:spPr>
           <a:xfrm flipH="1">
-            <a:off x="42797520" y="21760920"/>
-            <a:ext cx="1011240" cy="0"/>
+            <a:off x="21054240" y="26570160"/>
+            <a:ext cx="654120" cy="0"/>
           </a:xfrm>
           <a:prstGeom prst="line">
             <a:avLst/>
@@ -2685,8 +2790,8 @@
         </p:nvSpPr>
         <p:spPr>
           <a:xfrm flipH="1">
-            <a:off x="29313000" y="22779360"/>
-            <a:ext cx="1011600" cy="0"/>
+            <a:off x="24541560" y="26570160"/>
+            <a:ext cx="654120" cy="0"/>
           </a:xfrm>
           <a:prstGeom prst="line">
             <a:avLst/>
@@ -2707,8 +2812,8 @@
         </p:nvSpPr>
         <p:spPr>
           <a:xfrm flipH="1">
-            <a:off x="26616240" y="22779360"/>
-            <a:ext cx="1011240" cy="0"/>
+            <a:off x="22797720" y="26570160"/>
+            <a:ext cx="654120" cy="0"/>
           </a:xfrm>
           <a:prstGeom prst="line">
             <a:avLst/>
@@ -2729,8 +2834,8 @@
         </p:nvSpPr>
         <p:spPr>
           <a:xfrm flipH="1">
-            <a:off x="32010120" y="22779360"/>
-            <a:ext cx="1011240" cy="0"/>
+            <a:off x="26285400" y="26570160"/>
+            <a:ext cx="654120" cy="0"/>
           </a:xfrm>
           <a:prstGeom prst="line">
             <a:avLst/>
@@ -2751,8 +2856,8 @@
         </p:nvSpPr>
         <p:spPr>
           <a:xfrm flipH="1">
-            <a:off x="37403640" y="22779360"/>
-            <a:ext cx="1011600" cy="0"/>
+            <a:off x="28029240" y="26570160"/>
+            <a:ext cx="654120" cy="0"/>
           </a:xfrm>
           <a:prstGeom prst="line">
             <a:avLst/>
@@ -2773,8 +2878,8 @@
         </p:nvSpPr>
         <p:spPr>
           <a:xfrm flipH="1">
-            <a:off x="34706880" y="22779360"/>
-            <a:ext cx="1011240" cy="0"/>
+            <a:off x="3558600" y="26578800"/>
+            <a:ext cx="647640" cy="0"/>
           </a:xfrm>
           <a:prstGeom prst="line">
             <a:avLst/>
@@ -2795,8 +2900,8 @@
         </p:nvSpPr>
         <p:spPr>
           <a:xfrm flipH="1">
-            <a:off x="40100760" y="22779360"/>
-            <a:ext cx="1011240" cy="0"/>
+            <a:off x="1830960" y="26578800"/>
+            <a:ext cx="648000" cy="0"/>
           </a:xfrm>
           <a:prstGeom prst="line">
             <a:avLst/>
@@ -2817,8 +2922,8 @@
         </p:nvSpPr>
         <p:spPr>
           <a:xfrm flipH="1">
-            <a:off x="42797520" y="22779360"/>
-            <a:ext cx="1011240" cy="0"/>
+            <a:off x="5286240" y="26578800"/>
+            <a:ext cx="647640" cy="0"/>
           </a:xfrm>
           <a:prstGeom prst="line">
             <a:avLst/>
@@ -2839,8 +2944,8 @@
         </p:nvSpPr>
         <p:spPr>
           <a:xfrm flipH="1">
-            <a:off x="4952160" y="22786560"/>
-            <a:ext cx="1001520" cy="0"/>
+            <a:off x="8741160" y="26578800"/>
+            <a:ext cx="647640" cy="0"/>
           </a:xfrm>
           <a:prstGeom prst="line">
             <a:avLst/>
@@ -2861,8 +2966,8 @@
         </p:nvSpPr>
         <p:spPr>
           <a:xfrm flipH="1">
-            <a:off x="2280240" y="22786560"/>
-            <a:ext cx="1002240" cy="0"/>
+            <a:off x="7013520" y="26578800"/>
+            <a:ext cx="648000" cy="0"/>
           </a:xfrm>
           <a:prstGeom prst="line">
             <a:avLst/>
@@ -2883,8 +2988,8 @@
         </p:nvSpPr>
         <p:spPr>
           <a:xfrm flipH="1">
-            <a:off x="7624080" y="22786560"/>
-            <a:ext cx="1001520" cy="0"/>
+            <a:off x="10468440" y="26578800"/>
+            <a:ext cx="648000" cy="0"/>
           </a:xfrm>
           <a:prstGeom prst="line">
             <a:avLst/>
@@ -2905,8 +3010,8 @@
         </p:nvSpPr>
         <p:spPr>
           <a:xfrm flipH="1">
-            <a:off x="12967560" y="22786560"/>
-            <a:ext cx="1001520" cy="0"/>
+            <a:off x="12196080" y="26578800"/>
+            <a:ext cx="648000" cy="0"/>
           </a:xfrm>
           <a:prstGeom prst="line">
             <a:avLst/>
@@ -2927,8 +3032,8 @@
         </p:nvSpPr>
         <p:spPr>
           <a:xfrm flipH="1">
-            <a:off x="10295640" y="22786560"/>
-            <a:ext cx="1001880" cy="0"/>
+            <a:off x="3558600" y="25484400"/>
+            <a:ext cx="647640" cy="0"/>
           </a:xfrm>
           <a:prstGeom prst="line">
             <a:avLst/>
@@ -2949,8 +3054,8 @@
         </p:nvSpPr>
         <p:spPr>
           <a:xfrm flipH="1">
-            <a:off x="15638760" y="22786560"/>
-            <a:ext cx="1002240" cy="0"/>
+            <a:off x="1830960" y="25484400"/>
+            <a:ext cx="648000" cy="0"/>
           </a:xfrm>
           <a:prstGeom prst="line">
             <a:avLst/>
@@ -2971,8 +3076,8 @@
         </p:nvSpPr>
         <p:spPr>
           <a:xfrm flipH="1">
-            <a:off x="18310680" y="22786560"/>
-            <a:ext cx="1002240" cy="0"/>
+            <a:off x="5286240" y="25484400"/>
+            <a:ext cx="647640" cy="0"/>
           </a:xfrm>
           <a:prstGeom prst="line">
             <a:avLst/>
@@ -2993,8 +3098,8 @@
         </p:nvSpPr>
         <p:spPr>
           <a:xfrm flipH="1">
-            <a:off x="4952160" y="21835800"/>
-            <a:ext cx="1001520" cy="0"/>
+            <a:off x="8741160" y="25484400"/>
+            <a:ext cx="647640" cy="0"/>
           </a:xfrm>
           <a:prstGeom prst="line">
             <a:avLst/>
@@ -3015,8 +3120,8 @@
         </p:nvSpPr>
         <p:spPr>
           <a:xfrm flipH="1">
-            <a:off x="2280240" y="21835800"/>
-            <a:ext cx="1002240" cy="0"/>
+            <a:off x="7013520" y="25484400"/>
+            <a:ext cx="648000" cy="0"/>
           </a:xfrm>
           <a:prstGeom prst="line">
             <a:avLst/>
@@ -3037,8 +3142,8 @@
         </p:nvSpPr>
         <p:spPr>
           <a:xfrm flipH="1">
-            <a:off x="7624080" y="21835800"/>
-            <a:ext cx="1001520" cy="0"/>
+            <a:off x="10468440" y="25484400"/>
+            <a:ext cx="648000" cy="0"/>
           </a:xfrm>
           <a:prstGeom prst="line">
             <a:avLst/>
@@ -3059,74 +3164,8 @@
         </p:nvSpPr>
         <p:spPr>
           <a:xfrm flipH="1">
-            <a:off x="12967560" y="21835800"/>
-            <a:ext cx="1001520" cy="0"/>
-          </a:xfrm>
-          <a:prstGeom prst="line">
-            <a:avLst/>
-          </a:prstGeom>
-          <a:ln w="38160">
-            <a:solidFill>
-              <a:srgbClr val="ffffff"/>
-            </a:solidFill>
-            <a:round/>
-          </a:ln>
-        </p:spPr>
-      </p:sp>
-      <p:sp>
-        <p:nvSpPr>
-          <p:cNvPr id="111" name="Line 76"/>
-          <p:cNvSpPr/>
-          <p:nvPr/>
-        </p:nvSpPr>
-        <p:spPr>
-          <a:xfrm flipH="1">
-            <a:off x="10295640" y="21835800"/>
-            <a:ext cx="1001880" cy="0"/>
-          </a:xfrm>
-          <a:prstGeom prst="line">
-            <a:avLst/>
-          </a:prstGeom>
-          <a:ln w="38160">
-            <a:solidFill>
-              <a:srgbClr val="ffffff"/>
-            </a:solidFill>
-            <a:round/>
-          </a:ln>
-        </p:spPr>
-      </p:sp>
-      <p:sp>
-        <p:nvSpPr>
-          <p:cNvPr id="112" name="Line 77"/>
-          <p:cNvSpPr/>
-          <p:nvPr/>
-        </p:nvSpPr>
-        <p:spPr>
-          <a:xfrm flipH="1">
-            <a:off x="15638760" y="21835800"/>
-            <a:ext cx="1002240" cy="0"/>
-          </a:xfrm>
-          <a:prstGeom prst="line">
-            <a:avLst/>
-          </a:prstGeom>
-          <a:ln w="38160">
-            <a:solidFill>
-              <a:srgbClr val="ffffff"/>
-            </a:solidFill>
-            <a:round/>
-          </a:ln>
-        </p:spPr>
-      </p:sp>
-      <p:sp>
-        <p:nvSpPr>
-          <p:cNvPr id="113" name="Line 78"/>
-          <p:cNvSpPr/>
-          <p:nvPr/>
-        </p:nvSpPr>
-        <p:spPr>
-          <a:xfrm flipH="1">
-            <a:off x="18310680" y="21835800"/>
-            <a:ext cx="1002240" cy="0"/>
+            <a:off x="12196080" y="25484400"/>
+            <a:ext cx="648000" cy="0"/>
           </a:xfrm>
           <a:prstGeom prst="line">
             <a:avLst/>
@@ -3141,7 +3180,7 @@
       </p:sp>
       <p:pic>
         <p:nvPicPr>
-          <p:cNvPr descr="" id="114" name="Picture 8"/>
+          <p:cNvPr descr="" id="111" name="Picture 8"/>
           <p:cNvPicPr/>
           <p:nvPr/>
         </p:nvPicPr>
@@ -3153,8 +3192,8 @@
         </p:blipFill>
         <p:spPr>
           <a:xfrm>
-            <a:off x="14635440" y="22354920"/>
-            <a:ext cx="660960" cy="216000"/>
+            <a:off x="9819720" y="26082000"/>
+            <a:ext cx="426960" cy="247680"/>
           </a:xfrm>
           <a:prstGeom prst="rect">
             <a:avLst/>
@@ -3163,7 +3202,7 @@
       </p:pic>
       <p:pic>
         <p:nvPicPr>
-          <p:cNvPr descr="" id="115" name="Picture 11"/>
+          <p:cNvPr descr="" id="112" name="Picture 11"/>
           <p:cNvPicPr/>
           <p:nvPr/>
         </p:nvPicPr>
@@ -3175,8 +3214,8 @@
         </p:blipFill>
         <p:spPr>
           <a:xfrm>
-            <a:off x="30568680" y="21741840"/>
-            <a:ext cx="1049400" cy="288720"/>
+            <a:off x="20122200" y="25376400"/>
+            <a:ext cx="677880" cy="331560"/>
           </a:xfrm>
           <a:prstGeom prst="rect">
             <a:avLst/>
@@ -3185,7 +3224,7 @@
       </p:pic>
       <p:pic>
         <p:nvPicPr>
-          <p:cNvPr descr="" id="116" name="Picture 14"/>
+          <p:cNvPr descr="" id="113" name="Picture 14"/>
           <p:cNvPicPr/>
           <p:nvPr/>
         </p:nvPicPr>
@@ -3197,8 +3236,8 @@
         </p:blipFill>
         <p:spPr>
           <a:xfrm>
-            <a:off x="10852560" y="22267080"/>
-            <a:ext cx="864000" cy="347040"/>
+            <a:off x="7373880" y="25980840"/>
+            <a:ext cx="558000" cy="398520"/>
           </a:xfrm>
           <a:prstGeom prst="rect">
             <a:avLst/>
@@ -3207,7 +3246,7 @@
       </p:pic>
       <p:pic>
         <p:nvPicPr>
-          <p:cNvPr descr="" id="117" name="Picture 15"/>
+          <p:cNvPr descr="" id="114" name="Picture 15"/>
           <p:cNvPicPr/>
           <p:nvPr/>
         </p:nvPicPr>
@@ -3219,8 +3258,8 @@
         </p:blipFill>
         <p:spPr>
           <a:xfrm>
-            <a:off x="35606160" y="21668400"/>
-            <a:ext cx="797760" cy="369360"/>
+            <a:off x="23379480" y="25291800"/>
+            <a:ext cx="515160" cy="424440"/>
           </a:xfrm>
           <a:prstGeom prst="rect">
             <a:avLst/>
@@ -3229,7 +3268,7 @@
       </p:pic>
       <p:pic>
         <p:nvPicPr>
-          <p:cNvPr descr="" id="118" name="Picture 17"/>
+          <p:cNvPr descr="" id="115" name="Picture 17"/>
           <p:cNvPicPr/>
           <p:nvPr/>
         </p:nvPicPr>
@@ -3241,8 +3280,8 @@
         </p:blipFill>
         <p:spPr>
           <a:xfrm>
-            <a:off x="33387840" y="22701240"/>
-            <a:ext cx="1318680" cy="360720"/>
+            <a:off x="21945240" y="26480520"/>
+            <a:ext cx="852120" cy="414360"/>
           </a:xfrm>
           <a:prstGeom prst="rect">
             <a:avLst/>
@@ -3251,7 +3290,7 @@
       </p:pic>
       <p:pic>
         <p:nvPicPr>
-          <p:cNvPr descr="" id="119" name="Picture 18"/>
+          <p:cNvPr descr="" id="116" name="Picture 18"/>
           <p:cNvPicPr/>
           <p:nvPr/>
         </p:nvPicPr>
@@ -3263,8 +3302,8 @@
         </p:blipFill>
         <p:spPr>
           <a:xfrm>
-            <a:off x="4079160" y="22720680"/>
-            <a:ext cx="687600" cy="311400"/>
+            <a:off x="2994120" y="26502840"/>
+            <a:ext cx="443880" cy="357480"/>
           </a:xfrm>
           <a:prstGeom prst="rect">
             <a:avLst/>
@@ -3273,7 +3312,7 @@
       </p:pic>
       <p:pic>
         <p:nvPicPr>
-          <p:cNvPr descr="" id="120" name="Picture 20"/>
+          <p:cNvPr descr="" id="117" name="Picture 20"/>
           <p:cNvPicPr/>
           <p:nvPr/>
         </p:nvPicPr>
@@ -3285,8 +3324,8 @@
         </p:blipFill>
         <p:spPr>
           <a:xfrm>
-            <a:off x="39285000" y="22354920"/>
-            <a:ext cx="695520" cy="216000"/>
+            <a:off x="25758360" y="26082000"/>
+            <a:ext cx="449280" cy="247680"/>
           </a:xfrm>
           <a:prstGeom prst="rect">
             <a:avLst/>
@@ -3295,7 +3334,7 @@
       </p:pic>
       <p:pic>
         <p:nvPicPr>
-          <p:cNvPr descr="" id="121" name="Picture 21"/>
+          <p:cNvPr descr="" id="118" name="Picture 21"/>
           <p:cNvPicPr/>
           <p:nvPr/>
         </p:nvPicPr>
@@ -3307,8 +3346,8 @@
         </p:blipFill>
         <p:spPr>
           <a:xfrm>
-            <a:off x="39438000" y="21189600"/>
-            <a:ext cx="1578600" cy="459360"/>
+            <a:off x="25857000" y="24741000"/>
+            <a:ext cx="1020240" cy="527760"/>
           </a:xfrm>
           <a:prstGeom prst="rect">
             <a:avLst/>
@@ -3317,7 +3356,7 @@
       </p:pic>
       <p:pic>
         <p:nvPicPr>
-          <p:cNvPr descr="" id="122" name="Picture 16"/>
+          <p:cNvPr descr="" id="119" name="Picture 16"/>
           <p:cNvPicPr/>
           <p:nvPr/>
         </p:nvPicPr>
@@ -3329,8 +3368,8 @@
         </p:blipFill>
         <p:spPr>
           <a:xfrm>
-            <a:off x="23172480" y="21262320"/>
-            <a:ext cx="466560" cy="578880"/>
+            <a:off x="15339960" y="24824520"/>
+            <a:ext cx="300960" cy="665280"/>
           </a:xfrm>
           <a:prstGeom prst="rect">
             <a:avLst/>
@@ -3339,7 +3378,7 @@
       </p:pic>
       <p:pic>
         <p:nvPicPr>
-          <p:cNvPr descr="" id="123" name="Picture 9"/>
+          <p:cNvPr descr="" id="120" name="Picture 9"/>
           <p:cNvPicPr/>
           <p:nvPr/>
         </p:nvPicPr>
@@ -3351,8 +3390,8 @@
         </p:blipFill>
         <p:spPr>
           <a:xfrm>
-            <a:off x="22530960" y="22436280"/>
-            <a:ext cx="491040" cy="340200"/>
+            <a:off x="14925240" y="26175600"/>
+            <a:ext cx="316800" cy="390600"/>
           </a:xfrm>
           <a:prstGeom prst="rect">
             <a:avLst/>
@@ -3361,7 +3400,7 @@
       </p:pic>
       <p:pic>
         <p:nvPicPr>
-          <p:cNvPr descr="" id="124" name="Picture 19"/>
+          <p:cNvPr descr="" id="121" name="Picture 19"/>
           <p:cNvPicPr/>
           <p:nvPr/>
         </p:nvPicPr>
@@ -3373,8 +3412,8 @@
         </p:blipFill>
         <p:spPr>
           <a:xfrm>
-            <a:off x="21314880" y="21354840"/>
-            <a:ext cx="902520" cy="260640"/>
+            <a:off x="14138640" y="24931080"/>
+            <a:ext cx="582840" cy="299160"/>
           </a:xfrm>
           <a:prstGeom prst="rect">
             <a:avLst/>
@@ -3383,7 +3422,7 @@
       </p:pic>
       <p:pic>
         <p:nvPicPr>
-          <p:cNvPr descr="" id="125" name="Picture 200"/>
+          <p:cNvPr descr="" id="122" name="Picture 200"/>
           <p:cNvPicPr/>
           <p:nvPr/>
         </p:nvPicPr>
@@ -3395,8 +3434,8 @@
         </p:blipFill>
         <p:spPr>
           <a:xfrm>
-            <a:off x="23754240" y="22820400"/>
-            <a:ext cx="774360" cy="252720"/>
+            <a:off x="15716160" y="26617680"/>
+            <a:ext cx="500040" cy="290160"/>
           </a:xfrm>
           <a:prstGeom prst="rect">
             <a:avLst/>
@@ -3405,7 +3444,7 @@
       </p:pic>
       <p:pic>
         <p:nvPicPr>
-          <p:cNvPr descr="" id="126" name="Picture 27"/>
+          <p:cNvPr descr="" id="123" name="Picture 27"/>
           <p:cNvPicPr/>
           <p:nvPr/>
         </p:nvPicPr>
@@ -3417,8 +3456,8 @@
         </p:blipFill>
         <p:spPr>
           <a:xfrm>
-            <a:off x="23671800" y="32439600"/>
-            <a:ext cx="552600" cy="401400"/>
+            <a:off x="15662880" y="37686960"/>
+            <a:ext cx="356760" cy="461160"/>
           </a:xfrm>
           <a:prstGeom prst="rect">
             <a:avLst/>
@@ -3427,7 +3466,7 @@
       </p:pic>
       <p:pic>
         <p:nvPicPr>
-          <p:cNvPr descr="" id="127" name="Picture 29"/>
+          <p:cNvPr descr="" id="124" name="Picture 29"/>
           <p:cNvPicPr/>
           <p:nvPr/>
         </p:nvPicPr>
@@ -3439,8 +3478,8 @@
         </p:blipFill>
         <p:spPr>
           <a:xfrm>
-            <a:off x="23701320" y="27192600"/>
-            <a:ext cx="454320" cy="522000"/>
+            <a:off x="15681960" y="31649040"/>
+            <a:ext cx="293040" cy="599760"/>
           </a:xfrm>
           <a:prstGeom prst="rect">
             <a:avLst/>
@@ -3449,7 +3488,7 @@
       </p:pic>
       <p:pic>
         <p:nvPicPr>
-          <p:cNvPr descr="" id="128" name="Picture 30"/>
+          <p:cNvPr descr="" id="125" name="Picture 31"/>
           <p:cNvPicPr/>
           <p:nvPr/>
         </p:nvPicPr>
@@ -3461,8 +3500,8 @@
         </p:blipFill>
         <p:spPr>
           <a:xfrm>
-            <a:off x="24548400" y="29829960"/>
-            <a:ext cx="539280" cy="710640"/>
+            <a:off x="14720760" y="37056240"/>
+            <a:ext cx="355680" cy="647280"/>
           </a:xfrm>
           <a:prstGeom prst="rect">
             <a:avLst/>
@@ -3471,7 +3510,7 @@
       </p:pic>
       <p:pic>
         <p:nvPicPr>
-          <p:cNvPr descr="" id="129" name="Picture 31"/>
+          <p:cNvPr descr="" id="126" name="Picture 32"/>
           <p:cNvPicPr/>
           <p:nvPr/>
         </p:nvPicPr>
@@ -3483,8 +3522,8 @@
         </p:blipFill>
         <p:spPr>
           <a:xfrm>
-            <a:off x="22215240" y="31891320"/>
-            <a:ext cx="551160" cy="563040"/>
+            <a:off x="7900200" y="24895440"/>
+            <a:ext cx="708120" cy="373320"/>
           </a:xfrm>
           <a:prstGeom prst="rect">
             <a:avLst/>
@@ -3493,7 +3532,7 @@
       </p:pic>
       <p:pic>
         <p:nvPicPr>
-          <p:cNvPr descr="" id="130" name="Picture 32"/>
+          <p:cNvPr descr="" id="127" name="Picture 33"/>
           <p:cNvPicPr/>
           <p:nvPr/>
         </p:nvPicPr>
@@ -3505,8 +3544,8 @@
         </p:blipFill>
         <p:spPr>
           <a:xfrm>
-            <a:off x="11666880" y="21323880"/>
-            <a:ext cx="1095840" cy="325080"/>
+            <a:off x="4718880" y="25376400"/>
+            <a:ext cx="588600" cy="406080"/>
           </a:xfrm>
           <a:prstGeom prst="rect">
             <a:avLst/>
@@ -3515,7 +3554,7 @@
       </p:pic>
       <p:pic>
         <p:nvPicPr>
-          <p:cNvPr descr="" id="131" name="Picture 33"/>
+          <p:cNvPr descr="" id="128" name="Picture 34"/>
           <p:cNvPicPr/>
           <p:nvPr/>
         </p:nvPicPr>
@@ -3527,8 +3566,8 @@
         </p:blipFill>
         <p:spPr>
           <a:xfrm>
-            <a:off x="6746400" y="21741840"/>
-            <a:ext cx="911160" cy="353520"/>
+            <a:off x="15810840" y="14650920"/>
+            <a:ext cx="280440" cy="721800"/>
           </a:xfrm>
           <a:prstGeom prst="rect">
             <a:avLst/>
@@ -3537,7 +3576,7 @@
       </p:pic>
       <p:pic>
         <p:nvPicPr>
-          <p:cNvPr descr="" id="132" name="Picture 34"/>
+          <p:cNvPr descr="" id="129" name="Picture 35"/>
           <p:cNvPicPr/>
           <p:nvPr/>
         </p:nvPicPr>
@@ -3549,8 +3588,8 @@
         </p:blipFill>
         <p:spPr>
           <a:xfrm>
-            <a:off x="23900760" y="12421440"/>
-            <a:ext cx="434520" cy="627840"/>
+            <a:off x="14751720" y="21215160"/>
+            <a:ext cx="365760" cy="667080"/>
           </a:xfrm>
           <a:prstGeom prst="rect">
             <a:avLst/>
@@ -3559,7 +3598,7 @@
       </p:pic>
       <p:pic>
         <p:nvPicPr>
-          <p:cNvPr descr="" id="133" name="Picture 35"/>
+          <p:cNvPr descr="" id="130" name="Picture 36"/>
           <p:cNvPicPr/>
           <p:nvPr/>
         </p:nvPicPr>
@@ -3571,8 +3610,8 @@
         </p:blipFill>
         <p:spPr>
           <a:xfrm>
-            <a:off x="22263120" y="18125640"/>
-            <a:ext cx="566640" cy="580320"/>
+            <a:off x="14650920" y="15990120"/>
+            <a:ext cx="297360" cy="681840"/>
           </a:xfrm>
           <a:prstGeom prst="rect">
             <a:avLst/>
@@ -3581,7 +3620,7 @@
       </p:pic>
       <p:pic>
         <p:nvPicPr>
-          <p:cNvPr descr="" id="134" name="Picture 36"/>
+          <p:cNvPr descr="" id="131" name="Picture 27"/>
           <p:cNvPicPr/>
           <p:nvPr/>
         </p:nvPicPr>
@@ -3593,8 +3632,8 @@
         </p:blipFill>
         <p:spPr>
           <a:xfrm>
-            <a:off x="22107240" y="13585320"/>
-            <a:ext cx="460800" cy="593280"/>
+            <a:off x="15348600" y="17951400"/>
+            <a:ext cx="430560" cy="590040"/>
           </a:xfrm>
           <a:prstGeom prst="rect">
             <a:avLst/>
@@ -3603,7 +3642,7 @@
       </p:pic>
       <p:pic>
         <p:nvPicPr>
-          <p:cNvPr descr="" id="135" name="Picture 27"/>
+          <p:cNvPr descr="" id="132" name="Picture 10"/>
           <p:cNvPicPr/>
           <p:nvPr/>
         </p:nvPicPr>
@@ -3615,17 +3654,310 @@
         </p:blipFill>
         <p:spPr>
           <a:xfrm>
-            <a:off x="23186160" y="15289560"/>
-            <a:ext cx="666720" cy="513360"/>
+            <a:off x="15970320" y="25393680"/>
+            <a:ext cx="428400" cy="330120"/>
           </a:xfrm>
           <a:prstGeom prst="rect">
             <a:avLst/>
           </a:prstGeom>
         </p:spPr>
       </p:pic>
+      <p:sp>
+        <p:nvSpPr>
+          <p:cNvPr id="133" name="CustomShape 76"/>
+          <p:cNvSpPr/>
+          <p:nvPr/>
+        </p:nvSpPr>
+        <p:spPr>
+          <a:xfrm>
+            <a:off x="1658880" y="12428640"/>
+            <a:ext cx="7565400" cy="3079080"/>
+          </a:xfrm>
+          <a:prstGeom prst="rect">
+            <a:avLst/>
+          </a:prstGeom>
+          <a:solidFill>
+            <a:srgbClr val="ffffff"/>
+          </a:solidFill>
+        </p:spPr>
+        <p:txBody>
+          <a:bodyPr bIns="45000" lIns="90000" rIns="90000" tIns="45000"/>
+          <a:p>
+            <a:pPr>
+              <a:lnSpc>
+                <a:spcPct val="100000"/>
+              </a:lnSpc>
+            </a:pPr>
+            <a:r>
+              <a:rPr lang="en-US" sz="3200">
+                <a:solidFill>
+                  <a:srgbClr val="000000"/>
+                </a:solidFill>
+                <a:latin typeface="Calibri"/>
+              </a:rPr>
+              <a:t>The AIM protocol</a:t>
+            </a:r>
+            <a:endParaRPr/>
+          </a:p>
+          <a:p>
+            <a:pPr>
+              <a:lnSpc>
+                <a:spcPct val="100000"/>
+              </a:lnSpc>
+              <a:buSzPct val="45000"/>
+              <a:buFont typeface="StarSymbol"/>
+              <a:buChar char="l"/>
+            </a:pPr>
+            <a:r>
+              <a:rPr lang="en-US" sz="3200">
+                <a:solidFill>
+                  <a:srgbClr val="000000"/>
+                </a:solidFill>
+                <a:latin typeface="Calibri"/>
+              </a:rPr>
+              <a:t>A fine control of autonomous vehicles.</a:t>
+            </a:r>
+            <a:endParaRPr/>
+          </a:p>
+          <a:p>
+            <a:pPr>
+              <a:lnSpc>
+                <a:spcPct val="100000"/>
+              </a:lnSpc>
+              <a:buSzPct val="45000"/>
+              <a:buFont typeface="StarSymbol"/>
+              <a:buChar char="l"/>
+            </a:pPr>
+            <a:r>
+              <a:rPr lang="en-US" sz="3200">
+                <a:solidFill>
+                  <a:srgbClr val="000000"/>
+                </a:solidFill>
+                <a:latin typeface="Calibri"/>
+              </a:rPr>
+              <a:t>More vehicles simultaneously to cross an intersection.</a:t>
+            </a:r>
+            <a:endParaRPr/>
+          </a:p>
+          <a:p>
+            <a:pPr>
+              <a:lnSpc>
+                <a:spcPct val="100000"/>
+              </a:lnSpc>
+              <a:buSzPct val="45000"/>
+              <a:buFont typeface="StarSymbol"/>
+              <a:buChar char="l"/>
+            </a:pPr>
+            <a:r>
+              <a:rPr lang="en-US" sz="3200">
+                <a:solidFill>
+                  <a:srgbClr val="000000"/>
+                </a:solidFill>
+                <a:latin typeface="Calibri"/>
+              </a:rPr>
+              <a:t>Effectively reducing the delay of vehicles.</a:t>
+            </a:r>
+            <a:endParaRPr/>
+          </a:p>
+          <a:p>
+            <a:pPr>
+              <a:lnSpc>
+                <a:spcPct val="100000"/>
+              </a:lnSpc>
+            </a:pPr>
+            <a:endParaRPr/>
+          </a:p>
+        </p:txBody>
+      </p:sp>
+      <p:sp>
+        <p:nvSpPr>
+          <p:cNvPr id="134" name="CustomShape 77"/>
+          <p:cNvSpPr/>
+          <p:nvPr/>
+        </p:nvSpPr>
+        <p:spPr>
+          <a:xfrm>
+            <a:off x="1692360" y="27057240"/>
+            <a:ext cx="12263400" cy="3840120"/>
+          </a:xfrm>
+          <a:prstGeom prst="rect">
+            <a:avLst/>
+          </a:prstGeom>
+          <a:solidFill>
+            <a:srgbClr val="ffffff"/>
+          </a:solidFill>
+        </p:spPr>
+        <p:txBody>
+          <a:bodyPr anchor="ctr" bIns="45000" lIns="90000" rIns="90000" tIns="45000"/>
+          <a:p>
+            <a:pPr>
+              <a:lnSpc>
+                <a:spcPct val="100000"/>
+              </a:lnSpc>
+            </a:pPr>
+            <a:r>
+              <a:rPr b="1" lang="en-US" sz="3200">
+                <a:solidFill>
+                  <a:srgbClr val="000000"/>
+                </a:solidFill>
+                <a:latin typeface="Calibri"/>
+              </a:rPr>
+              <a:t>Experiment settings</a:t>
+            </a:r>
+            <a:r>
+              <a:rPr lang="en-US" sz="3200">
+                <a:solidFill>
+                  <a:srgbClr val="000000"/>
+                </a:solidFill>
+                <a:latin typeface="Calibri"/>
+              </a:rPr>
+              <a:t>:</a:t>
+            </a:r>
+            <a:endParaRPr/>
+          </a:p>
+          <a:p>
+            <a:pPr>
+              <a:lnSpc>
+                <a:spcPct val="100000"/>
+              </a:lnSpc>
+              <a:buSzPct val="45000"/>
+              <a:buFont typeface="StarSymbol"/>
+              <a:buChar char="l"/>
+            </a:pPr>
+            <a:r>
+              <a:rPr lang="en-US" sz="3200">
+                <a:solidFill>
+                  <a:srgbClr val="000000"/>
+                </a:solidFill>
+                <a:latin typeface="Calibri"/>
+              </a:rPr>
+              <a:t>Intersection: 3 lanes on each road.</a:t>
+            </a:r>
+            <a:endParaRPr/>
+          </a:p>
+          <a:p>
+            <a:pPr>
+              <a:lnSpc>
+                <a:spcPct val="100000"/>
+              </a:lnSpc>
+              <a:buSzPct val="45000"/>
+              <a:buFont typeface="StarSymbol"/>
+              <a:buChar char="l"/>
+            </a:pPr>
+            <a:r>
+              <a:rPr lang="en-US" sz="3200">
+                <a:solidFill>
+                  <a:srgbClr val="000000"/>
+                </a:solidFill>
+                <a:latin typeface="Calibri"/>
+              </a:rPr>
+              <a:t>Traffic: 360 vehicles/hour/lane.</a:t>
+            </a:r>
+            <a:endParaRPr/>
+          </a:p>
+          <a:p>
+            <a:pPr>
+              <a:lnSpc>
+                <a:spcPct val="100000"/>
+              </a:lnSpc>
+              <a:buSzPct val="45000"/>
+              <a:buFont typeface="StarSymbol"/>
+              <a:buChar char="l"/>
+            </a:pPr>
+            <a:r>
+              <a:rPr lang="en-US" sz="3200">
+                <a:solidFill>
+                  <a:srgbClr val="000000"/>
+                </a:solidFill>
+                <a:latin typeface="Calibri"/>
+              </a:rPr>
+              <a:t>Type of vehicles: Fully Autonomous, Adaptive Cruise Control, Cruise Control, Communication Device and Traditional Human-driven</a:t>
+            </a:r>
+            <a:endParaRPr/>
+          </a:p>
+        </p:txBody>
+      </p:sp>
+      <p:sp>
+        <p:nvSpPr>
+          <p:cNvPr id="135" name="CustomShape 78"/>
+          <p:cNvSpPr/>
+          <p:nvPr/>
+        </p:nvSpPr>
+        <p:spPr>
+          <a:xfrm>
+            <a:off x="16916400" y="11155680"/>
+            <a:ext cx="5859360" cy="673920"/>
+          </a:xfrm>
+          <a:prstGeom prst="rect">
+            <a:avLst/>
+          </a:prstGeom>
+          <a:solidFill>
+            <a:srgbClr val="ffffff"/>
+          </a:solidFill>
+        </p:spPr>
+        <p:txBody>
+          <a:bodyPr bIns="45000" lIns="90000" rIns="90000" tIns="45000"/>
+          <a:p>
+            <a:pPr algn="ctr">
+              <a:lnSpc>
+                <a:spcPct val="100000"/>
+              </a:lnSpc>
+            </a:pPr>
+            <a:r>
+              <a:rPr b="1" lang="en-US" sz="3200">
+                <a:solidFill>
+                  <a:srgbClr val="000000"/>
+                </a:solidFill>
+                <a:latin typeface="Calibri"/>
+              </a:rPr>
+              <a:t>Semi-Autonomous Vehicles</a:t>
+            </a:r>
+            <a:endParaRPr/>
+          </a:p>
+        </p:txBody>
+      </p:sp>
+      <p:sp>
+        <p:nvSpPr>
+          <p:cNvPr id="136" name="CustomShape 79"/>
+          <p:cNvSpPr/>
+          <p:nvPr/>
+        </p:nvSpPr>
+        <p:spPr>
+          <a:xfrm>
+            <a:off x="16911720" y="12878640"/>
+            <a:ext cx="5615640" cy="4101840"/>
+          </a:xfrm>
+          <a:prstGeom prst="rect">
+            <a:avLst/>
+          </a:prstGeom>
+          <a:solidFill>
+            <a:srgbClr val="ffffff"/>
+          </a:solidFill>
+        </p:spPr>
+        <p:txBody>
+          <a:bodyPr anchor="ctr" bIns="45000" lIns="90000" rIns="90000" tIns="45000"/>
+          <a:p>
+            <a:pPr>
+              <a:lnSpc>
+                <a:spcPct val="100000"/>
+              </a:lnSpc>
+            </a:pPr>
+            <a:r>
+              <a:rPr lang="en-US" sz="3200">
+                <a:solidFill>
+                  <a:srgbClr val="000000"/>
+                </a:solidFill>
+                <a:latin typeface="Calibri"/>
+              </a:rPr>
+              <a:t>Our proposed reservation system is general enough to accept reservation requests from any semi-autonomous vehicles that are capable of following some trajectories and communicating with the IM. We currently focus on the types of semi-auto vehicles on the right.</a:t>
+            </a:r>
+            <a:endParaRPr/>
+          </a:p>
+        </p:txBody>
+      </p:sp>
       <p:pic>
         <p:nvPicPr>
-          <p:cNvPr descr="" id="136" name="Picture 10"/>
+          <p:cNvPr descr="" id="137" name=""/>
           <p:cNvPicPr/>
           <p:nvPr/>
         </p:nvPicPr>
@@ -3637,321 +3969,17 @@
         </p:blipFill>
         <p:spPr>
           <a:xfrm>
-            <a:off x="24147360" y="21756960"/>
-            <a:ext cx="663480" cy="287640"/>
+            <a:off x="1356120" y="34555320"/>
+            <a:ext cx="6681240" cy="5486040"/>
           </a:xfrm>
           <a:prstGeom prst="rect">
             <a:avLst/>
           </a:prstGeom>
         </p:spPr>
       </p:pic>
-      <p:sp>
-        <p:nvSpPr>
-          <p:cNvPr id="137" name="CustomShape 79"/>
-          <p:cNvSpPr/>
-          <p:nvPr/>
-        </p:nvSpPr>
-        <p:spPr>
-          <a:xfrm>
-            <a:off x="2013840" y="10490400"/>
-            <a:ext cx="11701440" cy="2676240"/>
-          </a:xfrm>
-          <a:prstGeom prst="rect">
-            <a:avLst/>
-          </a:prstGeom>
-          <a:solidFill>
-            <a:srgbClr val="ffffff"/>
-          </a:solidFill>
-        </p:spPr>
-        <p:txBody>
-          <a:bodyPr bIns="45000" lIns="90000" rIns="90000" tIns="45000"/>
-          <a:p>
-            <a:pPr>
-              <a:lnSpc>
-                <a:spcPct val="100000"/>
-              </a:lnSpc>
-            </a:pPr>
-            <a:r>
-              <a:rPr lang="en-US" sz="3200">
-                <a:solidFill>
-                  <a:srgbClr val="000000"/>
-                </a:solidFill>
-                <a:latin typeface="Calibri"/>
-              </a:rPr>
-              <a:t>The AIM protocol exploits the fine control of autonomous vehicles to allow more vehicles simultaneously to cross an intersection, thus effectively reducing the delay of vehicles by orders of magnitude compared to traffic signals.</a:t>
-            </a:r>
-            <a:endParaRPr/>
-          </a:p>
-          <a:p>
-            <a:pPr>
-              <a:lnSpc>
-                <a:spcPct val="100000"/>
-              </a:lnSpc>
-            </a:pPr>
-            <a:endParaRPr/>
-          </a:p>
-        </p:txBody>
-      </p:sp>
-      <p:sp>
-        <p:nvSpPr>
-          <p:cNvPr id="138" name="CustomShape 80"/>
-          <p:cNvSpPr/>
-          <p:nvPr/>
-        </p:nvSpPr>
-        <p:spPr>
-          <a:xfrm>
-            <a:off x="12344400" y="23506560"/>
-            <a:ext cx="8319960" cy="3284280"/>
-          </a:xfrm>
-          <a:prstGeom prst="rect">
-            <a:avLst/>
-          </a:prstGeom>
-          <a:solidFill>
-            <a:srgbClr val="ffffff"/>
-          </a:solidFill>
-        </p:spPr>
-        <p:txBody>
-          <a:bodyPr anchor="ctr" bIns="45000" lIns="90000" rIns="90000" tIns="45000"/>
-          <a:p>
-            <a:pPr>
-              <a:lnSpc>
-                <a:spcPct val="100000"/>
-              </a:lnSpc>
-            </a:pPr>
-            <a:r>
-              <a:rPr b="1" lang="en-US" sz="3200">
-                <a:solidFill>
-                  <a:srgbClr val="000000"/>
-                </a:solidFill>
-                <a:latin typeface="Calibri"/>
-              </a:rPr>
-              <a:t>Experiment settings</a:t>
-            </a:r>
-            <a:r>
-              <a:rPr lang="en-US" sz="3200">
-                <a:solidFill>
-                  <a:srgbClr val="000000"/>
-                </a:solidFill>
-                <a:latin typeface="Calibri"/>
-              </a:rPr>
-              <a:t>:</a:t>
-            </a:r>
-            <a:endParaRPr/>
-          </a:p>
-          <a:p>
-            <a:pPr>
-              <a:lnSpc>
-                <a:spcPct val="100000"/>
-              </a:lnSpc>
-            </a:pPr>
-            <a:r>
-              <a:rPr lang="en-US" sz="3200">
-                <a:solidFill>
-                  <a:srgbClr val="000000"/>
-                </a:solidFill>
-                <a:latin typeface="Calibri"/>
-              </a:rPr>
-              <a:t>*.Intersection: 3 lanes on each road.</a:t>
-            </a:r>
-            <a:endParaRPr/>
-          </a:p>
-          <a:p>
-            <a:pPr>
-              <a:lnSpc>
-                <a:spcPct val="100000"/>
-              </a:lnSpc>
-            </a:pPr>
-            <a:r>
-              <a:rPr lang="en-US" sz="3200">
-                <a:solidFill>
-                  <a:srgbClr val="000000"/>
-                </a:solidFill>
-                <a:latin typeface="Calibri"/>
-              </a:rPr>
-              <a:t>*.Traffic: 360 veh/hour/lane</a:t>
-            </a:r>
-            <a:endParaRPr/>
-          </a:p>
-          <a:p>
-            <a:pPr>
-              <a:lnSpc>
-                <a:spcPct val="100000"/>
-              </a:lnSpc>
-            </a:pPr>
-            <a:r>
-              <a:rPr lang="en-US" sz="3200">
-                <a:solidFill>
-                  <a:srgbClr val="000000"/>
-                </a:solidFill>
-                <a:latin typeface="Calibri"/>
-              </a:rPr>
-              <a:t>*.Type of vehicles: Fully Autonomous, Adaptive Cruise Control, Cruise Control, Communication Device and Traditional Human-driven</a:t>
-            </a:r>
-            <a:endParaRPr/>
-          </a:p>
-        </p:txBody>
-      </p:sp>
-      <p:sp>
-        <p:nvSpPr>
-          <p:cNvPr id="139" name="CustomShape 81"/>
-          <p:cNvSpPr/>
-          <p:nvPr/>
-        </p:nvSpPr>
-        <p:spPr>
-          <a:xfrm>
-            <a:off x="30163680" y="9444600"/>
-            <a:ext cx="9063000" cy="586440"/>
-          </a:xfrm>
-          <a:prstGeom prst="rect">
-            <a:avLst/>
-          </a:prstGeom>
-          <a:solidFill>
-            <a:srgbClr val="ffffff"/>
-          </a:solidFill>
-        </p:spPr>
-        <p:txBody>
-          <a:bodyPr bIns="45000" lIns="90000" rIns="90000" tIns="45000"/>
-          <a:p>
-            <a:pPr algn="ctr">
-              <a:lnSpc>
-                <a:spcPct val="100000"/>
-              </a:lnSpc>
-            </a:pPr>
-            <a:r>
-              <a:rPr b="1" lang="en-US" sz="3200">
-                <a:solidFill>
-                  <a:srgbClr val="000000"/>
-                </a:solidFill>
-                <a:latin typeface="Calibri"/>
-              </a:rPr>
-              <a:t>Semi-Autonomous Vehicles</a:t>
-            </a:r>
-            <a:endParaRPr/>
-          </a:p>
-        </p:txBody>
-      </p:sp>
-      <p:sp>
-        <p:nvSpPr>
-          <p:cNvPr id="140" name="CustomShape 82"/>
-          <p:cNvSpPr/>
-          <p:nvPr/>
-        </p:nvSpPr>
-        <p:spPr>
-          <a:xfrm>
-            <a:off x="25603200" y="10881360"/>
-            <a:ext cx="8686080" cy="3565080"/>
-          </a:xfrm>
-          <a:prstGeom prst="rect">
-            <a:avLst/>
-          </a:prstGeom>
-          <a:solidFill>
-            <a:srgbClr val="ffffff"/>
-          </a:solidFill>
-        </p:spPr>
-        <p:txBody>
-          <a:bodyPr anchor="ctr" bIns="45000" lIns="90000" rIns="90000" tIns="45000"/>
-          <a:p>
-            <a:pPr>
-              <a:lnSpc>
-                <a:spcPct val="100000"/>
-              </a:lnSpc>
-            </a:pPr>
-            <a:r>
-              <a:rPr lang="en-US" sz="3200">
-                <a:solidFill>
-                  <a:srgbClr val="000000"/>
-                </a:solidFill>
-                <a:latin typeface="Calibri"/>
-              </a:rPr>
-              <a:t>Our proposed reservation system is general enough to accept reservation requests from any semi-autonomous vehicles that are capable of following some trajectories and communicating with the IM. We currently focus on the types of semi-auto vehicles on the right.</a:t>
-            </a:r>
-            <a:endParaRPr/>
-          </a:p>
-        </p:txBody>
-      </p:sp>
-      <p:sp>
-        <p:nvSpPr>
-          <p:cNvPr id="141" name="CustomShape 83"/>
-          <p:cNvSpPr/>
-          <p:nvPr/>
-        </p:nvSpPr>
-        <p:spPr>
-          <a:xfrm>
-            <a:off x="25246440" y="25699320"/>
-            <a:ext cx="19016280" cy="2651040"/>
-          </a:xfrm>
-          <a:prstGeom prst="rect">
-            <a:avLst/>
-          </a:prstGeom>
-          <a:solidFill>
-            <a:srgbClr val="ffffff"/>
-          </a:solidFill>
-        </p:spPr>
-        <p:txBody>
-          <a:bodyPr anchor="ctr" bIns="45000" lIns="90000" rIns="90000" tIns="45000"/>
-          <a:p>
-            <a:pPr>
-              <a:lnSpc>
-                <a:spcPct val="100000"/>
-              </a:lnSpc>
-            </a:pPr>
-            <a:r>
-              <a:rPr lang="en-US" sz="3200">
-                <a:solidFill>
-                  <a:srgbClr val="000000"/>
-                </a:solidFill>
-                <a:latin typeface="Calibri"/>
-              </a:rPr>
-              <a:t>This poster introduces SemiAIM, a new multiagent constraint-based autonomous intersection management system that enables human-driven vehicles and semi-autonomous vehicles, in addition to fully autonomous vehicles, to make reservations and enter an intersection within the AIM paradigm.</a:t>
-            </a:r>
-            <a:endParaRPr/>
-          </a:p>
-          <a:p>
-            <a:pPr>
-              <a:lnSpc>
-                <a:spcPct val="100000"/>
-              </a:lnSpc>
-            </a:pPr>
-            <a:endParaRPr/>
-          </a:p>
-          <a:p>
-            <a:pPr>
-              <a:lnSpc>
-                <a:spcPct val="100000"/>
-              </a:lnSpc>
-            </a:pPr>
-            <a:r>
-              <a:rPr lang="en-US" sz="3200">
-                <a:solidFill>
-                  <a:srgbClr val="000000"/>
-                </a:solidFill>
-                <a:latin typeface="Calibri"/>
-              </a:rPr>
-              <a:t>Our initial experiment showed that our system can greatly decrease traffic delay when most vehicles are semi-autonomous, even when few (if any) are fully autonomous</a:t>
-            </a:r>
-            <a:endParaRPr/>
-          </a:p>
-          <a:p>
-            <a:pPr>
-              <a:lnSpc>
-                <a:spcPct val="100000"/>
-              </a:lnSpc>
-            </a:pPr>
-            <a:endParaRPr/>
-          </a:p>
-          <a:p>
-            <a:pPr>
-              <a:lnSpc>
-                <a:spcPct val="100000"/>
-              </a:lnSpc>
-            </a:pPr>
-            <a:endParaRPr/>
-          </a:p>
-        </p:txBody>
-      </p:sp>
       <p:pic>
         <p:nvPicPr>
-          <p:cNvPr descr="" id="142" name=""/>
+          <p:cNvPr descr="" id="138" name=""/>
           <p:cNvPicPr/>
           <p:nvPr/>
         </p:nvPicPr>
@@ -3963,17 +3991,121 @@
         </p:blipFill>
         <p:spPr>
           <a:xfrm>
-            <a:off x="1828800" y="23543640"/>
-            <a:ext cx="9781200" cy="7179120"/>
+            <a:off x="7397640" y="34555320"/>
+            <a:ext cx="6830640" cy="5541480"/>
           </a:xfrm>
           <a:prstGeom prst="rect">
             <a:avLst/>
           </a:prstGeom>
         </p:spPr>
       </p:pic>
+      <p:sp>
+        <p:nvSpPr>
+          <p:cNvPr id="139" name="CustomShape 80"/>
+          <p:cNvSpPr/>
+          <p:nvPr/>
+        </p:nvSpPr>
+        <p:spPr>
+          <a:xfrm>
+            <a:off x="16815960" y="33732360"/>
+            <a:ext cx="12252600" cy="3200040"/>
+          </a:xfrm>
+          <a:prstGeom prst="rect">
+            <a:avLst/>
+          </a:prstGeom>
+          <a:solidFill>
+            <a:srgbClr val="ffffff"/>
+          </a:solidFill>
+        </p:spPr>
+        <p:txBody>
+          <a:bodyPr anchor="ctr" bIns="45000" lIns="90000" rIns="90000" tIns="45000"/>
+          <a:p>
+            <a:endParaRPr/>
+          </a:p>
+          <a:p>
+            <a:pPr>
+              <a:lnSpc>
+                <a:spcPct val="100000"/>
+              </a:lnSpc>
+              <a:buSzPct val="45000"/>
+              <a:buFont typeface="StarSymbol"/>
+              <a:buChar char="l"/>
+            </a:pPr>
+            <a:r>
+              <a:rPr lang="en-US" sz="3200">
+                <a:solidFill>
+                  <a:srgbClr val="000000"/>
+                </a:solidFill>
+                <a:latin typeface="Calibri"/>
+              </a:rPr>
+              <a:t>The first multiagent protocol to enable smooth interactions between human-driven, fully autonomous, and semi-autonomous vehicles.</a:t>
+            </a:r>
+            <a:endParaRPr/>
+          </a:p>
+          <a:p>
+            <a:pPr>
+              <a:lnSpc>
+                <a:spcPct val="100000"/>
+              </a:lnSpc>
+              <a:buSzPct val="45000"/>
+              <a:buFont typeface="StarSymbol"/>
+              <a:buChar char="l"/>
+            </a:pPr>
+            <a:r>
+              <a:rPr lang="en-US" sz="3200">
+                <a:solidFill>
+                  <a:srgbClr val="000000"/>
+                </a:solidFill>
+                <a:latin typeface="Calibri"/>
+              </a:rPr>
+              <a:t>Showed that our system can greatly decrease traffic delay when most vehicles are semi-autonomous.</a:t>
+            </a:r>
+            <a:endParaRPr/>
+          </a:p>
+        </p:txBody>
+      </p:sp>
+      <p:sp>
+        <p:nvSpPr>
+          <p:cNvPr id="140" name="CustomShape 81"/>
+          <p:cNvSpPr/>
+          <p:nvPr/>
+        </p:nvSpPr>
+        <p:spPr>
+          <a:xfrm>
+            <a:off x="17181720" y="27423000"/>
+            <a:ext cx="11155320" cy="674280"/>
+          </a:xfrm>
+          <a:prstGeom prst="rect">
+            <a:avLst/>
+          </a:prstGeom>
+          <a:solidFill>
+            <a:srgbClr val="ffffff"/>
+          </a:solidFill>
+        </p:spPr>
+        <p:txBody>
+          <a:bodyPr bIns="45000" lIns="90000" rIns="90000" tIns="45000"/>
+          <a:p>
+            <a:pPr algn="ctr">
+              <a:lnSpc>
+                <a:spcPct val="100000"/>
+              </a:lnSpc>
+            </a:pPr>
+            <a:r>
+              <a:rPr b="1" lang="en-US" sz="3200">
+                <a:solidFill>
+                  <a:srgbClr val="000000"/>
+                </a:solidFill>
+                <a:latin typeface="Calibri"/>
+              </a:rPr>
+              <a:t>Interaction Model</a:t>
+            </a:r>
+            <a:endParaRPr/>
+          </a:p>
+        </p:txBody>
+      </p:sp>
       <p:pic>
         <p:nvPicPr>
-          <p:cNvPr descr="" id="143" name=""/>
+          <p:cNvPr descr="" id="141" name=""/>
           <p:cNvPicPr/>
           <p:nvPr/>
         </p:nvPicPr>
@@ -3985,120 +4117,8 @@
         </p:blipFill>
         <p:spPr>
           <a:xfrm>
-            <a:off x="11978640" y="27252000"/>
-            <a:ext cx="9051480" cy="7402680"/>
-          </a:xfrm>
-          <a:prstGeom prst="rect">
-            <a:avLst/>
-          </a:prstGeom>
-        </p:spPr>
-      </p:pic>
-      <p:sp>
-        <p:nvSpPr>
-          <p:cNvPr id="144" name="CustomShape 84"/>
-          <p:cNvSpPr/>
-          <p:nvPr/>
-        </p:nvSpPr>
-        <p:spPr>
-          <a:xfrm>
-            <a:off x="1828800" y="31181040"/>
-            <a:ext cx="9691560" cy="3284280"/>
-          </a:xfrm>
-          <a:prstGeom prst="rect">
-            <a:avLst/>
-          </a:prstGeom>
-          <a:solidFill>
-            <a:srgbClr val="ffffff"/>
-          </a:solidFill>
-        </p:spPr>
-        <p:txBody>
-          <a:bodyPr anchor="ctr" bIns="45000" lIns="90000" rIns="90000" tIns="45000"/>
-          <a:p>
-            <a:r>
-              <a:rPr b="1" lang="en-US" sz="3200">
-                <a:solidFill>
-                  <a:srgbClr val="000000"/>
-                </a:solidFill>
-                <a:latin typeface="Calibri"/>
-              </a:rPr>
-              <a:t>Experiment results:</a:t>
-            </a:r>
-            <a:endParaRPr/>
-          </a:p>
-          <a:p>
-            <a:pPr>
-              <a:lnSpc>
-                <a:spcPct val="100000"/>
-              </a:lnSpc>
-            </a:pPr>
-            <a:r>
-              <a:rPr lang="en-US" sz="3200">
-                <a:solidFill>
-                  <a:srgbClr val="000000"/>
-                </a:solidFill>
-                <a:latin typeface="Calibri"/>
-              </a:rPr>
-              <a:t>the performance of semi-autonomous vehicles is very similar to fully autonomous vehicles when the ratio to human-driven vehicles is below 40%. Beyond 40%, fully autonomous vehicles increasingly outperform semi-autonomous vehicles</a:t>
-            </a:r>
-            <a:endParaRPr/>
-          </a:p>
-        </p:txBody>
-      </p:sp>
-      <p:sp>
-        <p:nvSpPr>
-          <p:cNvPr id="145" name="CustomShape 85"/>
-          <p:cNvSpPr/>
-          <p:nvPr/>
-        </p:nvSpPr>
-        <p:spPr>
-          <a:xfrm>
-            <a:off x="30175200" y="15505920"/>
-            <a:ext cx="9063000" cy="586440"/>
-          </a:xfrm>
-          <a:prstGeom prst="rect">
-            <a:avLst/>
-          </a:prstGeom>
-          <a:solidFill>
-            <a:srgbClr val="ffffff"/>
-          </a:solidFill>
-        </p:spPr>
-        <p:txBody>
-          <a:bodyPr bIns="45000" lIns="90000" rIns="90000" tIns="45000"/>
-          <a:p>
-            <a:pPr algn="ctr">
-              <a:lnSpc>
-                <a:spcPct val="100000"/>
-              </a:lnSpc>
-            </a:pPr>
-            <a:r>
-              <a:rPr b="1" lang="en-US" sz="3200">
-                <a:solidFill>
-                  <a:srgbClr val="000000"/>
-                </a:solidFill>
-                <a:latin typeface="Calibri"/>
-              </a:rPr>
-              <a:t>Interaction Model</a:t>
-            </a:r>
-            <a:endParaRPr/>
-          </a:p>
-        </p:txBody>
-      </p:sp>
-      <p:pic>
-        <p:nvPicPr>
-          <p:cNvPr descr="" id="146" name=""/>
-          <p:cNvPicPr/>
-          <p:nvPr/>
-        </p:nvPicPr>
-        <p:blipFill>
-          <a:blip r:embed="rId28"/>
-          <a:stretch>
-            <a:fillRect/>
-          </a:stretch>
-        </p:blipFill>
-        <p:spPr>
-          <a:xfrm>
-            <a:off x="26517600" y="16459200"/>
-            <a:ext cx="16823880" cy="4753800"/>
+            <a:off x="17398080" y="28352520"/>
+            <a:ext cx="10877760" cy="4372560"/>
           </a:xfrm>
           <a:prstGeom prst="rect">
             <a:avLst/>
@@ -4107,25 +4127,25 @@
       </p:pic>
       <p:graphicFrame>
         <p:nvGraphicFramePr>
-          <p:cNvPr id="147" name="Table 86"/>
+          <p:cNvPr id="142" name="Table 82"/>
           <p:cNvGraphicFramePr/>
           <p:nvPr/>
         </p:nvGraphicFramePr>
         <p:xfrm>
-          <a:off x="34655760" y="10911600"/>
-          <a:ext cx="8970480" cy="3686760"/>
+          <a:off x="22347000" y="11493360"/>
+          <a:ext cx="6639480" cy="4241520"/>
         </p:xfrm>
         <a:graphic>
           <a:graphicData uri="http://schemas.openxmlformats.org/drawingml/2006/table">
             <a:tbl>
               <a:tblPr/>
               <a:tblGrid>
-                <a:gridCol w="2090520"/>
-                <a:gridCol w="2090520"/>
-                <a:gridCol w="2090520"/>
-                <a:gridCol w="2698920"/>
+                <a:gridCol w="1547280"/>
+                <a:gridCol w="1547280"/>
+                <a:gridCol w="1547280"/>
+                <a:gridCol w="1997640"/>
               </a:tblGrid>
-              <a:tr h="921960">
+              <a:tr h="1060920">
                 <a:tc>
                   <a:txBody>
                     <a:bodyPr wrap="none"/>
@@ -4199,7 +4219,7 @@
                   <a:tcPr/>
                 </a:tc>
               </a:tr>
-              <a:tr h="921960">
+              <a:tr h="1060920">
                 <a:tc>
                   <a:txBody>
                     <a:bodyPr wrap="none"/>
@@ -4273,7 +4293,7 @@
                   <a:tcPr/>
                 </a:tc>
               </a:tr>
-              <a:tr h="921960">
+              <a:tr h="1060920">
                 <a:tc>
                   <a:txBody>
                     <a:bodyPr wrap="none"/>
@@ -4332,7 +4352,7 @@
                   <a:tcPr/>
                 </a:tc>
               </a:tr>
-              <a:tr h="920880">
+              <a:tr h="1013040">
                 <a:tc>
                   <a:txBody>
                     <a:bodyPr wrap="none"/>
@@ -4382,14 +4402,14 @@
       </p:graphicFrame>
       <p:sp>
         <p:nvSpPr>
-          <p:cNvPr id="148" name="CustomShape 87"/>
-          <p:cNvSpPr/>
-          <p:nvPr/>
-        </p:nvSpPr>
-        <p:spPr>
-          <a:xfrm>
-            <a:off x="2183400" y="9471240"/>
-            <a:ext cx="17109720" cy="586440"/>
+          <p:cNvPr id="143" name="CustomShape 83"/>
+          <p:cNvSpPr/>
+          <p:nvPr/>
+        </p:nvSpPr>
+        <p:spPr>
+          <a:xfrm>
+            <a:off x="1768320" y="11255760"/>
+            <a:ext cx="11062440" cy="673920"/>
           </a:xfrm>
           <a:prstGeom prst="rect">
             <a:avLst/>
@@ -4421,14 +4441,14 @@
       </p:sp>
       <p:sp>
         <p:nvSpPr>
-          <p:cNvPr id="149" name="CustomShape 88"/>
-          <p:cNvSpPr/>
-          <p:nvPr/>
-        </p:nvSpPr>
-        <p:spPr>
-          <a:xfrm>
-            <a:off x="2549160" y="17243640"/>
-            <a:ext cx="17109720" cy="586440"/>
+          <p:cNvPr id="144" name="CustomShape 84"/>
+          <p:cNvSpPr/>
+          <p:nvPr/>
+        </p:nvSpPr>
+        <p:spPr>
+          <a:xfrm>
+            <a:off x="2004840" y="19833480"/>
+            <a:ext cx="11062440" cy="674280"/>
           </a:xfrm>
           <a:prstGeom prst="rect">
             <a:avLst/>
@@ -4452,7 +4472,7 @@
                 </a:solidFill>
                 <a:latin typeface="Calibri"/>
               </a:rPr>
-              <a:t>Drawbacks of AIM</a:t>
+              <a:t>Limitations of AIM</a:t>
             </a:r>
             <a:endParaRPr/>
           </a:p>
@@ -4460,14 +4480,14 @@
       </p:sp>
       <p:sp>
         <p:nvSpPr>
-          <p:cNvPr id="150" name="CustomShape 89"/>
-          <p:cNvSpPr/>
-          <p:nvPr/>
-        </p:nvSpPr>
-        <p:spPr>
-          <a:xfrm>
-            <a:off x="2103120" y="18105120"/>
-            <a:ext cx="8594640" cy="2925360"/>
+          <p:cNvPr id="145" name="CustomShape 85"/>
+          <p:cNvSpPr/>
+          <p:nvPr/>
+        </p:nvSpPr>
+        <p:spPr>
+          <a:xfrm>
+            <a:off x="1716480" y="20656440"/>
+            <a:ext cx="5556600" cy="3365640"/>
           </a:xfrm>
           <a:prstGeom prst="rect">
             <a:avLst/>
@@ -4507,14 +4527,14 @@
       </p:sp>
       <p:sp>
         <p:nvSpPr>
-          <p:cNvPr id="151" name="CustomShape 90"/>
-          <p:cNvSpPr/>
-          <p:nvPr/>
-        </p:nvSpPr>
-        <p:spPr>
-          <a:xfrm>
-            <a:off x="11338560" y="18105120"/>
-            <a:ext cx="8594640" cy="2925360"/>
+          <p:cNvPr id="146" name="CustomShape 86"/>
+          <p:cNvSpPr/>
+          <p:nvPr/>
+        </p:nvSpPr>
+        <p:spPr>
+          <a:xfrm>
+            <a:off x="7688160" y="20673720"/>
+            <a:ext cx="5556600" cy="3365640"/>
           </a:xfrm>
           <a:prstGeom prst="rect">
             <a:avLst/>
@@ -4564,7 +4584,29 @@
       </p:sp>
       <p:pic>
         <p:nvPicPr>
-          <p:cNvPr descr="" id="152" name=""/>
+          <p:cNvPr descr="" id="147" name=""/>
+          <p:cNvPicPr/>
+          <p:nvPr/>
+        </p:nvPicPr>
+        <p:blipFill>
+          <a:blip r:embed="rId28"/>
+          <a:stretch>
+            <a:fillRect/>
+          </a:stretch>
+        </p:blipFill>
+        <p:spPr>
+          <a:xfrm>
+            <a:off x="9698400" y="14562000"/>
+            <a:ext cx="2304720" cy="3891600"/>
+          </a:xfrm>
+          <a:prstGeom prst="rect">
+            <a:avLst/>
+          </a:prstGeom>
+        </p:spPr>
+      </p:pic>
+      <p:pic>
+        <p:nvPicPr>
+          <p:cNvPr descr="" id="148" name=""/>
           <p:cNvPicPr/>
           <p:nvPr/>
         </p:nvPicPr>
@@ -4576,17 +4618,259 @@
         </p:blipFill>
         <p:spPr>
           <a:xfrm>
-            <a:off x="14447520" y="12344400"/>
-            <a:ext cx="3565440" cy="3382560"/>
+            <a:off x="9409320" y="12949920"/>
+            <a:ext cx="3976920" cy="5785920"/>
           </a:xfrm>
           <a:prstGeom prst="rect">
             <a:avLst/>
           </a:prstGeom>
         </p:spPr>
       </p:pic>
+      <p:sp>
+        <p:nvSpPr>
+          <p:cNvPr id="149" name="CustomShape 87"/>
+          <p:cNvSpPr/>
+          <p:nvPr/>
+        </p:nvSpPr>
+        <p:spPr>
+          <a:xfrm>
+            <a:off x="16998840" y="37447200"/>
+            <a:ext cx="11612520" cy="673920"/>
+          </a:xfrm>
+          <a:prstGeom prst="rect">
+            <a:avLst/>
+          </a:prstGeom>
+          <a:solidFill>
+            <a:srgbClr val="ffffff"/>
+          </a:solidFill>
+        </p:spPr>
+        <p:txBody>
+          <a:bodyPr bIns="45000" lIns="90000" rIns="90000" tIns="45000"/>
+          <a:p>
+            <a:pPr algn="ctr">
+              <a:lnSpc>
+                <a:spcPct val="100000"/>
+              </a:lnSpc>
+            </a:pPr>
+            <a:r>
+              <a:rPr b="1" lang="en-US" sz="3200">
+                <a:solidFill>
+                  <a:srgbClr val="000000"/>
+                </a:solidFill>
+                <a:latin typeface="Calibri"/>
+              </a:rPr>
+              <a:t>References</a:t>
+            </a:r>
+            <a:endParaRPr/>
+          </a:p>
+        </p:txBody>
+      </p:sp>
+      <p:sp>
+        <p:nvSpPr>
+          <p:cNvPr id="150" name="CustomShape 88"/>
+          <p:cNvSpPr/>
+          <p:nvPr/>
+        </p:nvSpPr>
+        <p:spPr>
+          <a:xfrm>
+            <a:off x="16815960" y="38944440"/>
+            <a:ext cx="11886840" cy="1645560"/>
+          </a:xfrm>
+          <a:prstGeom prst="rect">
+            <a:avLst/>
+          </a:prstGeom>
+          <a:solidFill>
+            <a:srgbClr val="ffffff"/>
+          </a:solidFill>
+        </p:spPr>
+        <p:txBody>
+          <a:bodyPr anchor="ctr" bIns="45000" lIns="90000" rIns="90000" tIns="45000"/>
+          <a:p>
+            <a:pPr>
+              <a:lnSpc>
+                <a:spcPct val="100000"/>
+              </a:lnSpc>
+            </a:pPr>
+            <a:r>
+              <a:rPr lang="en-US">
+                <a:solidFill>
+                  <a:srgbClr val="000000"/>
+                </a:solidFill>
+                <a:latin typeface="Calibri"/>
+              </a:rPr>
+              <a:t>[1] DARPA. DARPA Urban Challenge.</a:t>
+            </a:r>
+            <a:endParaRPr/>
+          </a:p>
+          <a:p>
+            <a:pPr>
+              <a:lnSpc>
+                <a:spcPct val="100000"/>
+              </a:lnSpc>
+            </a:pPr>
+            <a:r>
+              <a:rPr lang="en-US">
+                <a:solidFill>
+                  <a:srgbClr val="000000"/>
+                </a:solidFill>
+                <a:latin typeface="Calibri"/>
+              </a:rPr>
+              <a:t>http://www.darpa.mil/grandchallenge, 2007.</a:t>
+            </a:r>
+            <a:endParaRPr/>
+          </a:p>
+          <a:p>
+            <a:pPr>
+              <a:lnSpc>
+                <a:spcPct val="100000"/>
+              </a:lnSpc>
+            </a:pPr>
+            <a:r>
+              <a:rPr lang="en-US">
+                <a:solidFill>
+                  <a:srgbClr val="000000"/>
+                </a:solidFill>
+                <a:latin typeface="Calibri"/>
+              </a:rPr>
+              <a:t>[2] K. Dresner and P. Stone. Sharing the road: Autonomous vehicles meet human drivers. In IJCAI, 2007.</a:t>
+            </a:r>
+            <a:endParaRPr/>
+          </a:p>
+          <a:p>
+            <a:pPr>
+              <a:lnSpc>
+                <a:spcPct val="100000"/>
+              </a:lnSpc>
+            </a:pPr>
+            <a:r>
+              <a:rPr lang="en-US">
+                <a:solidFill>
+                  <a:srgbClr val="000000"/>
+                </a:solidFill>
+                <a:latin typeface="Calibri"/>
+              </a:rPr>
+              <a:t>[3] K. Dresner and P. Stone. A multiagent approach to</a:t>
+            </a:r>
+            <a:endParaRPr/>
+          </a:p>
+          <a:p>
+            <a:pPr>
+              <a:lnSpc>
+                <a:spcPct val="100000"/>
+              </a:lnSpc>
+            </a:pPr>
+            <a:r>
+              <a:rPr lang="en-US">
+                <a:solidFill>
+                  <a:srgbClr val="000000"/>
+                </a:solidFill>
+                <a:latin typeface="Calibri"/>
+              </a:rPr>
+              <a:t>autonomous intersection management. Journal of Artificial Intelligence Research (JAIR), March 2008</a:t>
+            </a:r>
+            <a:endParaRPr/>
+          </a:p>
+          <a:p>
+            <a:pPr>
+              <a:lnSpc>
+                <a:spcPct val="100000"/>
+              </a:lnSpc>
+            </a:pPr>
+            <a:r>
+              <a:rPr lang="en-US">
+                <a:solidFill>
+                  <a:srgbClr val="000000"/>
+                </a:solidFill>
+                <a:latin typeface="Calibri"/>
+              </a:rPr>
+              <a:t>Etc.</a:t>
+            </a:r>
+            <a:endParaRPr/>
+          </a:p>
+          <a:p>
+            <a:pPr>
+              <a:lnSpc>
+                <a:spcPct val="100000"/>
+              </a:lnSpc>
+            </a:pPr>
+            <a:endParaRPr/>
+          </a:p>
+          <a:p>
+            <a:pPr>
+              <a:lnSpc>
+                <a:spcPct val="100000"/>
+              </a:lnSpc>
+            </a:pPr>
+            <a:endParaRPr/>
+          </a:p>
+        </p:txBody>
+      </p:sp>
+      <p:sp>
+        <p:nvSpPr>
+          <p:cNvPr id="151" name="CustomShape 89"/>
+          <p:cNvSpPr/>
+          <p:nvPr/>
+        </p:nvSpPr>
+        <p:spPr>
+          <a:xfrm>
+            <a:off x="947880" y="16561440"/>
+            <a:ext cx="3369240" cy="2840400"/>
+          </a:xfrm>
+          <a:prstGeom prst="rect">
+            <a:avLst/>
+          </a:prstGeom>
+          <a:solidFill>
+            <a:srgbClr val="ffffff"/>
+          </a:solidFill>
+          <a:ln>
+            <a:solidFill>
+              <a:srgbClr val="ff0000"/>
+            </a:solidFill>
+          </a:ln>
+        </p:spPr>
+        <p:txBody>
+          <a:bodyPr anchor="ctr" bIns="45000" lIns="90000" rIns="90000" tIns="45000" wrap="none"/>
+          <a:p>
+            <a:pPr algn="ctr">
+              <a:lnSpc>
+                <a:spcPct val="100000"/>
+              </a:lnSpc>
+            </a:pPr>
+            <a:r>
+              <a:rPr lang="en-US" sz="4000"/>
+              <a:t>Our</a:t>
+            </a:r>
+            <a:endParaRPr/>
+          </a:p>
+          <a:p>
+            <a:pPr algn="ctr">
+              <a:lnSpc>
+                <a:spcPct val="100000"/>
+              </a:lnSpc>
+            </a:pPr>
+            <a:r>
+              <a:rPr lang="en-US" sz="4000"/>
+              <a:t>Autonomous</a:t>
+            </a:r>
+            <a:endParaRPr/>
+          </a:p>
+          <a:p>
+            <a:pPr algn="ctr">
+              <a:lnSpc>
+                <a:spcPct val="100000"/>
+              </a:lnSpc>
+            </a:pPr>
+            <a:r>
+              <a:rPr lang="en-US" sz="4000"/>
+              <a:t>Vehicle!</a:t>
+            </a:r>
+            <a:endParaRPr/>
+          </a:p>
+        </p:txBody>
+      </p:sp>
       <p:pic>
         <p:nvPicPr>
-          <p:cNvPr descr="" id="153" name=""/>
+          <p:cNvPr descr="" id="152" name=""/>
           <p:cNvPicPr/>
           <p:nvPr/>
         </p:nvPicPr>
@@ -4598,8 +4882,8 @@
         </p:blipFill>
         <p:spPr>
           <a:xfrm>
-            <a:off x="14447520" y="11247120"/>
-            <a:ext cx="5302800" cy="5028480"/>
+            <a:off x="16267320" y="6453000"/>
+            <a:ext cx="8570160" cy="3138840"/>
           </a:xfrm>
           <a:prstGeom prst="rect">
             <a:avLst/>
@@ -4608,14 +4892,14 @@
       </p:pic>
       <p:sp>
         <p:nvSpPr>
-          <p:cNvPr id="154" name="CustomShape 91"/>
-          <p:cNvSpPr/>
-          <p:nvPr/>
-        </p:nvSpPr>
-        <p:spPr>
-          <a:xfrm>
-            <a:off x="25429320" y="23923440"/>
-            <a:ext cx="18572760" cy="586440"/>
+          <p:cNvPr id="153" name="CustomShape 90"/>
+          <p:cNvSpPr/>
+          <p:nvPr/>
+        </p:nvSpPr>
+        <p:spPr>
+          <a:xfrm>
+            <a:off x="16785720" y="33240600"/>
+            <a:ext cx="12008520" cy="674280"/>
           </a:xfrm>
           <a:prstGeom prst="rect">
             <a:avLst/>
@@ -4647,14 +4931,14 @@
       </p:sp>
       <p:sp>
         <p:nvSpPr>
-          <p:cNvPr id="155" name="CustomShape 92"/>
-          <p:cNvSpPr/>
-          <p:nvPr/>
-        </p:nvSpPr>
-        <p:spPr>
-          <a:xfrm>
-            <a:off x="25418160" y="29356920"/>
-            <a:ext cx="6868440" cy="586440"/>
+          <p:cNvPr id="154" name="CustomShape 91"/>
+          <p:cNvSpPr/>
+          <p:nvPr/>
+        </p:nvSpPr>
+        <p:spPr>
+          <a:xfrm>
+            <a:off x="1645920" y="30715200"/>
+            <a:ext cx="12263400" cy="3840120"/>
           </a:xfrm>
           <a:prstGeom prst="rect">
             <a:avLst/>
@@ -4664,9 +4948,9 @@
           </a:solidFill>
         </p:spPr>
         <p:txBody>
-          <a:bodyPr bIns="45000" lIns="90000" rIns="90000" tIns="45000"/>
-          <a:p>
-            <a:pPr algn="ctr">
+          <a:bodyPr anchor="ctr" bIns="45000" lIns="90000" rIns="90000" tIns="45000"/>
+          <a:p>
+            <a:pPr>
               <a:lnSpc>
                 <a:spcPct val="100000"/>
               </a:lnSpc>
@@ -4678,32 +4962,19 @@
                 </a:solidFill>
                 <a:latin typeface="Calibri"/>
               </a:rPr>
-              <a:t>Acknowledgement</a:t>
-            </a:r>
-            <a:endParaRPr/>
-          </a:p>
-        </p:txBody>
-      </p:sp>
-      <p:sp>
-        <p:nvSpPr>
-          <p:cNvPr id="156" name="CustomShape 93"/>
-          <p:cNvSpPr/>
-          <p:nvPr/>
-        </p:nvSpPr>
-        <p:spPr>
-          <a:xfrm>
-            <a:off x="25968960" y="30083760"/>
-            <a:ext cx="6491520" cy="3839760"/>
-          </a:xfrm>
-          <a:prstGeom prst="rect">
-            <a:avLst/>
-          </a:prstGeom>
-          <a:solidFill>
-            <a:srgbClr val="ffffff"/>
-          </a:solidFill>
-        </p:spPr>
-        <p:txBody>
-          <a:bodyPr anchor="ctr" bIns="45000" lIns="90000" rIns="90000" tIns="45000"/>
+              <a:t>Experiment results</a:t>
+            </a:r>
+            <a:r>
+              <a:rPr lang="en-US" sz="3200">
+                <a:solidFill>
+                  <a:srgbClr val="000000"/>
+                </a:solidFill>
+                <a:latin typeface="Calibri"/>
+              </a:rPr>
+              <a:t>:</a:t>
+            </a:r>
+            <a:endParaRPr/>
+          </a:p>
           <a:p>
             <a:pPr>
               <a:lnSpc>
@@ -4711,365 +4982,13 @@
               </a:lnSpc>
             </a:pPr>
             <a:r>
-              <a:rPr lang="en-US" sz="2600">
+              <a:rPr lang="en-US" sz="3200">
                 <a:solidFill>
                   <a:srgbClr val="000000"/>
                 </a:solidFill>
                 <a:latin typeface="Calibri"/>
               </a:rPr>
-              <a:t>This work has taken place in the ART Lab at UNIST and LARG</a:t>
-            </a:r>
-            <a:endParaRPr/>
-          </a:p>
-          <a:p>
-            <a:pPr>
-              <a:lnSpc>
-                <a:spcPct val="100000"/>
-              </a:lnSpc>
-            </a:pPr>
-            <a:r>
-              <a:rPr lang="en-US" sz="2600">
-                <a:solidFill>
-                  <a:srgbClr val="000000"/>
-                </a:solidFill>
-                <a:latin typeface="Calibri"/>
-              </a:rPr>
-              <a:t>at UT Austin. ART research is supported by UNIST research fund</a:t>
-            </a:r>
-            <a:endParaRPr/>
-          </a:p>
-          <a:p>
-            <a:pPr>
-              <a:lnSpc>
-                <a:spcPct val="100000"/>
-              </a:lnSpc>
-            </a:pPr>
-            <a:r>
-              <a:rPr lang="en-US" sz="2600">
-                <a:solidFill>
-                  <a:srgbClr val="000000"/>
-                </a:solidFill>
-                <a:latin typeface="Calibri"/>
-              </a:rPr>
-              <a:t>(1.120038.01). LARG research is supported in part by NSF (CNS-</a:t>
-            </a:r>
-            <a:endParaRPr/>
-          </a:p>
-          <a:p>
-            <a:pPr>
-              <a:lnSpc>
-                <a:spcPct val="100000"/>
-              </a:lnSpc>
-            </a:pPr>
-            <a:r>
-              <a:rPr lang="en-US" sz="2600">
-                <a:solidFill>
-                  <a:srgbClr val="000000"/>
-                </a:solidFill>
-                <a:latin typeface="Calibri"/>
-              </a:rPr>
-              <a:t>1330072, CNS-1305287) and ONR (21C184-01).</a:t>
-            </a:r>
-            <a:endParaRPr/>
-          </a:p>
-          <a:p>
-            <a:pPr>
-              <a:lnSpc>
-                <a:spcPct val="100000"/>
-              </a:lnSpc>
-            </a:pPr>
-            <a:endParaRPr/>
-          </a:p>
-        </p:txBody>
-      </p:sp>
-      <p:sp>
-        <p:nvSpPr>
-          <p:cNvPr id="157" name="CustomShape 94"/>
-          <p:cNvSpPr/>
-          <p:nvPr/>
-        </p:nvSpPr>
-        <p:spPr>
-          <a:xfrm>
-            <a:off x="32927400" y="29356920"/>
-            <a:ext cx="9874800" cy="586440"/>
-          </a:xfrm>
-          <a:prstGeom prst="rect">
-            <a:avLst/>
-          </a:prstGeom>
-          <a:solidFill>
-            <a:srgbClr val="ffffff"/>
-          </a:solidFill>
-        </p:spPr>
-        <p:txBody>
-          <a:bodyPr bIns="45000" lIns="90000" rIns="90000" tIns="45000"/>
-          <a:p>
-            <a:pPr algn="ctr">
-              <a:lnSpc>
-                <a:spcPct val="100000"/>
-              </a:lnSpc>
-            </a:pPr>
-            <a:r>
-              <a:rPr b="1" lang="en-US" sz="3200">
-                <a:solidFill>
-                  <a:srgbClr val="000000"/>
-                </a:solidFill>
-                <a:latin typeface="Calibri"/>
-              </a:rPr>
-              <a:t>References</a:t>
-            </a:r>
-            <a:endParaRPr/>
-          </a:p>
-        </p:txBody>
-      </p:sp>
-      <p:sp>
-        <p:nvSpPr>
-          <p:cNvPr id="158" name="CustomShape 95"/>
-          <p:cNvSpPr/>
-          <p:nvPr/>
-        </p:nvSpPr>
-        <p:spPr>
-          <a:xfrm>
-            <a:off x="33467040" y="30341520"/>
-            <a:ext cx="10320840" cy="3748320"/>
-          </a:xfrm>
-          <a:prstGeom prst="rect">
-            <a:avLst/>
-          </a:prstGeom>
-          <a:solidFill>
-            <a:srgbClr val="ffffff"/>
-          </a:solidFill>
-        </p:spPr>
-        <p:txBody>
-          <a:bodyPr anchor="ctr" bIns="45000" lIns="90000" rIns="90000" tIns="45000"/>
-          <a:p>
-            <a:pPr>
-              <a:lnSpc>
-                <a:spcPct val="100000"/>
-              </a:lnSpc>
-            </a:pPr>
-            <a:r>
-              <a:rPr lang="en-US" sz="2600">
-                <a:solidFill>
-                  <a:srgbClr val="000000"/>
-                </a:solidFill>
-                <a:latin typeface="Calibri"/>
-              </a:rPr>
-              <a:t>[1] DARPA. DARPA Urban Challenge.</a:t>
-            </a:r>
-            <a:endParaRPr/>
-          </a:p>
-          <a:p>
-            <a:pPr>
-              <a:lnSpc>
-                <a:spcPct val="100000"/>
-              </a:lnSpc>
-            </a:pPr>
-            <a:r>
-              <a:rPr lang="en-US" sz="2600">
-                <a:solidFill>
-                  <a:srgbClr val="000000"/>
-                </a:solidFill>
-                <a:latin typeface="Calibri"/>
-              </a:rPr>
-              <a:t>http://www.darpa.mil/grandchallenge, 2007.</a:t>
-            </a:r>
-            <a:endParaRPr/>
-          </a:p>
-          <a:p>
-            <a:pPr>
-              <a:lnSpc>
-                <a:spcPct val="100000"/>
-              </a:lnSpc>
-            </a:pPr>
-            <a:r>
-              <a:rPr lang="en-US" sz="2600">
-                <a:solidFill>
-                  <a:srgbClr val="000000"/>
-                </a:solidFill>
-                <a:latin typeface="Calibri"/>
-              </a:rPr>
-              <a:t>[2] K. Dresner and P. Stone. Sharing the road: Autonomous vehicles meet human drivers. In IJCAI, 2007.</a:t>
-            </a:r>
-            <a:endParaRPr/>
-          </a:p>
-          <a:p>
-            <a:pPr>
-              <a:lnSpc>
-                <a:spcPct val="100000"/>
-              </a:lnSpc>
-            </a:pPr>
-            <a:r>
-              <a:rPr lang="en-US" sz="2600">
-                <a:solidFill>
-                  <a:srgbClr val="000000"/>
-                </a:solidFill>
-                <a:latin typeface="Calibri"/>
-              </a:rPr>
-              <a:t>[3] K. Dresner and P. Stone. A multiagent approach to</a:t>
-            </a:r>
-            <a:endParaRPr/>
-          </a:p>
-          <a:p>
-            <a:pPr>
-              <a:lnSpc>
-                <a:spcPct val="100000"/>
-              </a:lnSpc>
-            </a:pPr>
-            <a:r>
-              <a:rPr lang="en-US" sz="2600">
-                <a:solidFill>
-                  <a:srgbClr val="000000"/>
-                </a:solidFill>
-                <a:latin typeface="Calibri"/>
-              </a:rPr>
-              <a:t>autonomous intersection management. Journal of Artificial Intelligence Research (JAIR), March 2008</a:t>
-            </a:r>
-            <a:endParaRPr/>
-          </a:p>
-          <a:p>
-            <a:pPr>
-              <a:lnSpc>
-                <a:spcPct val="100000"/>
-              </a:lnSpc>
-            </a:pPr>
-            <a:r>
-              <a:rPr lang="en-US" sz="2600">
-                <a:solidFill>
-                  <a:srgbClr val="000000"/>
-                </a:solidFill>
-                <a:latin typeface="Calibri"/>
-              </a:rPr>
-              <a:t>Etc.</a:t>
-            </a:r>
-            <a:endParaRPr/>
-          </a:p>
-          <a:p>
-            <a:pPr>
-              <a:lnSpc>
-                <a:spcPct val="100000"/>
-              </a:lnSpc>
-            </a:pPr>
-            <a:endParaRPr/>
-          </a:p>
-          <a:p>
-            <a:pPr>
-              <a:lnSpc>
-                <a:spcPct val="100000"/>
-              </a:lnSpc>
-            </a:pPr>
-            <a:endParaRPr/>
-          </a:p>
-        </p:txBody>
-      </p:sp>
-      <p:sp>
-        <p:nvSpPr>
-          <p:cNvPr id="159" name="CustomShape 96"/>
-          <p:cNvSpPr/>
-          <p:nvPr/>
-        </p:nvSpPr>
-        <p:spPr>
-          <a:xfrm>
-            <a:off x="914400" y="14081760"/>
-            <a:ext cx="5212080" cy="2468880"/>
-          </a:xfrm>
-          <a:prstGeom prst="ellipse">
-            <a:avLst/>
-          </a:prstGeom>
-          <a:solidFill>
-            <a:srgbClr val="ffffff"/>
-          </a:solidFill>
-          <a:ln>
-            <a:solidFill>
-              <a:srgbClr val="ff0000"/>
-            </a:solidFill>
-          </a:ln>
-        </p:spPr>
-        <p:txBody>
-          <a:bodyPr anchor="ctr" bIns="45000" lIns="90000" rIns="90000" tIns="45000" wrap="none"/>
-          <a:p>
-            <a:pPr algn="ctr">
-              <a:lnSpc>
-                <a:spcPct val="100000"/>
-              </a:lnSpc>
-            </a:pPr>
-            <a:r>
-              <a:rPr lang="en-US" sz="4000"/>
-              <a:t>Our</a:t>
-            </a:r>
-            <a:endParaRPr/>
-          </a:p>
-          <a:p>
-            <a:pPr algn="ctr">
-              <a:lnSpc>
-                <a:spcPct val="100000"/>
-              </a:lnSpc>
-            </a:pPr>
-            <a:r>
-              <a:rPr lang="en-US" sz="4000"/>
-              <a:t>Autonomous</a:t>
-            </a:r>
-            <a:endParaRPr/>
-          </a:p>
-          <a:p>
-            <a:pPr algn="ctr">
-              <a:lnSpc>
-                <a:spcPct val="100000"/>
-              </a:lnSpc>
-            </a:pPr>
-            <a:r>
-              <a:rPr lang="en-US" sz="4000"/>
-              <a:t>Vehicle!</a:t>
-            </a:r>
-            <a:endParaRPr/>
-          </a:p>
-        </p:txBody>
-      </p:sp>
-      <p:sp>
-        <p:nvSpPr>
-          <p:cNvPr id="160" name="CustomShape 97"/>
-          <p:cNvSpPr/>
-          <p:nvPr/>
-        </p:nvSpPr>
-        <p:spPr>
-          <a:xfrm>
-            <a:off x="36667440" y="3749040"/>
-            <a:ext cx="7680960" cy="3200400"/>
-          </a:xfrm>
-          <a:prstGeom prst="ellipse">
-            <a:avLst/>
-          </a:prstGeom>
-          <a:solidFill>
-            <a:srgbClr val="ffffff"/>
-          </a:solidFill>
-          <a:ln>
-            <a:solidFill>
-              <a:srgbClr val="ff0000"/>
-            </a:solidFill>
-          </a:ln>
-        </p:spPr>
-        <p:txBody>
-          <a:bodyPr anchor="ctr" bIns="45000" lIns="90000" rIns="90000" tIns="45000" wrap="none"/>
-          <a:p>
-            <a:pPr algn="ctr">
-              <a:lnSpc>
-                <a:spcPct val="100000"/>
-              </a:lnSpc>
-            </a:pPr>
-            <a:r>
-              <a:rPr lang="en-US" sz="4400"/>
-              <a:t>Will be presented again at</a:t>
-            </a:r>
-            <a:endParaRPr/>
-          </a:p>
-          <a:p>
-            <a:pPr algn="ctr">
-              <a:lnSpc>
-                <a:spcPct val="100000"/>
-              </a:lnSpc>
-            </a:pPr>
-            <a:r>
-              <a:rPr lang="en-US" sz="4400"/>
-              <a:t>AAMAS 2014!</a:t>
+              <a:t>the performance of semi-autonomous vehicles is very similar to fully autonomous vehicles when the ratio to human-driven vehicles is below 40%. Beyond 40%, fully autonomous vehicles increasingly outperform semi-autonomous vehicles</a:t>
             </a:r>
             <a:endParaRPr/>
           </a:p>

--- a/shun/aamas14-poster.pptx
+++ b/shun/aamas14-poster.pptx
@@ -1169,143 +1169,7 @@
             <a:pPr algn="ctr"/>
             <a:r>
               <a:rPr lang="en-US"/>
-              <a:t>C</a:t>
-            </a:r>
-            <a:r>
-              <a:rPr lang="en-US"/>
-              <a:t>l</a:t>
-            </a:r>
-            <a:r>
-              <a:rPr lang="en-US"/>
-              <a:t>i</a:t>
-            </a:r>
-            <a:r>
-              <a:rPr lang="en-US"/>
-              <a:t>c</a:t>
-            </a:r>
-            <a:r>
-              <a:rPr lang="en-US"/>
-              <a:t>k</a:t>
-            </a:r>
-            <a:r>
-              <a:rPr lang="en-US"/>
-              <a:t> </a:t>
-            </a:r>
-            <a:r>
-              <a:rPr lang="en-US"/>
-              <a:t>t</a:t>
-            </a:r>
-            <a:r>
-              <a:rPr lang="en-US"/>
-              <a:t>o</a:t>
-            </a:r>
-            <a:r>
-              <a:rPr lang="en-US"/>
-              <a:t> </a:t>
-            </a:r>
-            <a:r>
-              <a:rPr lang="en-US"/>
-              <a:t>e</a:t>
-            </a:r>
-            <a:r>
-              <a:rPr lang="en-US"/>
-              <a:t>d</a:t>
-            </a:r>
-            <a:r>
-              <a:rPr lang="en-US"/>
-              <a:t>i</a:t>
-            </a:r>
-            <a:r>
-              <a:rPr lang="en-US"/>
-              <a:t>t</a:t>
-            </a:r>
-            <a:r>
-              <a:rPr lang="en-US"/>
-              <a:t> </a:t>
-            </a:r>
-            <a:r>
-              <a:rPr lang="en-US"/>
-              <a:t>t</a:t>
-            </a:r>
-            <a:r>
-              <a:rPr lang="en-US"/>
-              <a:t>h</a:t>
-            </a:r>
-            <a:r>
-              <a:rPr lang="en-US"/>
-              <a:t>e</a:t>
-            </a:r>
-            <a:r>
-              <a:rPr lang="en-US"/>
-              <a:t> </a:t>
-            </a:r>
-            <a:r>
-              <a:rPr lang="en-US"/>
-              <a:t>t</a:t>
-            </a:r>
-            <a:r>
-              <a:rPr lang="en-US"/>
-              <a:t>i</a:t>
-            </a:r>
-            <a:r>
-              <a:rPr lang="en-US"/>
-              <a:t>t</a:t>
-            </a:r>
-            <a:r>
-              <a:rPr lang="en-US"/>
-              <a:t>l</a:t>
-            </a:r>
-            <a:r>
-              <a:rPr lang="en-US"/>
-              <a:t>e</a:t>
-            </a:r>
-            <a:r>
-              <a:rPr lang="en-US"/>
-              <a:t> </a:t>
-            </a:r>
-            <a:r>
-              <a:rPr lang="en-US"/>
-              <a:t>t</a:t>
-            </a:r>
-            <a:r>
-              <a:rPr lang="en-US"/>
-              <a:t>e</a:t>
-            </a:r>
-            <a:r>
-              <a:rPr lang="en-US"/>
-              <a:t>x</a:t>
-            </a:r>
-            <a:r>
-              <a:rPr lang="en-US"/>
-              <a:t>t</a:t>
-            </a:r>
-            <a:r>
-              <a:rPr lang="en-US"/>
-              <a:t> </a:t>
-            </a:r>
-            <a:r>
-              <a:rPr lang="en-US"/>
-              <a:t>f</a:t>
-            </a:r>
-            <a:r>
-              <a:rPr lang="en-US"/>
-              <a:t>o</a:t>
-            </a:r>
-            <a:r>
-              <a:rPr lang="en-US"/>
-              <a:t>r</a:t>
-            </a:r>
-            <a:r>
-              <a:rPr lang="en-US"/>
-              <a:t>m</a:t>
-            </a:r>
-            <a:r>
-              <a:rPr lang="en-US"/>
-              <a:t>a</a:t>
-            </a:r>
-            <a:r>
-              <a:rPr lang="en-US"/>
-              <a:t>t</a:t>
+              <a:t>Click to edit the title text format</a:t>
             </a:r>
             <a:endParaRPr/>
           </a:p>
@@ -1471,7 +1335,7 @@
         <p:spPr>
           <a:xfrm>
             <a:off x="1169640" y="10879560"/>
-            <a:ext cx="28096920" cy="29986200"/>
+            <a:ext cx="28096560" cy="29985840"/>
           </a:xfrm>
           <a:prstGeom prst="rect">
             <a:avLst/>
@@ -1490,7 +1354,7 @@
         <p:spPr>
           <a:xfrm>
             <a:off x="1169640" y="10879200"/>
-            <a:ext cx="13051800" cy="13920480"/>
+            <a:ext cx="13051440" cy="13920120"/>
           </a:xfrm>
           <a:prstGeom prst="rect">
             <a:avLst/>
@@ -1509,7 +1373,7 @@
         <p:spPr>
           <a:xfrm>
             <a:off x="16320600" y="10879560"/>
-            <a:ext cx="12946320" cy="13887000"/>
+            <a:ext cx="12945960" cy="13886640"/>
           </a:xfrm>
           <a:prstGeom prst="rect">
             <a:avLst/>
@@ -1528,7 +1392,7 @@
         <p:spPr>
           <a:xfrm>
             <a:off x="16229160" y="26945280"/>
-            <a:ext cx="13037040" cy="13920480"/>
+            <a:ext cx="13036680" cy="13920120"/>
           </a:xfrm>
           <a:prstGeom prst="rect">
             <a:avLst/>
@@ -1547,7 +1411,7 @@
         <p:spPr>
           <a:xfrm>
             <a:off x="1184760" y="26945280"/>
-            <a:ext cx="13037040" cy="13920480"/>
+            <a:ext cx="13036680" cy="13920120"/>
           </a:xfrm>
           <a:prstGeom prst="rect">
             <a:avLst/>
@@ -1830,7 +1694,7 @@
         <p:spPr>
           <a:xfrm>
             <a:off x="356760" y="1093320"/>
-            <a:ext cx="29560320" cy="4170960"/>
+            <a:ext cx="29559960" cy="4170600"/>
           </a:xfrm>
           <a:prstGeom prst="rect">
             <a:avLst/>
@@ -1866,7 +1730,7 @@
         <p:spPr>
           <a:xfrm>
             <a:off x="4230720" y="4776120"/>
-            <a:ext cx="21666240" cy="1575720"/>
+            <a:ext cx="21665880" cy="1575360"/>
           </a:xfrm>
           <a:prstGeom prst="rect">
             <a:avLst/>
@@ -1917,7 +1781,7 @@
         <p:spPr>
           <a:xfrm>
             <a:off x="5267160" y="6509160"/>
-            <a:ext cx="7799400" cy="3265560"/>
+            <a:ext cx="7799040" cy="3265200"/>
           </a:xfrm>
           <a:prstGeom prst="rect">
             <a:avLst/>
@@ -1939,7 +1803,7 @@
         <p:spPr>
           <a:xfrm>
             <a:off x="4008600" y="16358760"/>
-            <a:ext cx="3754440" cy="2978280"/>
+            <a:ext cx="3754080" cy="2977920"/>
           </a:xfrm>
           <a:prstGeom prst="rect">
             <a:avLst/>
@@ -3193,7 +3057,7 @@
         <p:spPr>
           <a:xfrm>
             <a:off x="9819720" y="26082000"/>
-            <a:ext cx="426960" cy="247680"/>
+            <a:ext cx="426600" cy="247320"/>
           </a:xfrm>
           <a:prstGeom prst="rect">
             <a:avLst/>
@@ -3215,7 +3079,7 @@
         <p:spPr>
           <a:xfrm>
             <a:off x="20122200" y="25376400"/>
-            <a:ext cx="677880" cy="331560"/>
+            <a:ext cx="677520" cy="331200"/>
           </a:xfrm>
           <a:prstGeom prst="rect">
             <a:avLst/>
@@ -3237,7 +3101,7 @@
         <p:spPr>
           <a:xfrm>
             <a:off x="7373880" y="25980840"/>
-            <a:ext cx="558000" cy="398520"/>
+            <a:ext cx="557640" cy="398160"/>
           </a:xfrm>
           <a:prstGeom prst="rect">
             <a:avLst/>
@@ -3259,7 +3123,7 @@
         <p:spPr>
           <a:xfrm>
             <a:off x="23379480" y="25291800"/>
-            <a:ext cx="515160" cy="424440"/>
+            <a:ext cx="514800" cy="424080"/>
           </a:xfrm>
           <a:prstGeom prst="rect">
             <a:avLst/>
@@ -3281,7 +3145,7 @@
         <p:spPr>
           <a:xfrm>
             <a:off x="21945240" y="26480520"/>
-            <a:ext cx="852120" cy="414360"/>
+            <a:ext cx="851760" cy="414000"/>
           </a:xfrm>
           <a:prstGeom prst="rect">
             <a:avLst/>
@@ -3303,7 +3167,7 @@
         <p:spPr>
           <a:xfrm>
             <a:off x="2994120" y="26502840"/>
-            <a:ext cx="443880" cy="357480"/>
+            <a:ext cx="443520" cy="357120"/>
           </a:xfrm>
           <a:prstGeom prst="rect">
             <a:avLst/>
@@ -3325,7 +3189,7 @@
         <p:spPr>
           <a:xfrm>
             <a:off x="25758360" y="26082000"/>
-            <a:ext cx="449280" cy="247680"/>
+            <a:ext cx="448920" cy="247320"/>
           </a:xfrm>
           <a:prstGeom prst="rect">
             <a:avLst/>
@@ -3347,7 +3211,7 @@
         <p:spPr>
           <a:xfrm>
             <a:off x="25857000" y="24741000"/>
-            <a:ext cx="1020240" cy="527760"/>
+            <a:ext cx="1019880" cy="527400"/>
           </a:xfrm>
           <a:prstGeom prst="rect">
             <a:avLst/>
@@ -3369,7 +3233,7 @@
         <p:spPr>
           <a:xfrm>
             <a:off x="15339960" y="24824520"/>
-            <a:ext cx="300960" cy="665280"/>
+            <a:ext cx="300600" cy="664920"/>
           </a:xfrm>
           <a:prstGeom prst="rect">
             <a:avLst/>
@@ -3391,7 +3255,7 @@
         <p:spPr>
           <a:xfrm>
             <a:off x="14925240" y="26175600"/>
-            <a:ext cx="316800" cy="390600"/>
+            <a:ext cx="316440" cy="390240"/>
           </a:xfrm>
           <a:prstGeom prst="rect">
             <a:avLst/>
@@ -3413,7 +3277,7 @@
         <p:spPr>
           <a:xfrm>
             <a:off x="14138640" y="24931080"/>
-            <a:ext cx="582840" cy="299160"/>
+            <a:ext cx="582480" cy="298800"/>
           </a:xfrm>
           <a:prstGeom prst="rect">
             <a:avLst/>
@@ -3435,7 +3299,7 @@
         <p:spPr>
           <a:xfrm>
             <a:off x="15716160" y="26617680"/>
-            <a:ext cx="500040" cy="290160"/>
+            <a:ext cx="499680" cy="289800"/>
           </a:xfrm>
           <a:prstGeom prst="rect">
             <a:avLst/>
@@ -3457,7 +3321,7 @@
         <p:spPr>
           <a:xfrm>
             <a:off x="15662880" y="37686960"/>
-            <a:ext cx="356760" cy="461160"/>
+            <a:ext cx="356400" cy="460800"/>
           </a:xfrm>
           <a:prstGeom prst="rect">
             <a:avLst/>
@@ -3479,7 +3343,7 @@
         <p:spPr>
           <a:xfrm>
             <a:off x="15681960" y="31649040"/>
-            <a:ext cx="293040" cy="599760"/>
+            <a:ext cx="292680" cy="599400"/>
           </a:xfrm>
           <a:prstGeom prst="rect">
             <a:avLst/>
@@ -3501,7 +3365,7 @@
         <p:spPr>
           <a:xfrm>
             <a:off x="14720760" y="37056240"/>
-            <a:ext cx="355680" cy="647280"/>
+            <a:ext cx="355320" cy="646920"/>
           </a:xfrm>
           <a:prstGeom prst="rect">
             <a:avLst/>
@@ -3523,7 +3387,7 @@
         <p:spPr>
           <a:xfrm>
             <a:off x="7900200" y="24895440"/>
-            <a:ext cx="708120" cy="373320"/>
+            <a:ext cx="707760" cy="372960"/>
           </a:xfrm>
           <a:prstGeom prst="rect">
             <a:avLst/>
@@ -3545,7 +3409,7 @@
         <p:spPr>
           <a:xfrm>
             <a:off x="4718880" y="25376400"/>
-            <a:ext cx="588600" cy="406080"/>
+            <a:ext cx="588240" cy="405720"/>
           </a:xfrm>
           <a:prstGeom prst="rect">
             <a:avLst/>
@@ -3567,7 +3431,7 @@
         <p:spPr>
           <a:xfrm>
             <a:off x="15810840" y="14650920"/>
-            <a:ext cx="280440" cy="721800"/>
+            <a:ext cx="280080" cy="721440"/>
           </a:xfrm>
           <a:prstGeom prst="rect">
             <a:avLst/>
@@ -3589,7 +3453,7 @@
         <p:spPr>
           <a:xfrm>
             <a:off x="14751720" y="21215160"/>
-            <a:ext cx="365760" cy="667080"/>
+            <a:ext cx="365400" cy="666720"/>
           </a:xfrm>
           <a:prstGeom prst="rect">
             <a:avLst/>
@@ -3611,7 +3475,7 @@
         <p:spPr>
           <a:xfrm>
             <a:off x="14650920" y="15990120"/>
-            <a:ext cx="297360" cy="681840"/>
+            <a:ext cx="297000" cy="681480"/>
           </a:xfrm>
           <a:prstGeom prst="rect">
             <a:avLst/>
@@ -3633,7 +3497,7 @@
         <p:spPr>
           <a:xfrm>
             <a:off x="15348600" y="17951400"/>
-            <a:ext cx="430560" cy="590040"/>
+            <a:ext cx="430200" cy="589680"/>
           </a:xfrm>
           <a:prstGeom prst="rect">
             <a:avLst/>
@@ -3655,7 +3519,7 @@
         <p:spPr>
           <a:xfrm>
             <a:off x="15970320" y="25393680"/>
-            <a:ext cx="428400" cy="330120"/>
+            <a:ext cx="428040" cy="329760"/>
           </a:xfrm>
           <a:prstGeom prst="rect">
             <a:avLst/>
@@ -3671,7 +3535,7 @@
         <p:spPr>
           <a:xfrm>
             <a:off x="1658880" y="12428640"/>
-            <a:ext cx="7565400" cy="3079080"/>
+            <a:ext cx="7565040" cy="3078720"/>
           </a:xfrm>
           <a:prstGeom prst="rect">
             <a:avLst/>
@@ -3706,7 +3570,7 @@
               </a:lnSpc>
               <a:buSzPct val="45000"/>
               <a:buFont typeface="StarSymbol"/>
-              <a:buChar char="l"/>
+              <a:buChar char=""/>
             </a:pPr>
             <a:r>
               <a:rPr lang="en-US" sz="3200">
@@ -3726,7 +3590,7 @@
               </a:lnSpc>
               <a:buSzPct val="45000"/>
               <a:buFont typeface="StarSymbol"/>
-              <a:buChar char="l"/>
+              <a:buChar char=""/>
             </a:pPr>
             <a:r>
               <a:rPr lang="en-US" sz="3200">
@@ -3746,7 +3610,7 @@
               </a:lnSpc>
               <a:buSzPct val="45000"/>
               <a:buFont typeface="StarSymbol"/>
-              <a:buChar char="l"/>
+              <a:buChar char=""/>
             </a:pPr>
             <a:r>
               <a:rPr lang="en-US" sz="3200">
@@ -3778,7 +3642,7 @@
         <p:spPr>
           <a:xfrm>
             <a:off x="1692360" y="27057240"/>
-            <a:ext cx="12263400" cy="3840120"/>
+            <a:ext cx="12263040" cy="3839760"/>
           </a:xfrm>
           <a:prstGeom prst="rect">
             <a:avLst/>
@@ -3822,7 +3686,7 @@
               </a:lnSpc>
               <a:buSzPct val="45000"/>
               <a:buFont typeface="StarSymbol"/>
-              <a:buChar char="l"/>
+              <a:buChar char=""/>
             </a:pPr>
             <a:r>
               <a:rPr lang="en-US" sz="3200">
@@ -3842,7 +3706,7 @@
               </a:lnSpc>
               <a:buSzPct val="45000"/>
               <a:buFont typeface="StarSymbol"/>
-              <a:buChar char="l"/>
+              <a:buChar char=""/>
             </a:pPr>
             <a:r>
               <a:rPr lang="en-US" sz="3200">
@@ -3862,7 +3726,7 @@
               </a:lnSpc>
               <a:buSzPct val="45000"/>
               <a:buFont typeface="StarSymbol"/>
-              <a:buChar char="l"/>
+              <a:buChar char=""/>
             </a:pPr>
             <a:r>
               <a:rPr lang="en-US" sz="3200">
@@ -3885,8 +3749,8 @@
         </p:nvSpPr>
         <p:spPr>
           <a:xfrm>
-            <a:off x="16916400" y="11155680"/>
-            <a:ext cx="5859360" cy="673920"/>
+            <a:off x="16916400" y="11338560"/>
+            <a:ext cx="11887200" cy="673560"/>
           </a:xfrm>
           <a:prstGeom prst="rect">
             <a:avLst/>
@@ -3924,8 +3788,8 @@
         </p:nvSpPr>
         <p:spPr>
           <a:xfrm>
-            <a:off x="16911720" y="12878640"/>
-            <a:ext cx="5615640" cy="4101840"/>
+            <a:off x="16911720" y="12012120"/>
+            <a:ext cx="12354480" cy="2089800"/>
           </a:xfrm>
           <a:prstGeom prst="rect">
             <a:avLst/>
@@ -3941,6 +3805,9 @@
               <a:lnSpc>
                 <a:spcPct val="100000"/>
               </a:lnSpc>
+              <a:buSzPct val="45000"/>
+              <a:buFont typeface="StarSymbol"/>
+              <a:buChar char=""/>
             </a:pPr>
             <a:r>
               <a:rPr lang="en-US" sz="3200">
@@ -3949,7 +3816,27 @@
                 </a:solidFill>
                 <a:latin typeface="Calibri"/>
               </a:rPr>
-              <a:t>Our proposed reservation system is general enough to accept reservation requests from any semi-autonomous vehicles that are capable of following some trajectories and communicating with the IM. We currently focus on the types of semi-auto vehicles on the right.</a:t>
+              <a:t>General enough to accept reservation requests from any semi-autonomous vehicles.</a:t>
+            </a:r>
+            <a:endParaRPr/>
+          </a:p>
+          <a:p>
+            <a:pPr>
+              <a:lnSpc>
+                <a:spcPct val="100000"/>
+              </a:lnSpc>
+              <a:buSzPct val="45000"/>
+              <a:buFont typeface="StarSymbol"/>
+              <a:buChar char=""/>
+            </a:pPr>
+            <a:r>
+              <a:rPr lang="en-US" sz="3200">
+                <a:solidFill>
+                  <a:srgbClr val="000000"/>
+                </a:solidFill>
+                <a:latin typeface="Calibri"/>
+              </a:rPr>
+              <a:t>We focus on the three types of semi-auto vehicles.</a:t>
             </a:r>
             <a:endParaRPr/>
           </a:p>
@@ -3970,7 +3857,7 @@
         <p:spPr>
           <a:xfrm>
             <a:off x="1356120" y="34555320"/>
-            <a:ext cx="6681240" cy="5486040"/>
+            <a:ext cx="6680880" cy="5485680"/>
           </a:xfrm>
           <a:prstGeom prst="rect">
             <a:avLst/>
@@ -3992,7 +3879,7 @@
         <p:spPr>
           <a:xfrm>
             <a:off x="7397640" y="34555320"/>
-            <a:ext cx="6830640" cy="5541480"/>
+            <a:ext cx="6830280" cy="5541120"/>
           </a:xfrm>
           <a:prstGeom prst="rect">
             <a:avLst/>
@@ -4008,7 +3895,7 @@
         <p:spPr>
           <a:xfrm>
             <a:off x="16815960" y="33732360"/>
-            <a:ext cx="12252600" cy="3200040"/>
+            <a:ext cx="12252240" cy="3199680"/>
           </a:xfrm>
           <a:prstGeom prst="rect">
             <a:avLst/>
@@ -4073,7 +3960,7 @@
         <p:spPr>
           <a:xfrm>
             <a:off x="17181720" y="27423000"/>
-            <a:ext cx="11155320" cy="674280"/>
+            <a:ext cx="11154960" cy="673920"/>
           </a:xfrm>
           <a:prstGeom prst="rect">
             <a:avLst/>
@@ -4118,298 +4005,23 @@
         <p:spPr>
           <a:xfrm>
             <a:off x="17398080" y="28352520"/>
-            <a:ext cx="10877760" cy="4372560"/>
+            <a:ext cx="10877400" cy="4372200"/>
           </a:xfrm>
           <a:prstGeom prst="rect">
             <a:avLst/>
           </a:prstGeom>
         </p:spPr>
       </p:pic>
-      <p:graphicFrame>
-        <p:nvGraphicFramePr>
-          <p:cNvPr id="142" name="Table 82"/>
-          <p:cNvGraphicFramePr/>
-          <p:nvPr/>
-        </p:nvGraphicFramePr>
-        <p:xfrm>
-          <a:off x="22347000" y="11493360"/>
-          <a:ext cx="6639480" cy="4241520"/>
-        </p:xfrm>
-        <a:graphic>
-          <a:graphicData uri="http://schemas.openxmlformats.org/drawingml/2006/table">
-            <a:tbl>
-              <a:tblPr/>
-              <a:tblGrid>
-                <a:gridCol w="1547280"/>
-                <a:gridCol w="1547280"/>
-                <a:gridCol w="1547280"/>
-                <a:gridCol w="1997640"/>
-              </a:tblGrid>
-              <a:tr h="1060920">
-                <a:tc>
-                  <a:txBody>
-                    <a:bodyPr wrap="none"/>
-                    <a:p>
-                      <a:pPr algn="ctr">
-                        <a:lnSpc>
-                          <a:spcPct val="100000"/>
-                        </a:lnSpc>
-                      </a:pPr>
-                      <a:r>
-                        <a:rPr lang="en-US"/>
-                        <a:t>Vehicle Types</a:t>
-                      </a:r>
-                      <a:endParaRPr/>
-                    </a:p>
-                  </a:txBody>
-                  <a:tcPr/>
-                </a:tc>
-                <a:tc>
-                  <a:txBody>
-                    <a:bodyPr wrap="none"/>
-                    <a:p>
-                      <a:pPr algn="ctr">
-                        <a:lnSpc>
-                          <a:spcPct val="100000"/>
-                        </a:lnSpc>
-                      </a:pPr>
-                      <a:r>
-                        <a:rPr lang="en-US"/>
-                        <a:t>Communication Device</a:t>
-                      </a:r>
-                      <a:endParaRPr/>
-                    </a:p>
-                  </a:txBody>
-                  <a:tcPr/>
-                </a:tc>
-                <a:tc>
-                  <a:txBody>
-                    <a:bodyPr wrap="none"/>
-                    <a:p>
-                      <a:pPr algn="ctr">
-                        <a:lnSpc>
-                          <a:spcPct val="100000"/>
-                        </a:lnSpc>
-                      </a:pPr>
-                      <a:r>
-                        <a:rPr lang="en-US"/>
-                        <a:t>Cruise Control</a:t>
-                      </a:r>
-                      <a:endParaRPr/>
-                    </a:p>
-                  </a:txBody>
-                  <a:tcPr/>
-                </a:tc>
-                <a:tc>
-                  <a:txBody>
-                    <a:bodyPr wrap="none"/>
-                    <a:p>
-                      <a:pPr algn="ctr">
-                        <a:lnSpc>
-                          <a:spcPct val="100000"/>
-                        </a:lnSpc>
-                      </a:pPr>
-                      <a:r>
-                        <a:rPr lang="en-US"/>
-                        <a:t>Adaptive Cruise Control</a:t>
-                      </a:r>
-                      <a:endParaRPr/>
-                    </a:p>
-                  </a:txBody>
-                  <a:tcPr/>
-                </a:tc>
-              </a:tr>
-              <a:tr h="1060920">
-                <a:tc>
-                  <a:txBody>
-                    <a:bodyPr wrap="none"/>
-                    <a:p>
-                      <a:pPr algn="ctr">
-                        <a:lnSpc>
-                          <a:spcPct val="100000"/>
-                        </a:lnSpc>
-                      </a:pPr>
-                      <a:r>
-                        <a:rPr lang="en-US"/>
-                        <a:t>SA-ACC</a:t>
-                      </a:r>
-                      <a:endParaRPr/>
-                    </a:p>
-                  </a:txBody>
-                  <a:tcPr/>
-                </a:tc>
-                <a:tc>
-                  <a:txBody>
-                    <a:bodyPr wrap="none"/>
-                    <a:p>
-                      <a:pPr algn="ctr">
-                        <a:lnSpc>
-                          <a:spcPct val="100000"/>
-                        </a:lnSpc>
-                      </a:pPr>
-                      <a:r>
-                        <a:rPr lang="en-US"/>
-                        <a:t>X</a:t>
-                      </a:r>
-                      <a:endParaRPr/>
-                    </a:p>
-                  </a:txBody>
-                  <a:tcPr/>
-                </a:tc>
-                <a:tc>
-                  <a:txBody>
-                    <a:bodyPr wrap="none"/>
-                    <a:p>
-                      <a:pPr algn="ctr">
-                        <a:lnSpc>
-                          <a:spcPct val="100000"/>
-                        </a:lnSpc>
-                      </a:pPr>
-                      <a:r>
-                        <a:rPr lang="en-US"/>
-                        <a:t>X</a:t>
-                      </a:r>
-                      <a:endParaRPr/>
-                    </a:p>
-                  </a:txBody>
-                  <a:tcPr/>
-                </a:tc>
-                <a:tc>
-                  <a:txBody>
-                    <a:bodyPr wrap="none"/>
-                    <a:p>
-                      <a:pPr algn="ctr">
-                        <a:lnSpc>
-                          <a:spcPct val="100000"/>
-                        </a:lnSpc>
-                      </a:pPr>
-                      <a:r>
-                        <a:rPr lang="en-US"/>
-                        <a:t>X</a:t>
-                      </a:r>
-                      <a:endParaRPr/>
-                    </a:p>
-                  </a:txBody>
-                  <a:tcPr/>
-                </a:tc>
-              </a:tr>
-              <a:tr h="1060920">
-                <a:tc>
-                  <a:txBody>
-                    <a:bodyPr wrap="none"/>
-                    <a:p>
-                      <a:pPr algn="ctr">
-                        <a:lnSpc>
-                          <a:spcPct val="100000"/>
-                        </a:lnSpc>
-                      </a:pPr>
-                      <a:r>
-                        <a:rPr lang="en-US"/>
-                        <a:t>SA-CC</a:t>
-                      </a:r>
-                      <a:endParaRPr/>
-                    </a:p>
-                  </a:txBody>
-                  <a:tcPr/>
-                </a:tc>
-                <a:tc>
-                  <a:txBody>
-                    <a:bodyPr wrap="none"/>
-                    <a:p>
-                      <a:pPr algn="ctr">
-                        <a:lnSpc>
-                          <a:spcPct val="100000"/>
-                        </a:lnSpc>
-                      </a:pPr>
-                      <a:r>
-                        <a:rPr lang="en-US"/>
-                        <a:t>X</a:t>
-                      </a:r>
-                      <a:endParaRPr/>
-                    </a:p>
-                  </a:txBody>
-                  <a:tcPr/>
-                </a:tc>
-                <a:tc>
-                  <a:txBody>
-                    <a:bodyPr wrap="none"/>
-                    <a:p>
-                      <a:pPr algn="ctr">
-                        <a:lnSpc>
-                          <a:spcPct val="100000"/>
-                        </a:lnSpc>
-                      </a:pPr>
-                      <a:r>
-                        <a:rPr lang="en-US"/>
-                        <a:t>X</a:t>
-                      </a:r>
-                      <a:endParaRPr/>
-                    </a:p>
-                  </a:txBody>
-                  <a:tcPr/>
-                </a:tc>
-                <a:tc>
-                  <a:tcPr/>
-                </a:tc>
-              </a:tr>
-              <a:tr h="1013040">
-                <a:tc>
-                  <a:txBody>
-                    <a:bodyPr wrap="none"/>
-                    <a:p>
-                      <a:pPr algn="ctr">
-                        <a:lnSpc>
-                          <a:spcPct val="100000"/>
-                        </a:lnSpc>
-                      </a:pPr>
-                      <a:r>
-                        <a:rPr lang="en-US"/>
-                        <a:t>SA-Com</a:t>
-                      </a:r>
-                      <a:endParaRPr/>
-                    </a:p>
-                  </a:txBody>
-                  <a:tcPr/>
-                </a:tc>
-                <a:tc>
-                  <a:txBody>
-                    <a:bodyPr wrap="none"/>
-                    <a:p>
-                      <a:pPr algn="ctr">
-                        <a:lnSpc>
-                          <a:spcPct val="100000"/>
-                        </a:lnSpc>
-                      </a:pPr>
-                      <a:r>
-                        <a:rPr lang="en-US"/>
-                        <a:t>X</a:t>
-                      </a:r>
-                      <a:endParaRPr/>
-                    </a:p>
-                  </a:txBody>
-                  <a:tcPr/>
-                </a:tc>
-                <a:tc>
-                  <a:tcPr/>
-                </a:tc>
-                <a:tc>
-                  <a:tcPr/>
-                </a:tc>
-              </a:tr>
-            </a:tbl>
-          </a:graphicData>
-        </a:graphic>
-      </p:graphicFrame>
-      <p:sp>
-        <p:nvSpPr>
-          <p:cNvPr id="143" name="CustomShape 83"/>
+      <p:sp>
+        <p:nvSpPr>
+          <p:cNvPr id="142" name="CustomShape 82"/>
           <p:cNvSpPr/>
           <p:nvPr/>
         </p:nvSpPr>
         <p:spPr>
           <a:xfrm>
             <a:off x="1768320" y="11255760"/>
-            <a:ext cx="11062440" cy="673920"/>
+            <a:ext cx="11062080" cy="673560"/>
           </a:xfrm>
           <a:prstGeom prst="rect">
             <a:avLst/>
@@ -4441,14 +4053,14 @@
       </p:sp>
       <p:sp>
         <p:nvSpPr>
-          <p:cNvPr id="144" name="CustomShape 84"/>
+          <p:cNvPr id="143" name="CustomShape 83"/>
           <p:cNvSpPr/>
           <p:nvPr/>
         </p:nvSpPr>
         <p:spPr>
           <a:xfrm>
             <a:off x="2004840" y="19833480"/>
-            <a:ext cx="11062440" cy="674280"/>
+            <a:ext cx="11062080" cy="673920"/>
           </a:xfrm>
           <a:prstGeom prst="rect">
             <a:avLst/>
@@ -4480,14 +4092,14 @@
       </p:sp>
       <p:sp>
         <p:nvSpPr>
-          <p:cNvPr id="145" name="CustomShape 85"/>
+          <p:cNvPr id="144" name="CustomShape 84"/>
           <p:cNvSpPr/>
           <p:nvPr/>
         </p:nvSpPr>
         <p:spPr>
           <a:xfrm>
             <a:off x="1716480" y="20656440"/>
-            <a:ext cx="5556600" cy="3365640"/>
+            <a:ext cx="5556240" cy="3365280"/>
           </a:xfrm>
           <a:prstGeom prst="rect">
             <a:avLst/>
@@ -4503,6 +4115,9 @@
               <a:lnSpc>
                 <a:spcPct val="100000"/>
               </a:lnSpc>
+              <a:buSzPct val="45000"/>
+              <a:buFont typeface="StarSymbol"/>
+              <a:buChar char=""/>
             </a:pPr>
             <a:r>
               <a:rPr lang="en-US" sz="3200">
@@ -4511,7 +4126,7 @@
                 </a:solidFill>
                 <a:latin typeface="Calibri"/>
               </a:rPr>
-              <a:t>AIM is designed for the time when vehicles are autonomous. There will be a long transition period during which most vehicles have some but not all capabilities of fully autonomous vehicles.</a:t>
+              <a:t>Designed for the time when vehicles are autonomous.</a:t>
             </a:r>
             <a:endParaRPr/>
           </a:p>
@@ -4520,36 +4135,9 @@
               <a:lnSpc>
                 <a:spcPct val="100000"/>
               </a:lnSpc>
-            </a:pPr>
-            <a:endParaRPr/>
-          </a:p>
-        </p:txBody>
-      </p:sp>
-      <p:sp>
-        <p:nvSpPr>
-          <p:cNvPr id="146" name="CustomShape 86"/>
-          <p:cNvSpPr/>
-          <p:nvPr/>
-        </p:nvSpPr>
-        <p:spPr>
-          <a:xfrm>
-            <a:off x="7688160" y="20673720"/>
-            <a:ext cx="5556600" cy="3365640"/>
-          </a:xfrm>
-          <a:prstGeom prst="rect">
-            <a:avLst/>
-          </a:prstGeom>
-          <a:solidFill>
-            <a:srgbClr val="ffffff"/>
-          </a:solidFill>
-        </p:spPr>
-        <p:txBody>
-          <a:bodyPr bIns="45000" lIns="90000" rIns="90000" tIns="45000"/>
-          <a:p>
-            <a:pPr>
-              <a:lnSpc>
-                <a:spcPct val="100000"/>
-              </a:lnSpc>
+              <a:buSzPct val="45000"/>
+              <a:buFont typeface="StarSymbol"/>
+              <a:buChar char=""/>
             </a:pPr>
             <a:r>
               <a:rPr lang="en-US" sz="3200">
@@ -4558,7 +4146,49 @@
                 </a:solidFill>
                 <a:latin typeface="Calibri"/>
               </a:rPr>
-              <a:t>We use the term </a:t>
+              <a:t>A long transition period during which most vehicles have limited capabilities.</a:t>
+            </a:r>
+            <a:endParaRPr/>
+          </a:p>
+        </p:txBody>
+      </p:sp>
+      <p:sp>
+        <p:nvSpPr>
+          <p:cNvPr id="145" name="CustomShape 85"/>
+          <p:cNvSpPr/>
+          <p:nvPr/>
+        </p:nvSpPr>
+        <p:spPr>
+          <a:xfrm>
+            <a:off x="7688160" y="20673720"/>
+            <a:ext cx="5556240" cy="3365280"/>
+          </a:xfrm>
+          <a:prstGeom prst="rect">
+            <a:avLst/>
+          </a:prstGeom>
+          <a:solidFill>
+            <a:srgbClr val="ffffff"/>
+          </a:solidFill>
+        </p:spPr>
+        <p:txBody>
+          <a:bodyPr bIns="45000" lIns="90000" rIns="90000" tIns="45000"/>
+          <a:p>
+            <a:pPr>
+              <a:lnSpc>
+                <a:spcPct val="100000"/>
+              </a:lnSpc>
+              <a:buSzPct val="45000"/>
+              <a:buFont typeface="StarSymbol"/>
+              <a:buChar char=""/>
+            </a:pPr>
+            <a:r>
+              <a:rPr lang="en-US" sz="3200">
+                <a:solidFill>
+                  <a:srgbClr val="000000"/>
+                </a:solidFill>
+                <a:latin typeface="Calibri"/>
+              </a:rPr>
+              <a:t>New term: </a:t>
             </a:r>
             <a:r>
               <a:rPr b="1" lang="en-US" sz="3200">
@@ -4576,7 +4206,27 @@
                 </a:solidFill>
                 <a:latin typeface="Calibri"/>
               </a:rPr>
-              <a:t> to refer to vehicles with limited autonomous driving and wireless communication capabilities.</a:t>
+              <a:t> </a:t>
+            </a:r>
+            <a:endParaRPr/>
+          </a:p>
+          <a:p>
+            <a:pPr>
+              <a:lnSpc>
+                <a:spcPct val="100000"/>
+              </a:lnSpc>
+              <a:buSzPct val="45000"/>
+              <a:buFont typeface="StarSymbol"/>
+              <a:buChar char=""/>
+            </a:pPr>
+            <a:r>
+              <a:rPr lang="en-US" sz="3200">
+                <a:solidFill>
+                  <a:srgbClr val="000000"/>
+                </a:solidFill>
+                <a:latin typeface="Calibri"/>
+              </a:rPr>
+              <a:t>Vehicles with limited autonomous driving and wireless communication capabilities.</a:t>
             </a:r>
             <a:endParaRPr/>
           </a:p>
@@ -4584,7 +4234,7 @@
       </p:sp>
       <p:pic>
         <p:nvPicPr>
-          <p:cNvPr descr="" id="147" name=""/>
+          <p:cNvPr descr="" id="146" name=""/>
           <p:cNvPicPr/>
           <p:nvPr/>
         </p:nvPicPr>
@@ -4597,7 +4247,7 @@
         <p:spPr>
           <a:xfrm>
             <a:off x="9698400" y="14562000"/>
-            <a:ext cx="2304720" cy="3891600"/>
+            <a:ext cx="2304360" cy="3891240"/>
           </a:xfrm>
           <a:prstGeom prst="rect">
             <a:avLst/>
@@ -4606,7 +4256,7 @@
       </p:pic>
       <p:pic>
         <p:nvPicPr>
-          <p:cNvPr descr="" id="148" name=""/>
+          <p:cNvPr descr="" id="147" name=""/>
           <p:cNvPicPr/>
           <p:nvPr/>
         </p:nvPicPr>
@@ -4619,7 +4269,7 @@
         <p:spPr>
           <a:xfrm>
             <a:off x="9409320" y="12949920"/>
-            <a:ext cx="3976920" cy="5785920"/>
+            <a:ext cx="3976560" cy="5785560"/>
           </a:xfrm>
           <a:prstGeom prst="rect">
             <a:avLst/>
@@ -4628,14 +4278,14 @@
       </p:pic>
       <p:sp>
         <p:nvSpPr>
-          <p:cNvPr id="149" name="CustomShape 87"/>
+          <p:cNvPr id="148" name="CustomShape 86"/>
           <p:cNvSpPr/>
           <p:nvPr/>
         </p:nvSpPr>
         <p:spPr>
           <a:xfrm>
             <a:off x="16998840" y="37447200"/>
-            <a:ext cx="11612520" cy="673920"/>
+            <a:ext cx="11612160" cy="673560"/>
           </a:xfrm>
           <a:prstGeom prst="rect">
             <a:avLst/>
@@ -4667,14 +4317,14 @@
       </p:sp>
       <p:sp>
         <p:nvSpPr>
-          <p:cNvPr id="150" name="CustomShape 88"/>
+          <p:cNvPr id="149" name="CustomShape 87"/>
           <p:cNvSpPr/>
           <p:nvPr/>
         </p:nvSpPr>
         <p:spPr>
           <a:xfrm>
             <a:off x="16815960" y="38944440"/>
-            <a:ext cx="11886840" cy="1645560"/>
+            <a:ext cx="11886480" cy="1645200"/>
           </a:xfrm>
           <a:prstGeom prst="rect">
             <a:avLst/>
@@ -4807,14 +4457,14 @@
       </p:sp>
       <p:sp>
         <p:nvSpPr>
-          <p:cNvPr id="151" name="CustomShape 89"/>
+          <p:cNvPr id="150" name="CustomShape 88"/>
           <p:cNvSpPr/>
           <p:nvPr/>
         </p:nvSpPr>
         <p:spPr>
           <a:xfrm>
             <a:off x="947880" y="16561440"/>
-            <a:ext cx="3369240" cy="2840400"/>
+            <a:ext cx="3368880" cy="2840040"/>
           </a:xfrm>
           <a:prstGeom prst="rect">
             <a:avLst/>
@@ -4870,7 +4520,7 @@
       </p:sp>
       <p:pic>
         <p:nvPicPr>
-          <p:cNvPr descr="" id="152" name=""/>
+          <p:cNvPr descr="" id="151" name=""/>
           <p:cNvPicPr/>
           <p:nvPr/>
         </p:nvPicPr>
@@ -4883,7 +4533,7 @@
         <p:spPr>
           <a:xfrm>
             <a:off x="16267320" y="6453000"/>
-            <a:ext cx="8570160" cy="3138840"/>
+            <a:ext cx="8569800" cy="3138480"/>
           </a:xfrm>
           <a:prstGeom prst="rect">
             <a:avLst/>
@@ -4892,14 +4542,14 @@
       </p:pic>
       <p:sp>
         <p:nvSpPr>
-          <p:cNvPr id="153" name="CustomShape 90"/>
+          <p:cNvPr id="152" name="CustomShape 89"/>
           <p:cNvSpPr/>
           <p:nvPr/>
         </p:nvSpPr>
         <p:spPr>
           <a:xfrm>
             <a:off x="16785720" y="33240600"/>
-            <a:ext cx="12008520" cy="674280"/>
+            <a:ext cx="12008160" cy="673920"/>
           </a:xfrm>
           <a:prstGeom prst="rect">
             <a:avLst/>
@@ -4931,14 +4581,14 @@
       </p:sp>
       <p:sp>
         <p:nvSpPr>
-          <p:cNvPr id="154" name="CustomShape 91"/>
+          <p:cNvPr id="153" name="CustomShape 90"/>
           <p:cNvSpPr/>
           <p:nvPr/>
         </p:nvSpPr>
         <p:spPr>
           <a:xfrm>
             <a:off x="1645920" y="30715200"/>
-            <a:ext cx="12263400" cy="3840120"/>
+            <a:ext cx="12263040" cy="3839760"/>
           </a:xfrm>
           <a:prstGeom prst="rect">
             <a:avLst/>
@@ -4994,6 +4644,250 @@
           </a:p>
         </p:txBody>
       </p:sp>
+      <p:sp>
+        <p:nvSpPr>
+          <p:cNvPr id="154" name="CustomShape 91"/>
+          <p:cNvSpPr/>
+          <p:nvPr/>
+        </p:nvSpPr>
+        <p:spPr>
+          <a:xfrm>
+            <a:off x="25800480" y="7309800"/>
+            <a:ext cx="3368880" cy="2840040"/>
+          </a:xfrm>
+          <a:prstGeom prst="rect">
+            <a:avLst/>
+          </a:prstGeom>
+          <a:solidFill>
+            <a:srgbClr val="ffffff"/>
+          </a:solidFill>
+          <a:ln>
+            <a:solidFill>
+              <a:srgbClr val="ff0000"/>
+            </a:solidFill>
+          </a:ln>
+        </p:spPr>
+        <p:txBody>
+          <a:bodyPr anchor="ctr" bIns="45000" lIns="90000" rIns="90000" tIns="45000" wrap="none"/>
+          <a:p>
+            <a:pPr algn="ctr">
+              <a:lnSpc>
+                <a:spcPct val="100000"/>
+              </a:lnSpc>
+            </a:pPr>
+            <a:r>
+              <a:rPr lang="en-US" sz="4000"/>
+              <a:t>Full Paper in</a:t>
+            </a:r>
+            <a:endParaRPr/>
+          </a:p>
+          <a:p>
+            <a:pPr algn="ctr">
+              <a:lnSpc>
+                <a:spcPct val="100000"/>
+              </a:lnSpc>
+            </a:pPr>
+            <a:r>
+              <a:rPr lang="en-US" sz="4000"/>
+              <a:t>ARMS 2014!</a:t>
+            </a:r>
+            <a:endParaRPr/>
+          </a:p>
+        </p:txBody>
+      </p:sp>
+      <p:pic>
+        <p:nvPicPr>
+          <p:cNvPr descr="" id="155" name=""/>
+          <p:cNvPicPr/>
+          <p:nvPr/>
+        </p:nvPicPr>
+        <p:blipFill>
+          <a:blip r:embed="rId31"/>
+          <a:stretch>
+            <a:fillRect/>
+          </a:stretch>
+        </p:blipFill>
+        <p:spPr>
+          <a:xfrm>
+            <a:off x="18652320" y="14253480"/>
+            <a:ext cx="8048160" cy="2114280"/>
+          </a:xfrm>
+          <a:prstGeom prst="rect">
+            <a:avLst/>
+          </a:prstGeom>
+        </p:spPr>
+      </p:pic>
+      <p:sp>
+        <p:nvSpPr>
+          <p:cNvPr id="156" name="CustomShape 92"/>
+          <p:cNvSpPr/>
+          <p:nvPr/>
+        </p:nvSpPr>
+        <p:spPr>
+          <a:xfrm>
+            <a:off x="16824960" y="17065800"/>
+            <a:ext cx="7589520" cy="673560"/>
+          </a:xfrm>
+          <a:prstGeom prst="rect">
+            <a:avLst/>
+          </a:prstGeom>
+          <a:solidFill>
+            <a:srgbClr val="ffffff"/>
+          </a:solidFill>
+        </p:spPr>
+        <p:txBody>
+          <a:bodyPr bIns="45000" lIns="90000" rIns="90000" tIns="45000"/>
+          <a:p>
+            <a:pPr algn="ctr">
+              <a:lnSpc>
+                <a:spcPct val="100000"/>
+              </a:lnSpc>
+            </a:pPr>
+            <a:r>
+              <a:rPr b="1" lang="en-US" sz="3200">
+                <a:solidFill>
+                  <a:srgbClr val="000000"/>
+                </a:solidFill>
+                <a:latin typeface="Calibri"/>
+              </a:rPr>
+              <a:t>Constraint-Based Reservation</a:t>
+            </a:r>
+            <a:endParaRPr/>
+          </a:p>
+        </p:txBody>
+      </p:sp>
+      <p:sp>
+        <p:nvSpPr>
+          <p:cNvPr id="157" name="CustomShape 93"/>
+          <p:cNvSpPr/>
+          <p:nvPr/>
+        </p:nvSpPr>
+        <p:spPr>
+          <a:xfrm>
+            <a:off x="16916400" y="18105120"/>
+            <a:ext cx="8321040" cy="6126480"/>
+          </a:xfrm>
+          <a:prstGeom prst="rect">
+            <a:avLst/>
+          </a:prstGeom>
+          <a:solidFill>
+            <a:srgbClr val="ffffff"/>
+          </a:solidFill>
+        </p:spPr>
+        <p:txBody>
+          <a:bodyPr anchor="ctr" bIns="45000" lIns="90000" rIns="90000" tIns="45000"/>
+          <a:p>
+            <a:pPr>
+              <a:lnSpc>
+                <a:spcPct val="100000"/>
+              </a:lnSpc>
+              <a:buSzPct val="45000"/>
+              <a:buFont typeface="StarSymbol"/>
+              <a:buChar char=""/>
+            </a:pPr>
+            <a:r>
+              <a:rPr lang="en-US" sz="3200">
+                <a:solidFill>
+                  <a:srgbClr val="000000"/>
+                </a:solidFill>
+                <a:latin typeface="Calibri"/>
+              </a:rPr>
+              <a:t>Intention: The direction in which the vehicle intends to move.</a:t>
+            </a:r>
+            <a:endParaRPr/>
+          </a:p>
+          <a:p>
+            <a:pPr>
+              <a:lnSpc>
+                <a:spcPct val="100000"/>
+              </a:lnSpc>
+              <a:buSzPct val="45000"/>
+              <a:buFont typeface="StarSymbol"/>
+              <a:buChar char=""/>
+            </a:pPr>
+            <a:r>
+              <a:rPr lang="en-US" sz="3200">
+                <a:solidFill>
+                  <a:srgbClr val="000000"/>
+                </a:solidFill>
+                <a:latin typeface="Calibri"/>
+              </a:rPr>
+              <a:t>Vehicle Type: The type of vehicle.</a:t>
+            </a:r>
+            <a:endParaRPr/>
+          </a:p>
+          <a:p>
+            <a:pPr>
+              <a:lnSpc>
+                <a:spcPct val="100000"/>
+              </a:lnSpc>
+              <a:buSzPct val="45000"/>
+              <a:buFont typeface="StarSymbol"/>
+              <a:buChar char=""/>
+            </a:pPr>
+            <a:r>
+              <a:rPr lang="en-US" sz="3200">
+                <a:solidFill>
+                  <a:srgbClr val="000000"/>
+                </a:solidFill>
+                <a:latin typeface="Calibri"/>
+              </a:rPr>
+              <a:t>Entry Condition: The condition under which the vehicle will enter the intersection.</a:t>
+            </a:r>
+            <a:endParaRPr/>
+          </a:p>
+          <a:p>
+            <a:pPr>
+              <a:lnSpc>
+                <a:spcPct val="100000"/>
+              </a:lnSpc>
+              <a:buSzPct val="45000"/>
+              <a:buFont typeface="StarSymbol"/>
+              <a:buChar char=""/>
+            </a:pPr>
+            <a:r>
+              <a:rPr lang="en-US" sz="3200">
+                <a:solidFill>
+                  <a:srgbClr val="000000"/>
+                </a:solidFill>
+                <a:latin typeface="Calibri"/>
+              </a:rPr>
+              <a:t>Acceleration Profile List: The list of possible acceleration schedules from among which the vehicle will choose one to follow during the traversal of the intersection.</a:t>
+            </a:r>
+            <a:endParaRPr/>
+          </a:p>
+          <a:p>
+            <a:pPr>
+              <a:lnSpc>
+                <a:spcPct val="100000"/>
+              </a:lnSpc>
+            </a:pPr>
+            <a:endParaRPr/>
+          </a:p>
+        </p:txBody>
+      </p:sp>
+      <p:pic>
+        <p:nvPicPr>
+          <p:cNvPr descr="" id="158" name=""/>
+          <p:cNvPicPr/>
+          <p:nvPr/>
+        </p:nvPicPr>
+        <p:blipFill>
+          <a:blip r:embed="rId32"/>
+          <a:stretch>
+            <a:fillRect/>
+          </a:stretch>
+        </p:blipFill>
+        <p:spPr>
+          <a:xfrm>
+            <a:off x="25968960" y="18105120"/>
+            <a:ext cx="2286000" cy="5371920"/>
+          </a:xfrm>
+          <a:prstGeom prst="rect">
+            <a:avLst/>
+          </a:prstGeom>
+        </p:spPr>
+      </p:pic>
     </p:spTree>
   </p:cSld>
   <p:timing>
